--- a/Slides/Presentation Exhib.pptx
+++ b/Slides/Presentation Exhib.pptx
@@ -5,7 +5,7 @@
     <p:sldMasterId id="2147483648" r:id="rId1"/>
   </p:sldMasterIdLst>
   <p:notesMasterIdLst>
-    <p:notesMasterId r:id="rId19"/>
+    <p:notesMasterId r:id="rId26"/>
   </p:notesMasterIdLst>
   <p:sldIdLst>
     <p:sldId id="259" r:id="rId2"/>
@@ -16,15 +16,22 @@
     <p:sldId id="264" r:id="rId7"/>
     <p:sldId id="265" r:id="rId8"/>
     <p:sldId id="272" r:id="rId9"/>
-    <p:sldId id="266" r:id="rId10"/>
-    <p:sldId id="273" r:id="rId11"/>
-    <p:sldId id="267" r:id="rId12"/>
-    <p:sldId id="274" r:id="rId13"/>
-    <p:sldId id="268" r:id="rId14"/>
-    <p:sldId id="275" r:id="rId15"/>
-    <p:sldId id="269" r:id="rId16"/>
-    <p:sldId id="270" r:id="rId17"/>
-    <p:sldId id="271" r:id="rId18"/>
+    <p:sldId id="276" r:id="rId10"/>
+    <p:sldId id="277" r:id="rId11"/>
+    <p:sldId id="278" r:id="rId12"/>
+    <p:sldId id="279" r:id="rId13"/>
+    <p:sldId id="280" r:id="rId14"/>
+    <p:sldId id="281" r:id="rId15"/>
+    <p:sldId id="282" r:id="rId16"/>
+    <p:sldId id="266" r:id="rId17"/>
+    <p:sldId id="273" r:id="rId18"/>
+    <p:sldId id="267" r:id="rId19"/>
+    <p:sldId id="274" r:id="rId20"/>
+    <p:sldId id="268" r:id="rId21"/>
+    <p:sldId id="275" r:id="rId22"/>
+    <p:sldId id="269" r:id="rId23"/>
+    <p:sldId id="270" r:id="rId24"/>
+    <p:sldId id="271" r:id="rId25"/>
   </p:sldIdLst>
   <p:sldSz cx="12192000" cy="6858000"/>
   <p:notesSz cx="6858000" cy="9144000"/>
@@ -3874,13 +3881,13 @@
   <p:clrMapOvr>
     <a:masterClrMapping/>
   </p:clrMapOvr>
-  <mc:AlternateContent xmlns:mc="http://schemas.openxmlformats.org/markup-compatibility/2006">
-    <mc:Choice xmlns:p14="http://schemas.microsoft.com/office/powerpoint/2010/main" Requires="p14">
+  <mc:AlternateContent xmlns:mc="http://schemas.openxmlformats.org/markup-compatibility/2006" xmlns:p14="http://schemas.microsoft.com/office/powerpoint/2010/main">
+    <mc:Choice Requires="p14">
       <p:transition p14:dur="250">
         <p:fade/>
       </p:transition>
     </mc:Choice>
-    <mc:Fallback>
+    <mc:Fallback xmlns="">
       <p:transition>
         <p:fade/>
       </p:transition>
@@ -3987,33 +3994,6 @@
           <a:lstStyle/>
           <a:p>
             <a:pPr marL="12700"/>
-            <a:r>
-              <a:rPr lang="en-GB" b="1" cap="all" spc="200" dirty="0" smtClean="0">
-                <a:solidFill>
-                  <a:schemeClr val="accent1">
-                    <a:lumMod val="75000"/>
-                  </a:schemeClr>
-                </a:solidFill>
-                <a:latin typeface="Arial"/>
-                <a:cs typeface="Arial"/>
-              </a:rPr>
-              <a:t>TEST</a:t>
-            </a:r>
-          </a:p>
-          <a:p>
-            <a:pPr marL="12700"/>
-            <a:r>
-              <a:rPr lang="en-GB" sz="1600" cap="all" spc="200" dirty="0" err="1" smtClean="0">
-                <a:solidFill>
-                  <a:schemeClr val="accent1">
-                    <a:lumMod val="75000"/>
-                  </a:schemeClr>
-                </a:solidFill>
-                <a:latin typeface="Arial"/>
-                <a:cs typeface="Arial"/>
-              </a:rPr>
-              <a:t>TeST</a:t>
-            </a:r>
             <a:endParaRPr lang="en-GB" sz="1600" cap="all" spc="200" dirty="0">
               <a:solidFill>
                 <a:schemeClr val="accent1">
@@ -4123,7 +4103,196 @@
       </p:sp>
       <p:sp>
         <p:nvSpPr>
-          <p:cNvPr id="7" name="TextBox 6"/>
+          <p:cNvPr id="10" name="object 4"/>
+          <p:cNvSpPr txBox="1">
+            <a:spLocks/>
+          </p:cNvSpPr>
+          <p:nvPr/>
+        </p:nvSpPr>
+        <p:spPr>
+          <a:xfrm>
+            <a:off x="4064146" y="5952020"/>
+            <a:ext cx="4343400" cy="143981"/>
+          </a:xfrm>
+          <a:prstGeom prst="rect">
+            <a:avLst/>
+          </a:prstGeom>
+        </p:spPr>
+        <p:txBody>
+          <a:bodyPr vert="horz" wrap="square" lIns="0" tIns="0" rIns="0" bIns="0" rtlCol="0" anchor="ctr">
+            <a:noAutofit/>
+          </a:bodyPr>
+          <a:lstStyle>
+            <a:defPPr>
+              <a:defRPr lang="da-DK"/>
+            </a:defPPr>
+            <a:lvl1pPr marL="0" algn="ctr" defTabSz="914400" rtl="0" eaLnBrk="1" latinLnBrk="0" hangingPunct="1">
+              <a:defRPr sz="1200" kern="1200">
+                <a:solidFill>
+                  <a:schemeClr val="tx1">
+                    <a:tint val="75000"/>
+                  </a:schemeClr>
+                </a:solidFill>
+                <a:latin typeface="+mn-lt"/>
+                <a:ea typeface="+mn-ea"/>
+                <a:cs typeface="+mn-cs"/>
+              </a:defRPr>
+            </a:lvl1pPr>
+            <a:lvl2pPr marL="457200" algn="l" defTabSz="914400" rtl="0" eaLnBrk="1" latinLnBrk="0" hangingPunct="1">
+              <a:defRPr sz="1800" kern="1200">
+                <a:solidFill>
+                  <a:schemeClr val="tx1"/>
+                </a:solidFill>
+                <a:latin typeface="+mn-lt"/>
+                <a:ea typeface="+mn-ea"/>
+                <a:cs typeface="+mn-cs"/>
+              </a:defRPr>
+            </a:lvl2pPr>
+            <a:lvl3pPr marL="914400" algn="l" defTabSz="914400" rtl="0" eaLnBrk="1" latinLnBrk="0" hangingPunct="1">
+              <a:defRPr sz="1800" kern="1200">
+                <a:solidFill>
+                  <a:schemeClr val="tx1"/>
+                </a:solidFill>
+                <a:latin typeface="+mn-lt"/>
+                <a:ea typeface="+mn-ea"/>
+                <a:cs typeface="+mn-cs"/>
+              </a:defRPr>
+            </a:lvl3pPr>
+            <a:lvl4pPr marL="1371600" algn="l" defTabSz="914400" rtl="0" eaLnBrk="1" latinLnBrk="0" hangingPunct="1">
+              <a:defRPr sz="1800" kern="1200">
+                <a:solidFill>
+                  <a:schemeClr val="tx1"/>
+                </a:solidFill>
+                <a:latin typeface="+mn-lt"/>
+                <a:ea typeface="+mn-ea"/>
+                <a:cs typeface="+mn-cs"/>
+              </a:defRPr>
+            </a:lvl4pPr>
+            <a:lvl5pPr marL="1828800" algn="l" defTabSz="914400" rtl="0" eaLnBrk="1" latinLnBrk="0" hangingPunct="1">
+              <a:defRPr sz="1800" kern="1200">
+                <a:solidFill>
+                  <a:schemeClr val="tx1"/>
+                </a:solidFill>
+                <a:latin typeface="+mn-lt"/>
+                <a:ea typeface="+mn-ea"/>
+                <a:cs typeface="+mn-cs"/>
+              </a:defRPr>
+            </a:lvl5pPr>
+            <a:lvl6pPr marL="2286000" algn="l" defTabSz="914400" rtl="0" eaLnBrk="1" latinLnBrk="0" hangingPunct="1">
+              <a:defRPr sz="1800" kern="1200">
+                <a:solidFill>
+                  <a:schemeClr val="tx1"/>
+                </a:solidFill>
+                <a:latin typeface="+mn-lt"/>
+                <a:ea typeface="+mn-ea"/>
+                <a:cs typeface="+mn-cs"/>
+              </a:defRPr>
+            </a:lvl6pPr>
+            <a:lvl7pPr marL="2743200" algn="l" defTabSz="914400" rtl="0" eaLnBrk="1" latinLnBrk="0" hangingPunct="1">
+              <a:defRPr sz="1800" kern="1200">
+                <a:solidFill>
+                  <a:schemeClr val="tx1"/>
+                </a:solidFill>
+                <a:latin typeface="+mn-lt"/>
+                <a:ea typeface="+mn-ea"/>
+                <a:cs typeface="+mn-cs"/>
+              </a:defRPr>
+            </a:lvl7pPr>
+            <a:lvl8pPr marL="3200400" algn="l" defTabSz="914400" rtl="0" eaLnBrk="1" latinLnBrk="0" hangingPunct="1">
+              <a:defRPr sz="1800" kern="1200">
+                <a:solidFill>
+                  <a:schemeClr val="tx1"/>
+                </a:solidFill>
+                <a:latin typeface="+mn-lt"/>
+                <a:ea typeface="+mn-ea"/>
+                <a:cs typeface="+mn-cs"/>
+              </a:defRPr>
+            </a:lvl8pPr>
+            <a:lvl9pPr marL="3657600" algn="l" defTabSz="914400" rtl="0" eaLnBrk="1" latinLnBrk="0" hangingPunct="1">
+              <a:defRPr sz="1800" kern="1200">
+                <a:solidFill>
+                  <a:schemeClr val="tx1"/>
+                </a:solidFill>
+                <a:latin typeface="+mn-lt"/>
+                <a:ea typeface="+mn-ea"/>
+                <a:cs typeface="+mn-cs"/>
+              </a:defRPr>
+            </a:lvl9pPr>
+          </a:lstStyle>
+          <a:p>
+            <a:pPr marL="12700"/>
+            <a:r>
+              <a:rPr lang="da-DK" sz="850" b="1" kern="0" cap="all" spc="200" dirty="0" smtClean="0">
+                <a:solidFill>
+                  <a:schemeClr val="tx1">
+                    <a:lumMod val="50000"/>
+                    <a:lumOff val="50000"/>
+                  </a:schemeClr>
+                </a:solidFill>
+                <a:latin typeface="Arial"/>
+                <a:cs typeface="Arial"/>
+              </a:rPr>
+              <a:t>8 OF 17  | </a:t>
+            </a:r>
+            <a:r>
+              <a:rPr lang="da-DK" sz="850" b="1" kern="0" spc="200" dirty="0" smtClean="0">
+                <a:solidFill>
+                  <a:schemeClr val="tx1">
+                    <a:lumMod val="50000"/>
+                    <a:lumOff val="50000"/>
+                  </a:schemeClr>
+                </a:solidFill>
+                <a:latin typeface="Arial"/>
+                <a:cs typeface="Arial"/>
+              </a:rPr>
+              <a:t>15.02.2014</a:t>
+            </a:r>
+            <a:endParaRPr lang="da-DK" sz="850" kern="0" cap="all" spc="200" dirty="0">
+              <a:solidFill>
+                <a:schemeClr val="tx1">
+                  <a:lumMod val="50000"/>
+                  <a:lumOff val="50000"/>
+                </a:schemeClr>
+              </a:solidFill>
+              <a:latin typeface="Arial"/>
+              <a:cs typeface="Arial"/>
+            </a:endParaRPr>
+          </a:p>
+        </p:txBody>
+      </p:sp>
+      <p:pic>
+        <p:nvPicPr>
+          <p:cNvPr id="4" name="Picture 3"/>
+          <p:cNvPicPr>
+            <a:picLocks noChangeAspect="1"/>
+          </p:cNvPicPr>
+          <p:nvPr/>
+        </p:nvPicPr>
+        <p:blipFill>
+          <a:blip r:embed="rId2">
+            <a:extLst>
+              <a:ext uri="{28A0092B-C50C-407E-A947-70E740481C1C}">
+                <a14:useLocalDpi xmlns:a14="http://schemas.microsoft.com/office/drawing/2010/main" val="0"/>
+              </a:ext>
+            </a:extLst>
+          </a:blip>
+          <a:stretch>
+            <a:fillRect/>
+          </a:stretch>
+        </p:blipFill>
+        <p:spPr>
+          <a:xfrm>
+            <a:off x="2150300" y="1155200"/>
+            <a:ext cx="2792072" cy="4367346"/>
+          </a:xfrm>
+          <a:prstGeom prst="rect">
+            <a:avLst/>
+          </a:prstGeom>
+        </p:spPr>
+      </p:pic>
+      <p:sp>
+        <p:nvSpPr>
+          <p:cNvPr id="8" name="TextBox 7"/>
           <p:cNvSpPr txBox="1"/>
           <p:nvPr/>
         </p:nvSpPr>
@@ -4212,7 +4381,7 @@
           <a:p>
             <a:pPr marL="12700"/>
             <a:r>
-              <a:rPr lang="en-GB" sz="1000" b="1" cap="all" spc="200" dirty="0" smtClean="0">
+              <a:rPr lang="en-GB" sz="1000" b="1" cap="all" spc="200" dirty="0">
                 <a:solidFill>
                   <a:schemeClr val="accent1">
                     <a:lumMod val="75000"/>
@@ -4225,7 +4394,7 @@
               <a:t>App implementation</a:t>
             </a:r>
             <a:r>
-              <a:rPr lang="da-DK" sz="1000" b="1" cap="all" spc="200" dirty="0" smtClean="0">
+              <a:rPr lang="da-DK" sz="1000" b="1" cap="all" spc="200" dirty="0">
                 <a:solidFill>
                   <a:schemeClr val="accent1">
                     <a:lumMod val="75000"/>
@@ -4363,182 +4532,93 @@
           </a:p>
         </p:txBody>
       </p:sp>
-      <p:sp>
-        <p:nvSpPr>
-          <p:cNvPr id="10" name="object 4"/>
-          <p:cNvSpPr txBox="1">
-            <a:spLocks/>
-          </p:cNvSpPr>
+      <p:pic>
+        <p:nvPicPr>
+          <p:cNvPr id="5" name="Picture 4"/>
+          <p:cNvPicPr>
+            <a:picLocks noChangeAspect="1"/>
+          </p:cNvPicPr>
           <p:nvPr/>
-        </p:nvSpPr>
+        </p:nvPicPr>
+        <p:blipFill>
+          <a:blip r:embed="rId3" cstate="print">
+            <a:extLst>
+              <a:ext uri="{28A0092B-C50C-407E-A947-70E740481C1C}">
+                <a14:useLocalDpi xmlns:a14="http://schemas.microsoft.com/office/drawing/2010/main" val="0"/>
+              </a:ext>
+            </a:extLst>
+          </a:blip>
+          <a:stretch>
+            <a:fillRect/>
+          </a:stretch>
+        </p:blipFill>
         <p:spPr>
           <a:xfrm>
-            <a:off x="4064146" y="5952020"/>
-            <a:ext cx="4343400" cy="143981"/>
+            <a:off x="7148752" y="1085356"/>
+            <a:ext cx="2366010" cy="4206240"/>
           </a:xfrm>
           <a:prstGeom prst="rect">
             <a:avLst/>
           </a:prstGeom>
         </p:spPr>
-        <p:txBody>
-          <a:bodyPr vert="horz" wrap="square" lIns="0" tIns="0" rIns="0" bIns="0" rtlCol="0" anchor="ctr">
-            <a:noAutofit/>
-          </a:bodyPr>
-          <a:lstStyle>
-            <a:defPPr>
-              <a:defRPr lang="da-DK"/>
-            </a:defPPr>
-            <a:lvl1pPr marL="0" algn="ctr" defTabSz="914400" rtl="0" eaLnBrk="1" latinLnBrk="0" hangingPunct="1">
-              <a:defRPr sz="1200" kern="1200">
-                <a:solidFill>
-                  <a:schemeClr val="tx1">
-                    <a:tint val="75000"/>
-                  </a:schemeClr>
-                </a:solidFill>
-                <a:latin typeface="+mn-lt"/>
-                <a:ea typeface="+mn-ea"/>
-                <a:cs typeface="+mn-cs"/>
-              </a:defRPr>
-            </a:lvl1pPr>
-            <a:lvl2pPr marL="457200" algn="l" defTabSz="914400" rtl="0" eaLnBrk="1" latinLnBrk="0" hangingPunct="1">
-              <a:defRPr sz="1800" kern="1200">
-                <a:solidFill>
-                  <a:schemeClr val="tx1"/>
-                </a:solidFill>
-                <a:latin typeface="+mn-lt"/>
-                <a:ea typeface="+mn-ea"/>
-                <a:cs typeface="+mn-cs"/>
-              </a:defRPr>
-            </a:lvl2pPr>
-            <a:lvl3pPr marL="914400" algn="l" defTabSz="914400" rtl="0" eaLnBrk="1" latinLnBrk="0" hangingPunct="1">
-              <a:defRPr sz="1800" kern="1200">
-                <a:solidFill>
-                  <a:schemeClr val="tx1"/>
-                </a:solidFill>
-                <a:latin typeface="+mn-lt"/>
-                <a:ea typeface="+mn-ea"/>
-                <a:cs typeface="+mn-cs"/>
-              </a:defRPr>
-            </a:lvl3pPr>
-            <a:lvl4pPr marL="1371600" algn="l" defTabSz="914400" rtl="0" eaLnBrk="1" latinLnBrk="0" hangingPunct="1">
-              <a:defRPr sz="1800" kern="1200">
-                <a:solidFill>
-                  <a:schemeClr val="tx1"/>
-                </a:solidFill>
-                <a:latin typeface="+mn-lt"/>
-                <a:ea typeface="+mn-ea"/>
-                <a:cs typeface="+mn-cs"/>
-              </a:defRPr>
-            </a:lvl4pPr>
-            <a:lvl5pPr marL="1828800" algn="l" defTabSz="914400" rtl="0" eaLnBrk="1" latinLnBrk="0" hangingPunct="1">
-              <a:defRPr sz="1800" kern="1200">
-                <a:solidFill>
-                  <a:schemeClr val="tx1"/>
-                </a:solidFill>
-                <a:latin typeface="+mn-lt"/>
-                <a:ea typeface="+mn-ea"/>
-                <a:cs typeface="+mn-cs"/>
-              </a:defRPr>
-            </a:lvl5pPr>
-            <a:lvl6pPr marL="2286000" algn="l" defTabSz="914400" rtl="0" eaLnBrk="1" latinLnBrk="0" hangingPunct="1">
-              <a:defRPr sz="1800" kern="1200">
-                <a:solidFill>
-                  <a:schemeClr val="tx1"/>
-                </a:solidFill>
-                <a:latin typeface="+mn-lt"/>
-                <a:ea typeface="+mn-ea"/>
-                <a:cs typeface="+mn-cs"/>
-              </a:defRPr>
-            </a:lvl6pPr>
-            <a:lvl7pPr marL="2743200" algn="l" defTabSz="914400" rtl="0" eaLnBrk="1" latinLnBrk="0" hangingPunct="1">
-              <a:defRPr sz="1800" kern="1200">
-                <a:solidFill>
-                  <a:schemeClr val="tx1"/>
-                </a:solidFill>
-                <a:latin typeface="+mn-lt"/>
-                <a:ea typeface="+mn-ea"/>
-                <a:cs typeface="+mn-cs"/>
-              </a:defRPr>
-            </a:lvl7pPr>
-            <a:lvl8pPr marL="3200400" algn="l" defTabSz="914400" rtl="0" eaLnBrk="1" latinLnBrk="0" hangingPunct="1">
-              <a:defRPr sz="1800" kern="1200">
-                <a:solidFill>
-                  <a:schemeClr val="tx1"/>
-                </a:solidFill>
-                <a:latin typeface="+mn-lt"/>
-                <a:ea typeface="+mn-ea"/>
-                <a:cs typeface="+mn-cs"/>
-              </a:defRPr>
-            </a:lvl8pPr>
-            <a:lvl9pPr marL="3657600" algn="l" defTabSz="914400" rtl="0" eaLnBrk="1" latinLnBrk="0" hangingPunct="1">
-              <a:defRPr sz="1800" kern="1200">
-                <a:solidFill>
-                  <a:schemeClr val="tx1"/>
-                </a:solidFill>
-                <a:latin typeface="+mn-lt"/>
-                <a:ea typeface="+mn-ea"/>
-                <a:cs typeface="+mn-cs"/>
-              </a:defRPr>
-            </a:lvl9pPr>
-          </a:lstStyle>
-          <a:p>
-            <a:pPr marL="12700"/>
-            <a:r>
-              <a:rPr lang="da-DK" sz="850" b="1" kern="0" cap="all" spc="200" dirty="0" smtClean="0">
-                <a:solidFill>
-                  <a:schemeClr val="tx1">
-                    <a:lumMod val="50000"/>
-                    <a:lumOff val="50000"/>
-                  </a:schemeClr>
-                </a:solidFill>
-                <a:latin typeface="Arial"/>
-                <a:cs typeface="Arial"/>
-              </a:rPr>
-              <a:t>10 OF 17  | </a:t>
-            </a:r>
-            <a:r>
-              <a:rPr lang="da-DK" sz="850" b="1" kern="0" spc="200" dirty="0" smtClean="0">
-                <a:solidFill>
-                  <a:schemeClr val="tx1">
-                    <a:lumMod val="50000"/>
-                    <a:lumOff val="50000"/>
-                  </a:schemeClr>
-                </a:solidFill>
-                <a:latin typeface="Arial"/>
-                <a:cs typeface="Arial"/>
-              </a:rPr>
-              <a:t>15.02.2014</a:t>
-            </a:r>
-            <a:endParaRPr lang="da-DK" sz="850" kern="0" cap="all" spc="200" dirty="0">
-              <a:solidFill>
-                <a:schemeClr val="tx1">
-                  <a:lumMod val="50000"/>
-                  <a:lumOff val="50000"/>
-                </a:schemeClr>
-              </a:solidFill>
-              <a:latin typeface="Arial"/>
-              <a:cs typeface="Arial"/>
-            </a:endParaRPr>
+      </p:pic>
+      <p:sp>
+        <p:nvSpPr>
+          <p:cNvPr id="12" name="Right Arrow 11"/>
+          <p:cNvSpPr/>
+          <p:nvPr/>
+        </p:nvSpPr>
+        <p:spPr>
+          <a:xfrm>
+            <a:off x="5336558" y="2744861"/>
+            <a:ext cx="1366855" cy="675702"/>
+          </a:xfrm>
+          <a:prstGeom prst="rightArrow">
+            <a:avLst/>
+          </a:prstGeom>
+        </p:spPr>
+        <p:style>
+          <a:lnRef idx="2">
+            <a:schemeClr val="accent1">
+              <a:shade val="50000"/>
+            </a:schemeClr>
+          </a:lnRef>
+          <a:fillRef idx="1">
+            <a:schemeClr val="accent1"/>
+          </a:fillRef>
+          <a:effectRef idx="0">
+            <a:schemeClr val="accent1"/>
+          </a:effectRef>
+          <a:fontRef idx="minor">
+            <a:schemeClr val="lt1"/>
+          </a:fontRef>
+        </p:style>
+        <p:txBody>
+          <a:bodyPr rtlCol="0" anchor="ctr"/>
+          <a:lstStyle/>
+          <a:p>
+            <a:pPr algn="ctr"/>
+            <a:endParaRPr lang="da-DK"/>
           </a:p>
         </p:txBody>
       </p:sp>
     </p:spTree>
     <p:extLst>
       <p:ext uri="{BB962C8B-B14F-4D97-AF65-F5344CB8AC3E}">
-        <p14:creationId xmlns:p14="http://schemas.microsoft.com/office/powerpoint/2010/main" val="3172731798"/>
+        <p14:creationId xmlns:p14="http://schemas.microsoft.com/office/powerpoint/2010/main" val="3654789832"/>
       </p:ext>
     </p:extLst>
   </p:cSld>
   <p:clrMapOvr>
     <a:masterClrMapping/>
   </p:clrMapOvr>
-  <mc:AlternateContent xmlns:mc="http://schemas.openxmlformats.org/markup-compatibility/2006">
-    <mc:Choice xmlns:p14="http://schemas.microsoft.com/office/powerpoint/2010/main" Requires="p14">
+  <mc:AlternateContent xmlns:mc="http://schemas.openxmlformats.org/markup-compatibility/2006" xmlns:p14="http://schemas.microsoft.com/office/powerpoint/2010/main">
+    <mc:Choice Requires="p14">
       <p:transition p14:dur="250">
         <p:fade/>
       </p:transition>
     </mc:Choice>
-    <mc:Fallback>
+    <mc:Fallback xmlns="">
       <p:transition>
         <p:fade/>
       </p:transition>
@@ -4574,41 +4654,481 @@
       <p:sp>
         <p:nvSpPr>
           <p:cNvPr id="2" name="object 2"/>
-          <p:cNvSpPr txBox="1">
-            <a:spLocks noGrp="1"/>
-          </p:cNvSpPr>
-          <p:nvPr>
-            <p:ph type="title"/>
-          </p:nvPr>
+          <p:cNvSpPr txBox="1"/>
+          <p:nvPr/>
         </p:nvSpPr>
         <p:spPr>
           <a:xfrm>
-            <a:off x="3351956" y="2420888"/>
-            <a:ext cx="5536756" cy="1023270"/>
+            <a:off x="2150300" y="562801"/>
+            <a:ext cx="6231700" cy="368935"/>
           </a:xfrm>
           <a:prstGeom prst="rect">
             <a:avLst/>
           </a:prstGeom>
         </p:spPr>
         <p:txBody>
+          <a:bodyPr vert="horz" wrap="square" lIns="0" tIns="0" rIns="0" bIns="0" rtlCol="0">
+            <a:noAutofit/>
+          </a:bodyPr>
+          <a:lstStyle/>
+          <a:p>
+            <a:pPr marL="12700">
+              <a:tabLst>
+                <a:tab pos="1641475" algn="l"/>
+                <a:tab pos="2152650" algn="l"/>
+                <a:tab pos="3412490" algn="l"/>
+              </a:tabLst>
+            </a:pPr>
+            <a:r>
+              <a:rPr lang="en-GB" sz="2400" kern="0" cap="all" spc="200" dirty="0" err="1" smtClean="0">
+                <a:solidFill>
+                  <a:schemeClr val="tx2">
+                    <a:lumMod val="50000"/>
+                  </a:schemeClr>
+                </a:solidFill>
+                <a:latin typeface="Arial"/>
+                <a:cs typeface="Arial"/>
+              </a:rPr>
+              <a:t>TeST</a:t>
+            </a:r>
+            <a:endParaRPr sz="2400" kern="0" cap="all" spc="200" dirty="0">
+              <a:solidFill>
+                <a:schemeClr val="tx2">
+                  <a:lumMod val="50000"/>
+                </a:schemeClr>
+              </a:solidFill>
+              <a:latin typeface="Arial"/>
+              <a:cs typeface="Arial"/>
+            </a:endParaRPr>
+          </a:p>
+        </p:txBody>
+      </p:sp>
+      <p:sp>
+        <p:nvSpPr>
+          <p:cNvPr id="3" name="object 3"/>
+          <p:cNvSpPr txBox="1"/>
+          <p:nvPr/>
+        </p:nvSpPr>
+        <p:spPr>
+          <a:xfrm>
+            <a:off x="2150300" y="1155200"/>
+            <a:ext cx="6231700" cy="4074001"/>
+          </a:xfrm>
+          <a:prstGeom prst="rect">
+            <a:avLst/>
+          </a:prstGeom>
+        </p:spPr>
+        <p:txBody>
+          <a:bodyPr vert="horz" wrap="square" lIns="0" tIns="0" rIns="0" bIns="0" rtlCol="0">
+            <a:noAutofit/>
+          </a:bodyPr>
+          <a:lstStyle/>
+          <a:p>
+            <a:pPr marL="12700"/>
+            <a:endParaRPr lang="en-GB" sz="1600" cap="all" spc="200" dirty="0">
+              <a:solidFill>
+                <a:schemeClr val="accent1">
+                  <a:lumMod val="75000"/>
+                </a:schemeClr>
+              </a:solidFill>
+              <a:latin typeface="Arial"/>
+              <a:cs typeface="Arial"/>
+            </a:endParaRPr>
+          </a:p>
+        </p:txBody>
+      </p:sp>
+      <p:sp>
+        <p:nvSpPr>
+          <p:cNvPr id="9" name="object 7"/>
+          <p:cNvSpPr txBox="1"/>
+          <p:nvPr/>
+        </p:nvSpPr>
+        <p:spPr>
+          <a:xfrm>
+            <a:off x="4267200" y="6137889"/>
+            <a:ext cx="3682706" cy="294005"/>
+          </a:xfrm>
+          <a:prstGeom prst="rect">
+            <a:avLst/>
+          </a:prstGeom>
+        </p:spPr>
+        <p:txBody>
+          <a:bodyPr vert="horz" wrap="square" lIns="0" tIns="0" rIns="0" bIns="0" rtlCol="0">
+            <a:noAutofit/>
+          </a:bodyPr>
+          <a:lstStyle/>
+          <a:p>
+            <a:pPr algn="ctr">
+              <a:lnSpc>
+                <a:spcPct val="100000"/>
+              </a:lnSpc>
+            </a:pPr>
+            <a:r>
+              <a:rPr lang="da-DK" sz="850" b="1" kern="0" cap="all" spc="200" dirty="0">
+                <a:solidFill>
+                  <a:schemeClr val="tx1">
+                    <a:lumMod val="50000"/>
+                    <a:lumOff val="50000"/>
+                  </a:schemeClr>
+                </a:solidFill>
+                <a:latin typeface="Arial"/>
+                <a:cs typeface="Arial"/>
+              </a:rPr>
+              <a:t>Department of computer science</a:t>
+            </a:r>
+            <a:endParaRPr sz="850" b="1" kern="0" cap="all" spc="200" dirty="0">
+              <a:solidFill>
+                <a:schemeClr val="tx1">
+                  <a:lumMod val="50000"/>
+                  <a:lumOff val="50000"/>
+                </a:schemeClr>
+              </a:solidFill>
+              <a:latin typeface="Arial"/>
+              <a:cs typeface="Arial"/>
+            </a:endParaRPr>
+          </a:p>
+          <a:p>
+            <a:pPr marR="20320" algn="ctr">
+              <a:spcBef>
+                <a:spcPts val="180"/>
+              </a:spcBef>
+            </a:pPr>
+            <a:r>
+              <a:rPr sz="850" kern="0" cap="all" spc="200" dirty="0">
+                <a:solidFill>
+                  <a:schemeClr val="tx1">
+                    <a:lumMod val="50000"/>
+                    <a:lumOff val="50000"/>
+                  </a:schemeClr>
+                </a:solidFill>
+                <a:latin typeface="Arial"/>
+                <a:cs typeface="Arial"/>
+              </a:rPr>
+              <a:t>AALBORG</a:t>
+            </a:r>
+            <a:r>
+              <a:rPr lang="da-DK" sz="850" kern="0" cap="all" spc="200" dirty="0">
+                <a:solidFill>
+                  <a:schemeClr val="tx1">
+                    <a:lumMod val="50000"/>
+                    <a:lumOff val="50000"/>
+                  </a:schemeClr>
+                </a:solidFill>
+                <a:latin typeface="Arial"/>
+                <a:cs typeface="Arial"/>
+              </a:rPr>
+              <a:t> UNIVERSITy</a:t>
+            </a:r>
+            <a:endParaRPr sz="850" kern="0" cap="all" spc="200" dirty="0">
+              <a:solidFill>
+                <a:schemeClr val="tx1">
+                  <a:lumMod val="50000"/>
+                  <a:lumOff val="50000"/>
+                </a:schemeClr>
+              </a:solidFill>
+              <a:latin typeface="Arial"/>
+              <a:cs typeface="Arial"/>
+            </a:endParaRPr>
+          </a:p>
+        </p:txBody>
+      </p:sp>
+      <p:sp>
+        <p:nvSpPr>
+          <p:cNvPr id="10" name="object 4"/>
+          <p:cNvSpPr txBox="1">
+            <a:spLocks/>
+          </p:cNvSpPr>
+          <p:nvPr/>
+        </p:nvSpPr>
+        <p:spPr>
+          <a:xfrm>
+            <a:off x="4064146" y="5952020"/>
+            <a:ext cx="4343400" cy="143981"/>
+          </a:xfrm>
+          <a:prstGeom prst="rect">
+            <a:avLst/>
+          </a:prstGeom>
+        </p:spPr>
+        <p:txBody>
           <a:bodyPr vert="horz" wrap="square" lIns="0" tIns="0" rIns="0" bIns="0" rtlCol="0" anchor="ctr">
             <a:noAutofit/>
           </a:bodyPr>
+          <a:lstStyle>
+            <a:defPPr>
+              <a:defRPr lang="da-DK"/>
+            </a:defPPr>
+            <a:lvl1pPr marL="0" algn="ctr" defTabSz="914400" rtl="0" eaLnBrk="1" latinLnBrk="0" hangingPunct="1">
+              <a:defRPr sz="1200" kern="1200">
+                <a:solidFill>
+                  <a:schemeClr val="tx1">
+                    <a:tint val="75000"/>
+                  </a:schemeClr>
+                </a:solidFill>
+                <a:latin typeface="+mn-lt"/>
+                <a:ea typeface="+mn-ea"/>
+                <a:cs typeface="+mn-cs"/>
+              </a:defRPr>
+            </a:lvl1pPr>
+            <a:lvl2pPr marL="457200" algn="l" defTabSz="914400" rtl="0" eaLnBrk="1" latinLnBrk="0" hangingPunct="1">
+              <a:defRPr sz="1800" kern="1200">
+                <a:solidFill>
+                  <a:schemeClr val="tx1"/>
+                </a:solidFill>
+                <a:latin typeface="+mn-lt"/>
+                <a:ea typeface="+mn-ea"/>
+                <a:cs typeface="+mn-cs"/>
+              </a:defRPr>
+            </a:lvl2pPr>
+            <a:lvl3pPr marL="914400" algn="l" defTabSz="914400" rtl="0" eaLnBrk="1" latinLnBrk="0" hangingPunct="1">
+              <a:defRPr sz="1800" kern="1200">
+                <a:solidFill>
+                  <a:schemeClr val="tx1"/>
+                </a:solidFill>
+                <a:latin typeface="+mn-lt"/>
+                <a:ea typeface="+mn-ea"/>
+                <a:cs typeface="+mn-cs"/>
+              </a:defRPr>
+            </a:lvl3pPr>
+            <a:lvl4pPr marL="1371600" algn="l" defTabSz="914400" rtl="0" eaLnBrk="1" latinLnBrk="0" hangingPunct="1">
+              <a:defRPr sz="1800" kern="1200">
+                <a:solidFill>
+                  <a:schemeClr val="tx1"/>
+                </a:solidFill>
+                <a:latin typeface="+mn-lt"/>
+                <a:ea typeface="+mn-ea"/>
+                <a:cs typeface="+mn-cs"/>
+              </a:defRPr>
+            </a:lvl4pPr>
+            <a:lvl5pPr marL="1828800" algn="l" defTabSz="914400" rtl="0" eaLnBrk="1" latinLnBrk="0" hangingPunct="1">
+              <a:defRPr sz="1800" kern="1200">
+                <a:solidFill>
+                  <a:schemeClr val="tx1"/>
+                </a:solidFill>
+                <a:latin typeface="+mn-lt"/>
+                <a:ea typeface="+mn-ea"/>
+                <a:cs typeface="+mn-cs"/>
+              </a:defRPr>
+            </a:lvl5pPr>
+            <a:lvl6pPr marL="2286000" algn="l" defTabSz="914400" rtl="0" eaLnBrk="1" latinLnBrk="0" hangingPunct="1">
+              <a:defRPr sz="1800" kern="1200">
+                <a:solidFill>
+                  <a:schemeClr val="tx1"/>
+                </a:solidFill>
+                <a:latin typeface="+mn-lt"/>
+                <a:ea typeface="+mn-ea"/>
+                <a:cs typeface="+mn-cs"/>
+              </a:defRPr>
+            </a:lvl6pPr>
+            <a:lvl7pPr marL="2743200" algn="l" defTabSz="914400" rtl="0" eaLnBrk="1" latinLnBrk="0" hangingPunct="1">
+              <a:defRPr sz="1800" kern="1200">
+                <a:solidFill>
+                  <a:schemeClr val="tx1"/>
+                </a:solidFill>
+                <a:latin typeface="+mn-lt"/>
+                <a:ea typeface="+mn-ea"/>
+                <a:cs typeface="+mn-cs"/>
+              </a:defRPr>
+            </a:lvl7pPr>
+            <a:lvl8pPr marL="3200400" algn="l" defTabSz="914400" rtl="0" eaLnBrk="1" latinLnBrk="0" hangingPunct="1">
+              <a:defRPr sz="1800" kern="1200">
+                <a:solidFill>
+                  <a:schemeClr val="tx1"/>
+                </a:solidFill>
+                <a:latin typeface="+mn-lt"/>
+                <a:ea typeface="+mn-ea"/>
+                <a:cs typeface="+mn-cs"/>
+              </a:defRPr>
+            </a:lvl8pPr>
+            <a:lvl9pPr marL="3657600" algn="l" defTabSz="914400" rtl="0" eaLnBrk="1" latinLnBrk="0" hangingPunct="1">
+              <a:defRPr sz="1800" kern="1200">
+                <a:solidFill>
+                  <a:schemeClr val="tx1"/>
+                </a:solidFill>
+                <a:latin typeface="+mn-lt"/>
+                <a:ea typeface="+mn-ea"/>
+                <a:cs typeface="+mn-cs"/>
+              </a:defRPr>
+            </a:lvl9pPr>
+          </a:lstStyle>
+          <a:p>
+            <a:pPr marL="12700"/>
+            <a:r>
+              <a:rPr lang="da-DK" sz="850" b="1" kern="0" cap="all" spc="200" dirty="0" smtClean="0">
+                <a:solidFill>
+                  <a:schemeClr val="tx1">
+                    <a:lumMod val="50000"/>
+                    <a:lumOff val="50000"/>
+                  </a:schemeClr>
+                </a:solidFill>
+                <a:latin typeface="Arial"/>
+                <a:cs typeface="Arial"/>
+              </a:rPr>
+              <a:t>8 OF 17  | </a:t>
+            </a:r>
+            <a:r>
+              <a:rPr lang="da-DK" sz="850" b="1" kern="0" spc="200" dirty="0" smtClean="0">
+                <a:solidFill>
+                  <a:schemeClr val="tx1">
+                    <a:lumMod val="50000"/>
+                    <a:lumOff val="50000"/>
+                  </a:schemeClr>
+                </a:solidFill>
+                <a:latin typeface="Arial"/>
+                <a:cs typeface="Arial"/>
+              </a:rPr>
+              <a:t>15.02.2014</a:t>
+            </a:r>
+            <a:endParaRPr lang="da-DK" sz="850" kern="0" cap="all" spc="200" dirty="0">
+              <a:solidFill>
+                <a:schemeClr val="tx1">
+                  <a:lumMod val="50000"/>
+                  <a:lumOff val="50000"/>
+                </a:schemeClr>
+              </a:solidFill>
+              <a:latin typeface="Arial"/>
+              <a:cs typeface="Arial"/>
+            </a:endParaRPr>
+          </a:p>
+        </p:txBody>
+      </p:sp>
+      <p:sp>
+        <p:nvSpPr>
+          <p:cNvPr id="8" name="TextBox 7"/>
+          <p:cNvSpPr txBox="1"/>
+          <p:nvPr/>
+        </p:nvSpPr>
+        <p:spPr>
+          <a:xfrm>
+            <a:off x="7148752" y="181694"/>
+            <a:ext cx="4829888" cy="861774"/>
+          </a:xfrm>
+          <a:prstGeom prst="rect">
+            <a:avLst/>
+          </a:prstGeom>
+          <a:noFill/>
+        </p:spPr>
+        <p:txBody>
+          <a:bodyPr wrap="square" numCol="2" rtlCol="0">
+            <a:spAutoFit/>
+          </a:bodyPr>
           <a:lstStyle/>
           <a:p>
-            <a:pPr algn="ctr">
-              <a:lnSpc>
-                <a:spcPts val="3960"/>
-              </a:lnSpc>
-              <a:tabLst>
-                <a:tab pos="1676400" algn="l"/>
-              </a:tabLst>
-            </a:pPr>
-            <a:r>
-              <a:rPr lang="en-GB" sz="3600" b="1" dirty="0" smtClean="0">
-                <a:solidFill>
-                  <a:schemeClr val="tx2">
-                    <a:lumMod val="50000"/>
+            <a:pPr marL="12700"/>
+            <a:r>
+              <a:rPr lang="en-GB" sz="1000" b="1" cap="all" spc="200" dirty="0">
+                <a:solidFill>
+                  <a:schemeClr val="accent1">
+                    <a:lumMod val="75000"/>
+                    <a:alpha val="50000"/>
+                  </a:schemeClr>
+                </a:solidFill>
+                <a:latin typeface="Arial"/>
+                <a:cs typeface="Arial"/>
+              </a:rPr>
+              <a:t>Motivation</a:t>
+            </a:r>
+            <a:endParaRPr lang="da-DK" sz="1000" b="1" cap="all" spc="200" dirty="0">
+              <a:solidFill>
+                <a:schemeClr val="accent1">
+                  <a:lumMod val="75000"/>
+                  <a:alpha val="50000"/>
+                </a:schemeClr>
+              </a:solidFill>
+              <a:latin typeface="Arial"/>
+              <a:cs typeface="Arial"/>
+            </a:endParaRPr>
+          </a:p>
+          <a:p>
+            <a:pPr marL="12700"/>
+            <a:r>
+              <a:rPr lang="en-GB" sz="1000" b="1" cap="all" spc="200" dirty="0">
+                <a:solidFill>
+                  <a:schemeClr val="accent1">
+                    <a:lumMod val="75000"/>
+                    <a:alpha val="50000"/>
+                  </a:schemeClr>
+                </a:solidFill>
+                <a:latin typeface="Arial"/>
+                <a:cs typeface="Arial"/>
+              </a:rPr>
+              <a:t>Concept</a:t>
+            </a:r>
+            <a:endParaRPr lang="da-DK" sz="1000" b="1" cap="all" spc="200" dirty="0">
+              <a:solidFill>
+                <a:schemeClr val="accent1">
+                  <a:lumMod val="75000"/>
+                  <a:alpha val="50000"/>
+                </a:schemeClr>
+              </a:solidFill>
+              <a:latin typeface="Arial"/>
+              <a:cs typeface="Arial"/>
+            </a:endParaRPr>
+          </a:p>
+          <a:p>
+            <a:pPr marL="12700"/>
+            <a:r>
+              <a:rPr lang="en-GB" sz="1000" b="1" cap="all" spc="200" dirty="0">
+                <a:solidFill>
+                  <a:schemeClr val="accent1">
+                    <a:lumMod val="75000"/>
+                  </a:schemeClr>
+                </a:solidFill>
+                <a:latin typeface="Arial"/>
+                <a:cs typeface="Arial"/>
+              </a:rPr>
+              <a:t>App design</a:t>
+            </a:r>
+          </a:p>
+          <a:p>
+            <a:pPr marL="12700"/>
+            <a:r>
+              <a:rPr lang="en-GB" sz="1000" b="1" cap="all" spc="200" dirty="0">
+                <a:solidFill>
+                  <a:schemeClr val="accent1">
+                    <a:lumMod val="75000"/>
+                    <a:alpha val="50000"/>
+                  </a:schemeClr>
+                </a:solidFill>
+                <a:latin typeface="Arial"/>
+                <a:cs typeface="Arial"/>
+              </a:rPr>
+              <a:t>App implementation</a:t>
+            </a:r>
+            <a:r>
+              <a:rPr lang="da-DK" sz="1000" b="1" cap="all" spc="200" dirty="0">
+                <a:solidFill>
+                  <a:schemeClr val="accent1">
+                    <a:lumMod val="75000"/>
+                    <a:alpha val="50000"/>
+                  </a:schemeClr>
+                </a:solidFill>
+                <a:latin typeface="Arial"/>
+                <a:cs typeface="Arial"/>
+              </a:rPr>
+              <a:t> </a:t>
+            </a:r>
+          </a:p>
+          <a:p>
+            <a:pPr marL="12700"/>
+            <a:endParaRPr lang="da-DK" sz="1000" b="1" cap="all" spc="200" dirty="0">
+              <a:solidFill>
+                <a:schemeClr val="accent1">
+                  <a:lumMod val="75000"/>
+                  <a:alpha val="50000"/>
+                </a:schemeClr>
+              </a:solidFill>
+              <a:latin typeface="Arial"/>
+              <a:cs typeface="Arial"/>
+            </a:endParaRPr>
+          </a:p>
+          <a:p>
+            <a:pPr marL="12700"/>
+            <a:r>
+              <a:rPr lang="en-GB" sz="1000" b="1" cap="all" spc="200" dirty="0" smtClean="0">
+                <a:solidFill>
+                  <a:schemeClr val="accent1">
+                    <a:lumMod val="75000"/>
+                    <a:alpha val="50000"/>
                   </a:schemeClr>
                 </a:solidFill>
                 <a:latin typeface="Arial"/>
@@ -4616,28 +5136,153 @@
               </a:rPr>
               <a:t>Website</a:t>
             </a:r>
-            <a:endParaRPr sz="3600" b="1" dirty="0">
-              <a:solidFill>
-                <a:schemeClr val="tx2">
-                  <a:lumMod val="50000"/>
-                </a:schemeClr>
-              </a:solidFill>
-              <a:latin typeface="Arial"/>
-              <a:cs typeface="Arial"/>
-            </a:endParaRPr>
+            <a:endParaRPr lang="da-DK" sz="1000" b="1" cap="all" spc="200" dirty="0">
+              <a:solidFill>
+                <a:schemeClr val="accent1">
+                  <a:lumMod val="75000"/>
+                  <a:alpha val="50000"/>
+                </a:schemeClr>
+              </a:solidFill>
+              <a:latin typeface="Arial"/>
+              <a:cs typeface="Arial"/>
+            </a:endParaRPr>
+          </a:p>
+          <a:p>
+            <a:pPr marL="12700"/>
+            <a:r>
+              <a:rPr lang="da-DK" sz="1000" b="1" cap="all" spc="200" dirty="0" smtClean="0">
+                <a:solidFill>
+                  <a:schemeClr val="accent1">
+                    <a:lumMod val="75000"/>
+                    <a:alpha val="50000"/>
+                  </a:schemeClr>
+                </a:solidFill>
+                <a:latin typeface="Arial"/>
+                <a:cs typeface="Arial"/>
+              </a:rPr>
+              <a:t>Server </a:t>
+            </a:r>
+            <a:r>
+              <a:rPr lang="da-DK" sz="1000" b="1" cap="all" spc="200" dirty="0" err="1" smtClean="0">
+                <a:solidFill>
+                  <a:schemeClr val="accent1">
+                    <a:lumMod val="75000"/>
+                    <a:alpha val="50000"/>
+                  </a:schemeClr>
+                </a:solidFill>
+                <a:latin typeface="Arial"/>
+                <a:cs typeface="Arial"/>
+              </a:rPr>
+              <a:t>Communication</a:t>
+            </a:r>
+            <a:endParaRPr lang="da-DK" sz="1000" b="1" cap="all" spc="200" dirty="0" smtClean="0">
+              <a:solidFill>
+                <a:schemeClr val="accent1">
+                  <a:lumMod val="75000"/>
+                  <a:alpha val="50000"/>
+                </a:schemeClr>
+              </a:solidFill>
+              <a:latin typeface="Arial"/>
+              <a:cs typeface="Arial"/>
+            </a:endParaRPr>
+          </a:p>
+          <a:p>
+            <a:pPr marL="12700"/>
+            <a:r>
+              <a:rPr lang="en-GB" sz="1000" b="1" cap="all" spc="200" dirty="0" smtClean="0">
+                <a:solidFill>
+                  <a:schemeClr val="accent1">
+                    <a:lumMod val="75000"/>
+                    <a:alpha val="50000"/>
+                  </a:schemeClr>
+                </a:solidFill>
+                <a:latin typeface="Arial"/>
+                <a:cs typeface="Arial"/>
+              </a:rPr>
+              <a:t>Results and findings</a:t>
+            </a:r>
+          </a:p>
+          <a:p>
+            <a:pPr marL="12700"/>
+            <a:r>
+              <a:rPr lang="en-GB" sz="1000" b="1" cap="all" spc="200" dirty="0" smtClean="0">
+                <a:solidFill>
+                  <a:schemeClr val="accent1">
+                    <a:lumMod val="75000"/>
+                    <a:alpha val="50000"/>
+                  </a:schemeClr>
+                </a:solidFill>
+                <a:latin typeface="Arial"/>
+                <a:cs typeface="Arial"/>
+              </a:rPr>
+              <a:t>Demonstration</a:t>
+            </a:r>
+            <a:endParaRPr lang="da-DK" sz="1000" b="1" cap="all" spc="200" dirty="0">
+              <a:solidFill>
+                <a:schemeClr val="accent1">
+                  <a:lumMod val="75000"/>
+                  <a:alpha val="50000"/>
+                </a:schemeClr>
+              </a:solidFill>
+              <a:latin typeface="Arial"/>
+              <a:cs typeface="Arial"/>
+            </a:endParaRPr>
+          </a:p>
+          <a:p>
+            <a:endParaRPr lang="da-DK" sz="1000" dirty="0"/>
+          </a:p>
+        </p:txBody>
+      </p:sp>
+      <p:sp>
+        <p:nvSpPr>
+          <p:cNvPr id="12" name="Right Arrow 11"/>
+          <p:cNvSpPr/>
+          <p:nvPr/>
+        </p:nvSpPr>
+        <p:spPr>
+          <a:xfrm>
+            <a:off x="5336558" y="2744861"/>
+            <a:ext cx="1366855" cy="675702"/>
+          </a:xfrm>
+          <a:prstGeom prst="rightArrow">
+            <a:avLst/>
+          </a:prstGeom>
+        </p:spPr>
+        <p:style>
+          <a:lnRef idx="2">
+            <a:schemeClr val="accent1">
+              <a:shade val="50000"/>
+            </a:schemeClr>
+          </a:lnRef>
+          <a:fillRef idx="1">
+            <a:schemeClr val="accent1"/>
+          </a:fillRef>
+          <a:effectRef idx="0">
+            <a:schemeClr val="accent1"/>
+          </a:effectRef>
+          <a:fontRef idx="minor">
+            <a:schemeClr val="lt1"/>
+          </a:fontRef>
+        </p:style>
+        <p:txBody>
+          <a:bodyPr rtlCol="0" anchor="ctr"/>
+          <a:lstStyle/>
+          <a:p>
+            <a:pPr algn="ctr"/>
+            <a:endParaRPr lang="da-DK"/>
           </a:p>
         </p:txBody>
       </p:sp>
       <p:pic>
         <p:nvPicPr>
-          <p:cNvPr id="10" name="Billede 9"/>
+          <p:cNvPr id="6" name="Picture 5"/>
           <p:cNvPicPr>
             <a:picLocks noChangeAspect="1"/>
           </p:cNvPicPr>
           <p:nvPr/>
         </p:nvPicPr>
         <p:blipFill>
-          <a:blip r:embed="rId2" cstate="print">
+          <a:blip r:embed="rId2">
             <a:extLst>
               <a:ext uri="{28A0092B-C50C-407E-A947-70E740481C1C}">
                 <a14:useLocalDpi xmlns:a14="http://schemas.microsoft.com/office/drawing/2010/main" val="0"/>
@@ -4650,89 +5295,61 @@
         </p:blipFill>
         <p:spPr>
           <a:xfrm>
-            <a:off x="5348699" y="5576322"/>
-            <a:ext cx="1543270" cy="1009770"/>
+            <a:off x="2150300" y="1155200"/>
+            <a:ext cx="2726436" cy="4321905"/>
           </a:xfrm>
           <a:prstGeom prst="rect">
             <a:avLst/>
           </a:prstGeom>
         </p:spPr>
       </p:pic>
-      <p:sp>
-        <p:nvSpPr>
-          <p:cNvPr id="4" name="Rektangel 3"/>
-          <p:cNvSpPr/>
+      <p:pic>
+        <p:nvPicPr>
+          <p:cNvPr id="7" name="Picture 6"/>
+          <p:cNvPicPr>
+            <a:picLocks noChangeAspect="1"/>
+          </p:cNvPicPr>
           <p:nvPr/>
-        </p:nvSpPr>
+        </p:nvPicPr>
+        <p:blipFill>
+          <a:blip r:embed="rId3" cstate="print">
+            <a:extLst>
+              <a:ext uri="{28A0092B-C50C-407E-A947-70E740481C1C}">
+                <a14:useLocalDpi xmlns:a14="http://schemas.microsoft.com/office/drawing/2010/main" val="0"/>
+              </a:ext>
+            </a:extLst>
+          </a:blip>
+          <a:stretch>
+            <a:fillRect/>
+          </a:stretch>
+        </p:blipFill>
         <p:spPr>
           <a:xfrm>
-            <a:off x="3810000" y="3516167"/>
-            <a:ext cx="4572000" cy="276999"/>
+            <a:off x="7148752" y="1155200"/>
+            <a:ext cx="2364880" cy="4204800"/>
           </a:xfrm>
           <a:prstGeom prst="rect">
             <a:avLst/>
           </a:prstGeom>
         </p:spPr>
-        <p:txBody>
-          <a:bodyPr>
-            <a:spAutoFit/>
-          </a:bodyPr>
-          <a:lstStyle/>
-          <a:p>
-            <a:pPr marR="28575" algn="ctr"/>
-            <a:r>
-              <a:rPr lang="en-US" sz="1200" kern="0" cap="all" spc="200" dirty="0" smtClean="0">
-                <a:solidFill>
-                  <a:schemeClr val="tx2">
-                    <a:lumMod val="50000"/>
-                  </a:schemeClr>
-                </a:solidFill>
-                <a:latin typeface="Arial"/>
-                <a:cs typeface="Arial"/>
-              </a:rPr>
-              <a:t>Henrik </a:t>
-            </a:r>
-            <a:r>
-              <a:rPr lang="en-US" sz="1200" kern="0" cap="all" spc="200" dirty="0" err="1" smtClean="0">
-                <a:solidFill>
-                  <a:schemeClr val="tx2">
-                    <a:lumMod val="50000"/>
-                  </a:schemeClr>
-                </a:solidFill>
-                <a:latin typeface="Arial"/>
-                <a:cs typeface="Arial"/>
-              </a:rPr>
-              <a:t>Klarup</a:t>
-            </a:r>
-            <a:endParaRPr lang="en-US" sz="1200" kern="0" cap="all" spc="200" dirty="0" smtClean="0">
-              <a:solidFill>
-                <a:schemeClr val="tx2">
-                  <a:lumMod val="50000"/>
-                </a:schemeClr>
-              </a:solidFill>
-              <a:latin typeface="Arial"/>
-              <a:cs typeface="Arial"/>
-            </a:endParaRPr>
-          </a:p>
-        </p:txBody>
-      </p:sp>
+      </p:pic>
     </p:spTree>
     <p:extLst>
       <p:ext uri="{BB962C8B-B14F-4D97-AF65-F5344CB8AC3E}">
-        <p14:creationId xmlns:p14="http://schemas.microsoft.com/office/powerpoint/2010/main" val="1153607243"/>
+        <p14:creationId xmlns:p14="http://schemas.microsoft.com/office/powerpoint/2010/main" val="935706393"/>
       </p:ext>
     </p:extLst>
   </p:cSld>
   <p:clrMapOvr>
     <a:masterClrMapping/>
   </p:clrMapOvr>
-  <mc:AlternateContent xmlns:mc="http://schemas.openxmlformats.org/markup-compatibility/2006">
-    <mc:Choice xmlns:p14="http://schemas.microsoft.com/office/powerpoint/2010/main" Requires="p14">
+  <mc:AlternateContent xmlns:mc="http://schemas.openxmlformats.org/markup-compatibility/2006" xmlns:p14="http://schemas.microsoft.com/office/powerpoint/2010/main">
+    <mc:Choice Requires="p14">
       <p:transition p14:dur="250">
         <p:fade/>
       </p:transition>
     </mc:Choice>
-    <mc:Fallback>
+    <mc:Fallback xmlns="">
       <p:transition>
         <p:fade/>
       </p:transition>
@@ -4839,33 +5456,6 @@
           <a:lstStyle/>
           <a:p>
             <a:pPr marL="12700"/>
-            <a:r>
-              <a:rPr lang="en-GB" b="1" cap="all" spc="200" dirty="0" smtClean="0">
-                <a:solidFill>
-                  <a:schemeClr val="accent1">
-                    <a:lumMod val="75000"/>
-                  </a:schemeClr>
-                </a:solidFill>
-                <a:latin typeface="Arial"/>
-                <a:cs typeface="Arial"/>
-              </a:rPr>
-              <a:t>TEST</a:t>
-            </a:r>
-          </a:p>
-          <a:p>
-            <a:pPr marL="12700"/>
-            <a:r>
-              <a:rPr lang="en-GB" sz="1600" cap="all" spc="200" dirty="0" err="1" smtClean="0">
-                <a:solidFill>
-                  <a:schemeClr val="accent1">
-                    <a:lumMod val="75000"/>
-                  </a:schemeClr>
-                </a:solidFill>
-                <a:latin typeface="Arial"/>
-                <a:cs typeface="Arial"/>
-              </a:rPr>
-              <a:t>TeST</a:t>
-            </a:r>
             <a:endParaRPr lang="en-GB" sz="1600" cap="all" spc="200" dirty="0">
               <a:solidFill>
                 <a:schemeClr val="accent1">
@@ -4975,7 +5565,166 @@
       </p:sp>
       <p:sp>
         <p:nvSpPr>
-          <p:cNvPr id="7" name="TextBox 6"/>
+          <p:cNvPr id="10" name="object 4"/>
+          <p:cNvSpPr txBox="1">
+            <a:spLocks/>
+          </p:cNvSpPr>
+          <p:nvPr/>
+        </p:nvSpPr>
+        <p:spPr>
+          <a:xfrm>
+            <a:off x="4064146" y="5952020"/>
+            <a:ext cx="4343400" cy="143981"/>
+          </a:xfrm>
+          <a:prstGeom prst="rect">
+            <a:avLst/>
+          </a:prstGeom>
+        </p:spPr>
+        <p:txBody>
+          <a:bodyPr vert="horz" wrap="square" lIns="0" tIns="0" rIns="0" bIns="0" rtlCol="0" anchor="ctr">
+            <a:noAutofit/>
+          </a:bodyPr>
+          <a:lstStyle>
+            <a:defPPr>
+              <a:defRPr lang="da-DK"/>
+            </a:defPPr>
+            <a:lvl1pPr marL="0" algn="ctr" defTabSz="914400" rtl="0" eaLnBrk="1" latinLnBrk="0" hangingPunct="1">
+              <a:defRPr sz="1200" kern="1200">
+                <a:solidFill>
+                  <a:schemeClr val="tx1">
+                    <a:tint val="75000"/>
+                  </a:schemeClr>
+                </a:solidFill>
+                <a:latin typeface="+mn-lt"/>
+                <a:ea typeface="+mn-ea"/>
+                <a:cs typeface="+mn-cs"/>
+              </a:defRPr>
+            </a:lvl1pPr>
+            <a:lvl2pPr marL="457200" algn="l" defTabSz="914400" rtl="0" eaLnBrk="1" latinLnBrk="0" hangingPunct="1">
+              <a:defRPr sz="1800" kern="1200">
+                <a:solidFill>
+                  <a:schemeClr val="tx1"/>
+                </a:solidFill>
+                <a:latin typeface="+mn-lt"/>
+                <a:ea typeface="+mn-ea"/>
+                <a:cs typeface="+mn-cs"/>
+              </a:defRPr>
+            </a:lvl2pPr>
+            <a:lvl3pPr marL="914400" algn="l" defTabSz="914400" rtl="0" eaLnBrk="1" latinLnBrk="0" hangingPunct="1">
+              <a:defRPr sz="1800" kern="1200">
+                <a:solidFill>
+                  <a:schemeClr val="tx1"/>
+                </a:solidFill>
+                <a:latin typeface="+mn-lt"/>
+                <a:ea typeface="+mn-ea"/>
+                <a:cs typeface="+mn-cs"/>
+              </a:defRPr>
+            </a:lvl3pPr>
+            <a:lvl4pPr marL="1371600" algn="l" defTabSz="914400" rtl="0" eaLnBrk="1" latinLnBrk="0" hangingPunct="1">
+              <a:defRPr sz="1800" kern="1200">
+                <a:solidFill>
+                  <a:schemeClr val="tx1"/>
+                </a:solidFill>
+                <a:latin typeface="+mn-lt"/>
+                <a:ea typeface="+mn-ea"/>
+                <a:cs typeface="+mn-cs"/>
+              </a:defRPr>
+            </a:lvl4pPr>
+            <a:lvl5pPr marL="1828800" algn="l" defTabSz="914400" rtl="0" eaLnBrk="1" latinLnBrk="0" hangingPunct="1">
+              <a:defRPr sz="1800" kern="1200">
+                <a:solidFill>
+                  <a:schemeClr val="tx1"/>
+                </a:solidFill>
+                <a:latin typeface="+mn-lt"/>
+                <a:ea typeface="+mn-ea"/>
+                <a:cs typeface="+mn-cs"/>
+              </a:defRPr>
+            </a:lvl5pPr>
+            <a:lvl6pPr marL="2286000" algn="l" defTabSz="914400" rtl="0" eaLnBrk="1" latinLnBrk="0" hangingPunct="1">
+              <a:defRPr sz="1800" kern="1200">
+                <a:solidFill>
+                  <a:schemeClr val="tx1"/>
+                </a:solidFill>
+                <a:latin typeface="+mn-lt"/>
+                <a:ea typeface="+mn-ea"/>
+                <a:cs typeface="+mn-cs"/>
+              </a:defRPr>
+            </a:lvl6pPr>
+            <a:lvl7pPr marL="2743200" algn="l" defTabSz="914400" rtl="0" eaLnBrk="1" latinLnBrk="0" hangingPunct="1">
+              <a:defRPr sz="1800" kern="1200">
+                <a:solidFill>
+                  <a:schemeClr val="tx1"/>
+                </a:solidFill>
+                <a:latin typeface="+mn-lt"/>
+                <a:ea typeface="+mn-ea"/>
+                <a:cs typeface="+mn-cs"/>
+              </a:defRPr>
+            </a:lvl7pPr>
+            <a:lvl8pPr marL="3200400" algn="l" defTabSz="914400" rtl="0" eaLnBrk="1" latinLnBrk="0" hangingPunct="1">
+              <a:defRPr sz="1800" kern="1200">
+                <a:solidFill>
+                  <a:schemeClr val="tx1"/>
+                </a:solidFill>
+                <a:latin typeface="+mn-lt"/>
+                <a:ea typeface="+mn-ea"/>
+                <a:cs typeface="+mn-cs"/>
+              </a:defRPr>
+            </a:lvl8pPr>
+            <a:lvl9pPr marL="3657600" algn="l" defTabSz="914400" rtl="0" eaLnBrk="1" latinLnBrk="0" hangingPunct="1">
+              <a:defRPr sz="1800" kern="1200">
+                <a:solidFill>
+                  <a:schemeClr val="tx1"/>
+                </a:solidFill>
+                <a:latin typeface="+mn-lt"/>
+                <a:ea typeface="+mn-ea"/>
+                <a:cs typeface="+mn-cs"/>
+              </a:defRPr>
+            </a:lvl9pPr>
+          </a:lstStyle>
+          <a:p>
+            <a:pPr marL="12700"/>
+            <a:r>
+              <a:rPr lang="da-DK" sz="850" b="1" kern="0" cap="all" spc="200" dirty="0" smtClean="0">
+                <a:solidFill>
+                  <a:schemeClr val="tx1">
+                    <a:lumMod val="50000"/>
+                    <a:lumOff val="50000"/>
+                  </a:schemeClr>
+                </a:solidFill>
+                <a:latin typeface="Arial"/>
+                <a:cs typeface="Arial"/>
+              </a:rPr>
+              <a:t>8 OF 17  | </a:t>
+            </a:r>
+            <a:r>
+              <a:rPr lang="da-DK" sz="850" b="1" kern="0" spc="200" dirty="0" smtClean="0">
+                <a:solidFill>
+                  <a:schemeClr val="tx1">
+                    <a:lumMod val="50000"/>
+                    <a:lumOff val="50000"/>
+                  </a:schemeClr>
+                </a:solidFill>
+                <a:latin typeface="Arial"/>
+                <a:cs typeface="Arial"/>
+              </a:rPr>
+              <a:t>15.02.2014</a:t>
+            </a:r>
+            <a:endParaRPr lang="da-DK" sz="850" kern="0" cap="all" spc="200" dirty="0">
+              <a:solidFill>
+                <a:schemeClr val="tx1">
+                  <a:lumMod val="50000"/>
+                  <a:lumOff val="50000"/>
+                </a:schemeClr>
+              </a:solidFill>
+              <a:latin typeface="Arial"/>
+              <a:cs typeface="Arial"/>
+            </a:endParaRPr>
+          </a:p>
+        </p:txBody>
+      </p:sp>
+      <p:sp>
+        <p:nvSpPr>
+          <p:cNvPr id="8" name="TextBox 7"/>
           <p:cNvSpPr txBox="1"/>
           <p:nvPr/>
         </p:nvSpPr>
@@ -5053,32 +5802,31 @@
                 <a:solidFill>
                   <a:schemeClr val="accent1">
                     <a:lumMod val="75000"/>
+                  </a:schemeClr>
+                </a:solidFill>
+                <a:latin typeface="Arial"/>
+                <a:cs typeface="Arial"/>
+              </a:rPr>
+              <a:t>App design</a:t>
+            </a:r>
+          </a:p>
+          <a:p>
+            <a:pPr marL="12700"/>
+            <a:r>
+              <a:rPr lang="en-GB" sz="1000" b="1" cap="all" spc="200" dirty="0">
+                <a:solidFill>
+                  <a:schemeClr val="accent1">
+                    <a:lumMod val="75000"/>
                     <a:alpha val="50000"/>
                   </a:schemeClr>
                 </a:solidFill>
                 <a:latin typeface="Arial"/>
                 <a:cs typeface="Arial"/>
               </a:rPr>
-              <a:t>App design</a:t>
-            </a:r>
-          </a:p>
-          <a:p>
-            <a:pPr marL="12700"/>
-            <a:r>
-              <a:rPr lang="en-GB" sz="1000" b="1" cap="all" spc="200" dirty="0" smtClean="0">
-                <a:solidFill>
-                  <a:schemeClr val="accent1">
-                    <a:lumMod val="75000"/>
-                    <a:alpha val="50000"/>
-                  </a:schemeClr>
-                </a:solidFill>
-                <a:latin typeface="Arial"/>
-                <a:cs typeface="Arial"/>
-              </a:rPr>
               <a:t>App implementation</a:t>
             </a:r>
             <a:r>
-              <a:rPr lang="da-DK" sz="1000" b="1" cap="all" spc="200" dirty="0" smtClean="0">
+              <a:rPr lang="da-DK" sz="1000" b="1" cap="all" spc="200" dirty="0">
                 <a:solidFill>
                   <a:schemeClr val="accent1">
                     <a:lumMod val="75000"/>
@@ -5107,10 +5855,11 @@
           <a:p>
             <a:pPr marL="12700"/>
             <a:r>
-              <a:rPr lang="en-GB" sz="1000" b="1" cap="all" spc="200" dirty="0">
-                <a:solidFill>
-                  <a:schemeClr val="accent1">
-                    <a:lumMod val="75000"/>
+              <a:rPr lang="en-GB" sz="1000" b="1" cap="all" spc="200" dirty="0" smtClean="0">
+                <a:solidFill>
+                  <a:schemeClr val="accent1">
+                    <a:lumMod val="75000"/>
+                    <a:alpha val="50000"/>
                   </a:schemeClr>
                 </a:solidFill>
                 <a:latin typeface="Arial"/>
@@ -5119,44 +5868,6 @@
               <a:t>Website</a:t>
             </a:r>
             <a:endParaRPr lang="da-DK" sz="1000" b="1" cap="all" spc="200" dirty="0">
-              <a:solidFill>
-                <a:schemeClr val="accent1">
-                  <a:lumMod val="75000"/>
-                </a:schemeClr>
-              </a:solidFill>
-              <a:latin typeface="Arial"/>
-              <a:cs typeface="Arial"/>
-            </a:endParaRPr>
-          </a:p>
-          <a:p>
-            <a:pPr marL="12700"/>
-            <a:r>
-              <a:rPr lang="da-DK" sz="1000" b="1" cap="all" spc="200" dirty="0" smtClean="0">
-                <a:solidFill>
-                  <a:schemeClr val="accent1">
-                    <a:lumMod val="75000"/>
-                    <a:alpha val="50000"/>
-                  </a:schemeClr>
-                </a:solidFill>
-                <a:latin typeface="Arial"/>
-                <a:cs typeface="Arial"/>
-              </a:rPr>
-              <a:t>Server </a:t>
-            </a:r>
-            <a:r>
-              <a:rPr lang="da-DK" sz="1000" b="1" cap="all" spc="200" dirty="0" err="1" smtClean="0">
-                <a:solidFill>
-                  <a:schemeClr val="accent1">
-                    <a:lumMod val="75000"/>
-                    <a:alpha val="50000"/>
-                  </a:schemeClr>
-                </a:solidFill>
-                <a:latin typeface="Arial"/>
-                <a:cs typeface="Arial"/>
-              </a:rPr>
-              <a:t>Communication</a:t>
-            </a:r>
-            <a:endParaRPr lang="da-DK" sz="1000" b="1" cap="all" spc="200" dirty="0" smtClean="0">
               <a:solidFill>
                 <a:schemeClr val="accent1">
                   <a:lumMod val="75000"/>
@@ -5170,7 +5881,7 @@
           <a:p>
             <a:pPr marL="12700"/>
             <a:r>
-              <a:rPr lang="en-GB" sz="1000" b="1" cap="all" spc="200" dirty="0" smtClean="0">
+              <a:rPr lang="da-DK" sz="1000" b="1" cap="all" spc="200" dirty="0" smtClean="0">
                 <a:solidFill>
                   <a:schemeClr val="accent1">
                     <a:lumMod val="75000"/>
@@ -5180,13 +5891,10 @@
                 <a:latin typeface="Arial"/>
                 <a:cs typeface="Arial"/>
               </a:rPr>
-              <a:t>Results and findings</a:t>
-            </a:r>
-          </a:p>
-          <a:p>
-            <a:pPr marL="12700"/>
-            <a:r>
-              <a:rPr lang="en-GB" sz="1000" b="1" cap="all" spc="200" dirty="0" smtClean="0">
+              <a:t>Server </a:t>
+            </a:r>
+            <a:r>
+              <a:rPr lang="da-DK" sz="1000" b="1" cap="all" spc="200" dirty="0" err="1" smtClean="0">
                 <a:solidFill>
                   <a:schemeClr val="accent1">
                     <a:lumMod val="75000"/>
@@ -5196,9 +5904,9 @@
                 <a:latin typeface="Arial"/>
                 <a:cs typeface="Arial"/>
               </a:rPr>
-              <a:t>Demonstration</a:t>
-            </a:r>
-            <a:endParaRPr lang="da-DK" sz="1000" b="1" cap="all" spc="200" dirty="0">
+              <a:t>Communication</a:t>
+            </a:r>
+            <a:endParaRPr lang="da-DK" sz="1000" b="1" cap="all" spc="200" dirty="0" smtClean="0">
               <a:solidFill>
                 <a:schemeClr val="accent1">
                   <a:lumMod val="75000"/>
@@ -5210,186 +5918,169 @@
             </a:endParaRPr>
           </a:p>
           <a:p>
+            <a:pPr marL="12700"/>
+            <a:r>
+              <a:rPr lang="en-GB" sz="1000" b="1" cap="all" spc="200" dirty="0" smtClean="0">
+                <a:solidFill>
+                  <a:schemeClr val="accent1">
+                    <a:lumMod val="75000"/>
+                    <a:alpha val="50000"/>
+                  </a:schemeClr>
+                </a:solidFill>
+                <a:latin typeface="Arial"/>
+                <a:cs typeface="Arial"/>
+              </a:rPr>
+              <a:t>Results and findings</a:t>
+            </a:r>
+          </a:p>
+          <a:p>
+            <a:pPr marL="12700"/>
+            <a:r>
+              <a:rPr lang="en-GB" sz="1000" b="1" cap="all" spc="200" dirty="0" smtClean="0">
+                <a:solidFill>
+                  <a:schemeClr val="accent1">
+                    <a:lumMod val="75000"/>
+                    <a:alpha val="50000"/>
+                  </a:schemeClr>
+                </a:solidFill>
+                <a:latin typeface="Arial"/>
+                <a:cs typeface="Arial"/>
+              </a:rPr>
+              <a:t>Demonstration</a:t>
+            </a:r>
+            <a:endParaRPr lang="da-DK" sz="1000" b="1" cap="all" spc="200" dirty="0">
+              <a:solidFill>
+                <a:schemeClr val="accent1">
+                  <a:lumMod val="75000"/>
+                  <a:alpha val="50000"/>
+                </a:schemeClr>
+              </a:solidFill>
+              <a:latin typeface="Arial"/>
+              <a:cs typeface="Arial"/>
+            </a:endParaRPr>
+          </a:p>
+          <a:p>
             <a:endParaRPr lang="da-DK" sz="1000" dirty="0"/>
           </a:p>
         </p:txBody>
       </p:sp>
       <p:sp>
         <p:nvSpPr>
-          <p:cNvPr id="10" name="object 4"/>
-          <p:cNvSpPr txBox="1">
-            <a:spLocks/>
-          </p:cNvSpPr>
+          <p:cNvPr id="12" name="Right Arrow 11"/>
+          <p:cNvSpPr/>
           <p:nvPr/>
         </p:nvSpPr>
         <p:spPr>
           <a:xfrm>
-            <a:off x="4064146" y="5952020"/>
-            <a:ext cx="4343400" cy="143981"/>
+            <a:off x="5336558" y="2744861"/>
+            <a:ext cx="1366855" cy="675702"/>
+          </a:xfrm>
+          <a:prstGeom prst="rightArrow">
+            <a:avLst/>
+          </a:prstGeom>
+        </p:spPr>
+        <p:style>
+          <a:lnRef idx="2">
+            <a:schemeClr val="accent1">
+              <a:shade val="50000"/>
+            </a:schemeClr>
+          </a:lnRef>
+          <a:fillRef idx="1">
+            <a:schemeClr val="accent1"/>
+          </a:fillRef>
+          <a:effectRef idx="0">
+            <a:schemeClr val="accent1"/>
+          </a:effectRef>
+          <a:fontRef idx="minor">
+            <a:schemeClr val="lt1"/>
+          </a:fontRef>
+        </p:style>
+        <p:txBody>
+          <a:bodyPr rtlCol="0" anchor="ctr"/>
+          <a:lstStyle/>
+          <a:p>
+            <a:pPr algn="ctr"/>
+            <a:endParaRPr lang="da-DK"/>
+          </a:p>
+        </p:txBody>
+      </p:sp>
+      <p:pic>
+        <p:nvPicPr>
+          <p:cNvPr id="4" name="Picture 3"/>
+          <p:cNvPicPr>
+            <a:picLocks noChangeAspect="1"/>
+          </p:cNvPicPr>
+          <p:nvPr/>
+        </p:nvPicPr>
+        <p:blipFill>
+          <a:blip r:embed="rId2">
+            <a:extLst>
+              <a:ext uri="{28A0092B-C50C-407E-A947-70E740481C1C}">
+                <a14:useLocalDpi xmlns:a14="http://schemas.microsoft.com/office/drawing/2010/main" val="0"/>
+              </a:ext>
+            </a:extLst>
+          </a:blip>
+          <a:stretch>
+            <a:fillRect/>
+          </a:stretch>
+        </p:blipFill>
+        <p:spPr>
+          <a:xfrm>
+            <a:off x="2150300" y="1155200"/>
+            <a:ext cx="2680995" cy="4337052"/>
           </a:xfrm>
           <a:prstGeom prst="rect">
             <a:avLst/>
           </a:prstGeom>
         </p:spPr>
-        <p:txBody>
-          <a:bodyPr vert="horz" wrap="square" lIns="0" tIns="0" rIns="0" bIns="0" rtlCol="0" anchor="ctr">
-            <a:noAutofit/>
-          </a:bodyPr>
-          <a:lstStyle>
-            <a:defPPr>
-              <a:defRPr lang="da-DK"/>
-            </a:defPPr>
-            <a:lvl1pPr marL="0" algn="ctr" defTabSz="914400" rtl="0" eaLnBrk="1" latinLnBrk="0" hangingPunct="1">
-              <a:defRPr sz="1200" kern="1200">
-                <a:solidFill>
-                  <a:schemeClr val="tx1">
-                    <a:tint val="75000"/>
-                  </a:schemeClr>
-                </a:solidFill>
-                <a:latin typeface="+mn-lt"/>
-                <a:ea typeface="+mn-ea"/>
-                <a:cs typeface="+mn-cs"/>
-              </a:defRPr>
-            </a:lvl1pPr>
-            <a:lvl2pPr marL="457200" algn="l" defTabSz="914400" rtl="0" eaLnBrk="1" latinLnBrk="0" hangingPunct="1">
-              <a:defRPr sz="1800" kern="1200">
-                <a:solidFill>
-                  <a:schemeClr val="tx1"/>
-                </a:solidFill>
-                <a:latin typeface="+mn-lt"/>
-                <a:ea typeface="+mn-ea"/>
-                <a:cs typeface="+mn-cs"/>
-              </a:defRPr>
-            </a:lvl2pPr>
-            <a:lvl3pPr marL="914400" algn="l" defTabSz="914400" rtl="0" eaLnBrk="1" latinLnBrk="0" hangingPunct="1">
-              <a:defRPr sz="1800" kern="1200">
-                <a:solidFill>
-                  <a:schemeClr val="tx1"/>
-                </a:solidFill>
-                <a:latin typeface="+mn-lt"/>
-                <a:ea typeface="+mn-ea"/>
-                <a:cs typeface="+mn-cs"/>
-              </a:defRPr>
-            </a:lvl3pPr>
-            <a:lvl4pPr marL="1371600" algn="l" defTabSz="914400" rtl="0" eaLnBrk="1" latinLnBrk="0" hangingPunct="1">
-              <a:defRPr sz="1800" kern="1200">
-                <a:solidFill>
-                  <a:schemeClr val="tx1"/>
-                </a:solidFill>
-                <a:latin typeface="+mn-lt"/>
-                <a:ea typeface="+mn-ea"/>
-                <a:cs typeface="+mn-cs"/>
-              </a:defRPr>
-            </a:lvl4pPr>
-            <a:lvl5pPr marL="1828800" algn="l" defTabSz="914400" rtl="0" eaLnBrk="1" latinLnBrk="0" hangingPunct="1">
-              <a:defRPr sz="1800" kern="1200">
-                <a:solidFill>
-                  <a:schemeClr val="tx1"/>
-                </a:solidFill>
-                <a:latin typeface="+mn-lt"/>
-                <a:ea typeface="+mn-ea"/>
-                <a:cs typeface="+mn-cs"/>
-              </a:defRPr>
-            </a:lvl5pPr>
-            <a:lvl6pPr marL="2286000" algn="l" defTabSz="914400" rtl="0" eaLnBrk="1" latinLnBrk="0" hangingPunct="1">
-              <a:defRPr sz="1800" kern="1200">
-                <a:solidFill>
-                  <a:schemeClr val="tx1"/>
-                </a:solidFill>
-                <a:latin typeface="+mn-lt"/>
-                <a:ea typeface="+mn-ea"/>
-                <a:cs typeface="+mn-cs"/>
-              </a:defRPr>
-            </a:lvl6pPr>
-            <a:lvl7pPr marL="2743200" algn="l" defTabSz="914400" rtl="0" eaLnBrk="1" latinLnBrk="0" hangingPunct="1">
-              <a:defRPr sz="1800" kern="1200">
-                <a:solidFill>
-                  <a:schemeClr val="tx1"/>
-                </a:solidFill>
-                <a:latin typeface="+mn-lt"/>
-                <a:ea typeface="+mn-ea"/>
-                <a:cs typeface="+mn-cs"/>
-              </a:defRPr>
-            </a:lvl7pPr>
-            <a:lvl8pPr marL="3200400" algn="l" defTabSz="914400" rtl="0" eaLnBrk="1" latinLnBrk="0" hangingPunct="1">
-              <a:defRPr sz="1800" kern="1200">
-                <a:solidFill>
-                  <a:schemeClr val="tx1"/>
-                </a:solidFill>
-                <a:latin typeface="+mn-lt"/>
-                <a:ea typeface="+mn-ea"/>
-                <a:cs typeface="+mn-cs"/>
-              </a:defRPr>
-            </a:lvl8pPr>
-            <a:lvl9pPr marL="3657600" algn="l" defTabSz="914400" rtl="0" eaLnBrk="1" latinLnBrk="0" hangingPunct="1">
-              <a:defRPr sz="1800" kern="1200">
-                <a:solidFill>
-                  <a:schemeClr val="tx1"/>
-                </a:solidFill>
-                <a:latin typeface="+mn-lt"/>
-                <a:ea typeface="+mn-ea"/>
-                <a:cs typeface="+mn-cs"/>
-              </a:defRPr>
-            </a:lvl9pPr>
-          </a:lstStyle>
-          <a:p>
-            <a:pPr marL="12700"/>
-            <a:r>
-              <a:rPr lang="da-DK" sz="850" b="1" kern="0" cap="all" spc="200" dirty="0" smtClean="0">
-                <a:solidFill>
-                  <a:schemeClr val="tx1">
-                    <a:lumMod val="50000"/>
-                    <a:lumOff val="50000"/>
-                  </a:schemeClr>
-                </a:solidFill>
-                <a:latin typeface="Arial"/>
-                <a:cs typeface="Arial"/>
-              </a:rPr>
-              <a:t>12 OF 17  | </a:t>
-            </a:r>
-            <a:r>
-              <a:rPr lang="da-DK" sz="850" b="1" kern="0" spc="200" dirty="0" smtClean="0">
-                <a:solidFill>
-                  <a:schemeClr val="tx1">
-                    <a:lumMod val="50000"/>
-                    <a:lumOff val="50000"/>
-                  </a:schemeClr>
-                </a:solidFill>
-                <a:latin typeface="Arial"/>
-                <a:cs typeface="Arial"/>
-              </a:rPr>
-              <a:t>15.02.2014</a:t>
-            </a:r>
-            <a:endParaRPr lang="da-DK" sz="850" kern="0" cap="all" spc="200" dirty="0">
-              <a:solidFill>
-                <a:schemeClr val="tx1">
-                  <a:lumMod val="50000"/>
-                  <a:lumOff val="50000"/>
-                </a:schemeClr>
-              </a:solidFill>
-              <a:latin typeface="Arial"/>
-              <a:cs typeface="Arial"/>
-            </a:endParaRPr>
-          </a:p>
-        </p:txBody>
-      </p:sp>
+      </p:pic>
+      <p:pic>
+        <p:nvPicPr>
+          <p:cNvPr id="11" name="Picture 10"/>
+          <p:cNvPicPr>
+            <a:picLocks noChangeAspect="1"/>
+          </p:cNvPicPr>
+          <p:nvPr/>
+        </p:nvPicPr>
+        <p:blipFill>
+          <a:blip r:embed="rId3" cstate="print">
+            <a:extLst>
+              <a:ext uri="{28A0092B-C50C-407E-A947-70E740481C1C}">
+                <a14:useLocalDpi xmlns:a14="http://schemas.microsoft.com/office/drawing/2010/main" val="0"/>
+              </a:ext>
+            </a:extLst>
+          </a:blip>
+          <a:stretch>
+            <a:fillRect/>
+          </a:stretch>
+        </p:blipFill>
+        <p:spPr>
+          <a:xfrm>
+            <a:off x="7148752" y="1155927"/>
+            <a:ext cx="2365200" cy="4204800"/>
+          </a:xfrm>
+          <a:prstGeom prst="rect">
+            <a:avLst/>
+          </a:prstGeom>
+        </p:spPr>
+      </p:pic>
     </p:spTree>
     <p:extLst>
       <p:ext uri="{BB962C8B-B14F-4D97-AF65-F5344CB8AC3E}">
-        <p14:creationId xmlns:p14="http://schemas.microsoft.com/office/powerpoint/2010/main" val="256549327"/>
+        <p14:creationId xmlns:p14="http://schemas.microsoft.com/office/powerpoint/2010/main" val="3260270318"/>
       </p:ext>
     </p:extLst>
   </p:cSld>
   <p:clrMapOvr>
     <a:masterClrMapping/>
   </p:clrMapOvr>
-  <mc:AlternateContent xmlns:mc="http://schemas.openxmlformats.org/markup-compatibility/2006">
-    <mc:Choice xmlns:p14="http://schemas.microsoft.com/office/powerpoint/2010/main" Requires="p14">
+  <mc:AlternateContent xmlns:mc="http://schemas.openxmlformats.org/markup-compatibility/2006" xmlns:p14="http://schemas.microsoft.com/office/powerpoint/2010/main">
+    <mc:Choice Requires="p14">
       <p:transition p14:dur="250">
         <p:fade/>
       </p:transition>
     </mc:Choice>
-    <mc:Fallback>
+    <mc:Fallback xmlns="">
       <p:transition>
         <p:fade/>
       </p:transition>
@@ -5425,70 +6116,635 @@
       <p:sp>
         <p:nvSpPr>
           <p:cNvPr id="2" name="object 2"/>
-          <p:cNvSpPr txBox="1">
-            <a:spLocks noGrp="1"/>
-          </p:cNvSpPr>
-          <p:nvPr>
-            <p:ph type="title"/>
-          </p:nvPr>
+          <p:cNvSpPr txBox="1"/>
+          <p:nvPr/>
         </p:nvSpPr>
         <p:spPr>
           <a:xfrm>
-            <a:off x="3351956" y="2420888"/>
-            <a:ext cx="5536756" cy="1023270"/>
+            <a:off x="2150300" y="562801"/>
+            <a:ext cx="6231700" cy="368935"/>
           </a:xfrm>
           <a:prstGeom prst="rect">
             <a:avLst/>
           </a:prstGeom>
         </p:spPr>
         <p:txBody>
+          <a:bodyPr vert="horz" wrap="square" lIns="0" tIns="0" rIns="0" bIns="0" rtlCol="0">
+            <a:noAutofit/>
+          </a:bodyPr>
+          <a:lstStyle/>
+          <a:p>
+            <a:pPr marL="12700">
+              <a:tabLst>
+                <a:tab pos="1641475" algn="l"/>
+                <a:tab pos="2152650" algn="l"/>
+                <a:tab pos="3412490" algn="l"/>
+              </a:tabLst>
+            </a:pPr>
+            <a:r>
+              <a:rPr lang="en-GB" sz="2400" kern="0" cap="all" spc="200" dirty="0" err="1" smtClean="0">
+                <a:solidFill>
+                  <a:schemeClr val="tx2">
+                    <a:lumMod val="50000"/>
+                  </a:schemeClr>
+                </a:solidFill>
+                <a:latin typeface="Arial"/>
+                <a:cs typeface="Arial"/>
+              </a:rPr>
+              <a:t>TeST</a:t>
+            </a:r>
+            <a:endParaRPr sz="2400" kern="0" cap="all" spc="200" dirty="0">
+              <a:solidFill>
+                <a:schemeClr val="tx2">
+                  <a:lumMod val="50000"/>
+                </a:schemeClr>
+              </a:solidFill>
+              <a:latin typeface="Arial"/>
+              <a:cs typeface="Arial"/>
+            </a:endParaRPr>
+          </a:p>
+        </p:txBody>
+      </p:sp>
+      <p:sp>
+        <p:nvSpPr>
+          <p:cNvPr id="3" name="object 3"/>
+          <p:cNvSpPr txBox="1"/>
+          <p:nvPr/>
+        </p:nvSpPr>
+        <p:spPr>
+          <a:xfrm>
+            <a:off x="2150300" y="1155200"/>
+            <a:ext cx="6231700" cy="4074001"/>
+          </a:xfrm>
+          <a:prstGeom prst="rect">
+            <a:avLst/>
+          </a:prstGeom>
+        </p:spPr>
+        <p:txBody>
+          <a:bodyPr vert="horz" wrap="square" lIns="0" tIns="0" rIns="0" bIns="0" rtlCol="0">
+            <a:noAutofit/>
+          </a:bodyPr>
+          <a:lstStyle/>
+          <a:p>
+            <a:pPr marL="12700"/>
+            <a:endParaRPr lang="en-GB" sz="1600" cap="all" spc="200" dirty="0">
+              <a:solidFill>
+                <a:schemeClr val="accent1">
+                  <a:lumMod val="75000"/>
+                </a:schemeClr>
+              </a:solidFill>
+              <a:latin typeface="Arial"/>
+              <a:cs typeface="Arial"/>
+            </a:endParaRPr>
+          </a:p>
+        </p:txBody>
+      </p:sp>
+      <p:sp>
+        <p:nvSpPr>
+          <p:cNvPr id="9" name="object 7"/>
+          <p:cNvSpPr txBox="1"/>
+          <p:nvPr/>
+        </p:nvSpPr>
+        <p:spPr>
+          <a:xfrm>
+            <a:off x="4267200" y="6137889"/>
+            <a:ext cx="3682706" cy="294005"/>
+          </a:xfrm>
+          <a:prstGeom prst="rect">
+            <a:avLst/>
+          </a:prstGeom>
+        </p:spPr>
+        <p:txBody>
+          <a:bodyPr vert="horz" wrap="square" lIns="0" tIns="0" rIns="0" bIns="0" rtlCol="0">
+            <a:noAutofit/>
+          </a:bodyPr>
+          <a:lstStyle/>
+          <a:p>
+            <a:pPr algn="ctr">
+              <a:lnSpc>
+                <a:spcPct val="100000"/>
+              </a:lnSpc>
+            </a:pPr>
+            <a:r>
+              <a:rPr lang="da-DK" sz="850" b="1" kern="0" cap="all" spc="200" dirty="0">
+                <a:solidFill>
+                  <a:schemeClr val="tx1">
+                    <a:lumMod val="50000"/>
+                    <a:lumOff val="50000"/>
+                  </a:schemeClr>
+                </a:solidFill>
+                <a:latin typeface="Arial"/>
+                <a:cs typeface="Arial"/>
+              </a:rPr>
+              <a:t>Department of computer science</a:t>
+            </a:r>
+            <a:endParaRPr sz="850" b="1" kern="0" cap="all" spc="200" dirty="0">
+              <a:solidFill>
+                <a:schemeClr val="tx1">
+                  <a:lumMod val="50000"/>
+                  <a:lumOff val="50000"/>
+                </a:schemeClr>
+              </a:solidFill>
+              <a:latin typeface="Arial"/>
+              <a:cs typeface="Arial"/>
+            </a:endParaRPr>
+          </a:p>
+          <a:p>
+            <a:pPr marR="20320" algn="ctr">
+              <a:spcBef>
+                <a:spcPts val="180"/>
+              </a:spcBef>
+            </a:pPr>
+            <a:r>
+              <a:rPr sz="850" kern="0" cap="all" spc="200" dirty="0">
+                <a:solidFill>
+                  <a:schemeClr val="tx1">
+                    <a:lumMod val="50000"/>
+                    <a:lumOff val="50000"/>
+                  </a:schemeClr>
+                </a:solidFill>
+                <a:latin typeface="Arial"/>
+                <a:cs typeface="Arial"/>
+              </a:rPr>
+              <a:t>AALBORG</a:t>
+            </a:r>
+            <a:r>
+              <a:rPr lang="da-DK" sz="850" kern="0" cap="all" spc="200" dirty="0">
+                <a:solidFill>
+                  <a:schemeClr val="tx1">
+                    <a:lumMod val="50000"/>
+                    <a:lumOff val="50000"/>
+                  </a:schemeClr>
+                </a:solidFill>
+                <a:latin typeface="Arial"/>
+                <a:cs typeface="Arial"/>
+              </a:rPr>
+              <a:t> UNIVERSITy</a:t>
+            </a:r>
+            <a:endParaRPr sz="850" kern="0" cap="all" spc="200" dirty="0">
+              <a:solidFill>
+                <a:schemeClr val="tx1">
+                  <a:lumMod val="50000"/>
+                  <a:lumOff val="50000"/>
+                </a:schemeClr>
+              </a:solidFill>
+              <a:latin typeface="Arial"/>
+              <a:cs typeface="Arial"/>
+            </a:endParaRPr>
+          </a:p>
+        </p:txBody>
+      </p:sp>
+      <p:sp>
+        <p:nvSpPr>
+          <p:cNvPr id="10" name="object 4"/>
+          <p:cNvSpPr txBox="1">
+            <a:spLocks/>
+          </p:cNvSpPr>
+          <p:nvPr/>
+        </p:nvSpPr>
+        <p:spPr>
+          <a:xfrm>
+            <a:off x="4064146" y="5952020"/>
+            <a:ext cx="4343400" cy="143981"/>
+          </a:xfrm>
+          <a:prstGeom prst="rect">
+            <a:avLst/>
+          </a:prstGeom>
+        </p:spPr>
+        <p:txBody>
           <a:bodyPr vert="horz" wrap="square" lIns="0" tIns="0" rIns="0" bIns="0" rtlCol="0" anchor="ctr">
             <a:noAutofit/>
           </a:bodyPr>
+          <a:lstStyle>
+            <a:defPPr>
+              <a:defRPr lang="da-DK"/>
+            </a:defPPr>
+            <a:lvl1pPr marL="0" algn="ctr" defTabSz="914400" rtl="0" eaLnBrk="1" latinLnBrk="0" hangingPunct="1">
+              <a:defRPr sz="1200" kern="1200">
+                <a:solidFill>
+                  <a:schemeClr val="tx1">
+                    <a:tint val="75000"/>
+                  </a:schemeClr>
+                </a:solidFill>
+                <a:latin typeface="+mn-lt"/>
+                <a:ea typeface="+mn-ea"/>
+                <a:cs typeface="+mn-cs"/>
+              </a:defRPr>
+            </a:lvl1pPr>
+            <a:lvl2pPr marL="457200" algn="l" defTabSz="914400" rtl="0" eaLnBrk="1" latinLnBrk="0" hangingPunct="1">
+              <a:defRPr sz="1800" kern="1200">
+                <a:solidFill>
+                  <a:schemeClr val="tx1"/>
+                </a:solidFill>
+                <a:latin typeface="+mn-lt"/>
+                <a:ea typeface="+mn-ea"/>
+                <a:cs typeface="+mn-cs"/>
+              </a:defRPr>
+            </a:lvl2pPr>
+            <a:lvl3pPr marL="914400" algn="l" defTabSz="914400" rtl="0" eaLnBrk="1" latinLnBrk="0" hangingPunct="1">
+              <a:defRPr sz="1800" kern="1200">
+                <a:solidFill>
+                  <a:schemeClr val="tx1"/>
+                </a:solidFill>
+                <a:latin typeface="+mn-lt"/>
+                <a:ea typeface="+mn-ea"/>
+                <a:cs typeface="+mn-cs"/>
+              </a:defRPr>
+            </a:lvl3pPr>
+            <a:lvl4pPr marL="1371600" algn="l" defTabSz="914400" rtl="0" eaLnBrk="1" latinLnBrk="0" hangingPunct="1">
+              <a:defRPr sz="1800" kern="1200">
+                <a:solidFill>
+                  <a:schemeClr val="tx1"/>
+                </a:solidFill>
+                <a:latin typeface="+mn-lt"/>
+                <a:ea typeface="+mn-ea"/>
+                <a:cs typeface="+mn-cs"/>
+              </a:defRPr>
+            </a:lvl4pPr>
+            <a:lvl5pPr marL="1828800" algn="l" defTabSz="914400" rtl="0" eaLnBrk="1" latinLnBrk="0" hangingPunct="1">
+              <a:defRPr sz="1800" kern="1200">
+                <a:solidFill>
+                  <a:schemeClr val="tx1"/>
+                </a:solidFill>
+                <a:latin typeface="+mn-lt"/>
+                <a:ea typeface="+mn-ea"/>
+                <a:cs typeface="+mn-cs"/>
+              </a:defRPr>
+            </a:lvl5pPr>
+            <a:lvl6pPr marL="2286000" algn="l" defTabSz="914400" rtl="0" eaLnBrk="1" latinLnBrk="0" hangingPunct="1">
+              <a:defRPr sz="1800" kern="1200">
+                <a:solidFill>
+                  <a:schemeClr val="tx1"/>
+                </a:solidFill>
+                <a:latin typeface="+mn-lt"/>
+                <a:ea typeface="+mn-ea"/>
+                <a:cs typeface="+mn-cs"/>
+              </a:defRPr>
+            </a:lvl6pPr>
+            <a:lvl7pPr marL="2743200" algn="l" defTabSz="914400" rtl="0" eaLnBrk="1" latinLnBrk="0" hangingPunct="1">
+              <a:defRPr sz="1800" kern="1200">
+                <a:solidFill>
+                  <a:schemeClr val="tx1"/>
+                </a:solidFill>
+                <a:latin typeface="+mn-lt"/>
+                <a:ea typeface="+mn-ea"/>
+                <a:cs typeface="+mn-cs"/>
+              </a:defRPr>
+            </a:lvl7pPr>
+            <a:lvl8pPr marL="3200400" algn="l" defTabSz="914400" rtl="0" eaLnBrk="1" latinLnBrk="0" hangingPunct="1">
+              <a:defRPr sz="1800" kern="1200">
+                <a:solidFill>
+                  <a:schemeClr val="tx1"/>
+                </a:solidFill>
+                <a:latin typeface="+mn-lt"/>
+                <a:ea typeface="+mn-ea"/>
+                <a:cs typeface="+mn-cs"/>
+              </a:defRPr>
+            </a:lvl8pPr>
+            <a:lvl9pPr marL="3657600" algn="l" defTabSz="914400" rtl="0" eaLnBrk="1" latinLnBrk="0" hangingPunct="1">
+              <a:defRPr sz="1800" kern="1200">
+                <a:solidFill>
+                  <a:schemeClr val="tx1"/>
+                </a:solidFill>
+                <a:latin typeface="+mn-lt"/>
+                <a:ea typeface="+mn-ea"/>
+                <a:cs typeface="+mn-cs"/>
+              </a:defRPr>
+            </a:lvl9pPr>
+          </a:lstStyle>
+          <a:p>
+            <a:pPr marL="12700"/>
+            <a:r>
+              <a:rPr lang="da-DK" sz="850" b="1" kern="0" cap="all" spc="200" dirty="0" smtClean="0">
+                <a:solidFill>
+                  <a:schemeClr val="tx1">
+                    <a:lumMod val="50000"/>
+                    <a:lumOff val="50000"/>
+                  </a:schemeClr>
+                </a:solidFill>
+                <a:latin typeface="Arial"/>
+                <a:cs typeface="Arial"/>
+              </a:rPr>
+              <a:t>8 OF 17  | </a:t>
+            </a:r>
+            <a:r>
+              <a:rPr lang="da-DK" sz="850" b="1" kern="0" spc="200" dirty="0" smtClean="0">
+                <a:solidFill>
+                  <a:schemeClr val="tx1">
+                    <a:lumMod val="50000"/>
+                    <a:lumOff val="50000"/>
+                  </a:schemeClr>
+                </a:solidFill>
+                <a:latin typeface="Arial"/>
+                <a:cs typeface="Arial"/>
+              </a:rPr>
+              <a:t>15.02.2014</a:t>
+            </a:r>
+            <a:endParaRPr lang="da-DK" sz="850" kern="0" cap="all" spc="200" dirty="0">
+              <a:solidFill>
+                <a:schemeClr val="tx1">
+                  <a:lumMod val="50000"/>
+                  <a:lumOff val="50000"/>
+                </a:schemeClr>
+              </a:solidFill>
+              <a:latin typeface="Arial"/>
+              <a:cs typeface="Arial"/>
+            </a:endParaRPr>
+          </a:p>
+        </p:txBody>
+      </p:sp>
+      <p:sp>
+        <p:nvSpPr>
+          <p:cNvPr id="8" name="TextBox 7"/>
+          <p:cNvSpPr txBox="1"/>
+          <p:nvPr/>
+        </p:nvSpPr>
+        <p:spPr>
+          <a:xfrm>
+            <a:off x="7148752" y="181694"/>
+            <a:ext cx="4829888" cy="861774"/>
+          </a:xfrm>
+          <a:prstGeom prst="rect">
+            <a:avLst/>
+          </a:prstGeom>
+          <a:noFill/>
+        </p:spPr>
+        <p:txBody>
+          <a:bodyPr wrap="square" numCol="2" rtlCol="0">
+            <a:spAutoFit/>
+          </a:bodyPr>
           <a:lstStyle/>
           <a:p>
-            <a:pPr algn="ctr">
-              <a:lnSpc>
-                <a:spcPts val="3960"/>
-              </a:lnSpc>
-              <a:tabLst>
-                <a:tab pos="1676400" algn="l"/>
-              </a:tabLst>
-            </a:pPr>
-            <a:r>
-              <a:rPr lang="en-GB" sz="3600" b="1" dirty="0" smtClean="0">
-                <a:solidFill>
-                  <a:schemeClr val="tx2">
-                    <a:lumMod val="50000"/>
-                  </a:schemeClr>
-                </a:solidFill>
-                <a:latin typeface="Arial"/>
-                <a:cs typeface="Arial"/>
-              </a:rPr>
-              <a:t>Server Communication</a:t>
-            </a:r>
-            <a:endParaRPr sz="3600" b="1" dirty="0">
-              <a:solidFill>
-                <a:schemeClr val="tx2">
-                  <a:lumMod val="50000"/>
-                </a:schemeClr>
-              </a:solidFill>
-              <a:latin typeface="Arial"/>
-              <a:cs typeface="Arial"/>
-            </a:endParaRPr>
+            <a:pPr marL="12700"/>
+            <a:r>
+              <a:rPr lang="en-GB" sz="1000" b="1" cap="all" spc="200" dirty="0">
+                <a:solidFill>
+                  <a:schemeClr val="accent1">
+                    <a:lumMod val="75000"/>
+                    <a:alpha val="50000"/>
+                  </a:schemeClr>
+                </a:solidFill>
+                <a:latin typeface="Arial"/>
+                <a:cs typeface="Arial"/>
+              </a:rPr>
+              <a:t>Motivation</a:t>
+            </a:r>
+            <a:endParaRPr lang="da-DK" sz="1000" b="1" cap="all" spc="200" dirty="0">
+              <a:solidFill>
+                <a:schemeClr val="accent1">
+                  <a:lumMod val="75000"/>
+                  <a:alpha val="50000"/>
+                </a:schemeClr>
+              </a:solidFill>
+              <a:latin typeface="Arial"/>
+              <a:cs typeface="Arial"/>
+            </a:endParaRPr>
+          </a:p>
+          <a:p>
+            <a:pPr marL="12700"/>
+            <a:r>
+              <a:rPr lang="en-GB" sz="1000" b="1" cap="all" spc="200" dirty="0">
+                <a:solidFill>
+                  <a:schemeClr val="accent1">
+                    <a:lumMod val="75000"/>
+                    <a:alpha val="50000"/>
+                  </a:schemeClr>
+                </a:solidFill>
+                <a:latin typeface="Arial"/>
+                <a:cs typeface="Arial"/>
+              </a:rPr>
+              <a:t>Concept</a:t>
+            </a:r>
+            <a:endParaRPr lang="da-DK" sz="1000" b="1" cap="all" spc="200" dirty="0">
+              <a:solidFill>
+                <a:schemeClr val="accent1">
+                  <a:lumMod val="75000"/>
+                  <a:alpha val="50000"/>
+                </a:schemeClr>
+              </a:solidFill>
+              <a:latin typeface="Arial"/>
+              <a:cs typeface="Arial"/>
+            </a:endParaRPr>
+          </a:p>
+          <a:p>
+            <a:pPr marL="12700"/>
+            <a:r>
+              <a:rPr lang="en-GB" sz="1000" b="1" cap="all" spc="200" dirty="0">
+                <a:solidFill>
+                  <a:schemeClr val="accent1">
+                    <a:lumMod val="75000"/>
+                  </a:schemeClr>
+                </a:solidFill>
+                <a:latin typeface="Arial"/>
+                <a:cs typeface="Arial"/>
+              </a:rPr>
+              <a:t>App design</a:t>
+            </a:r>
+          </a:p>
+          <a:p>
+            <a:pPr marL="12700"/>
+            <a:r>
+              <a:rPr lang="en-GB" sz="1000" b="1" cap="all" spc="200" dirty="0">
+                <a:solidFill>
+                  <a:schemeClr val="accent1">
+                    <a:lumMod val="75000"/>
+                    <a:alpha val="50000"/>
+                  </a:schemeClr>
+                </a:solidFill>
+                <a:latin typeface="Arial"/>
+                <a:cs typeface="Arial"/>
+              </a:rPr>
+              <a:t>App implementation</a:t>
+            </a:r>
+            <a:r>
+              <a:rPr lang="da-DK" sz="1000" b="1" cap="all" spc="200" dirty="0">
+                <a:solidFill>
+                  <a:schemeClr val="accent1">
+                    <a:lumMod val="75000"/>
+                    <a:alpha val="50000"/>
+                  </a:schemeClr>
+                </a:solidFill>
+                <a:latin typeface="Arial"/>
+                <a:cs typeface="Arial"/>
+              </a:rPr>
+              <a:t> </a:t>
+            </a:r>
+          </a:p>
+          <a:p>
+            <a:pPr marL="12700"/>
+            <a:endParaRPr lang="da-DK" sz="1000" b="1" cap="all" spc="200" dirty="0">
+              <a:solidFill>
+                <a:schemeClr val="accent1">
+                  <a:lumMod val="75000"/>
+                  <a:alpha val="50000"/>
+                </a:schemeClr>
+              </a:solidFill>
+              <a:latin typeface="Arial"/>
+              <a:cs typeface="Arial"/>
+            </a:endParaRPr>
+          </a:p>
+          <a:p>
+            <a:pPr marL="12700"/>
+            <a:r>
+              <a:rPr lang="en-GB" sz="1000" b="1" cap="all" spc="200" dirty="0" smtClean="0">
+                <a:solidFill>
+                  <a:schemeClr val="accent1">
+                    <a:lumMod val="75000"/>
+                    <a:alpha val="50000"/>
+                  </a:schemeClr>
+                </a:solidFill>
+                <a:latin typeface="Arial"/>
+                <a:cs typeface="Arial"/>
+              </a:rPr>
+              <a:t>Website</a:t>
+            </a:r>
+            <a:endParaRPr lang="da-DK" sz="1000" b="1" cap="all" spc="200" dirty="0">
+              <a:solidFill>
+                <a:schemeClr val="accent1">
+                  <a:lumMod val="75000"/>
+                  <a:alpha val="50000"/>
+                </a:schemeClr>
+              </a:solidFill>
+              <a:latin typeface="Arial"/>
+              <a:cs typeface="Arial"/>
+            </a:endParaRPr>
+          </a:p>
+          <a:p>
+            <a:pPr marL="12700"/>
+            <a:r>
+              <a:rPr lang="da-DK" sz="1000" b="1" cap="all" spc="200" dirty="0" smtClean="0">
+                <a:solidFill>
+                  <a:schemeClr val="accent1">
+                    <a:lumMod val="75000"/>
+                    <a:alpha val="50000"/>
+                  </a:schemeClr>
+                </a:solidFill>
+                <a:latin typeface="Arial"/>
+                <a:cs typeface="Arial"/>
+              </a:rPr>
+              <a:t>Server </a:t>
+            </a:r>
+            <a:r>
+              <a:rPr lang="da-DK" sz="1000" b="1" cap="all" spc="200" dirty="0" err="1" smtClean="0">
+                <a:solidFill>
+                  <a:schemeClr val="accent1">
+                    <a:lumMod val="75000"/>
+                    <a:alpha val="50000"/>
+                  </a:schemeClr>
+                </a:solidFill>
+                <a:latin typeface="Arial"/>
+                <a:cs typeface="Arial"/>
+              </a:rPr>
+              <a:t>Communication</a:t>
+            </a:r>
+            <a:endParaRPr lang="da-DK" sz="1000" b="1" cap="all" spc="200" dirty="0" smtClean="0">
+              <a:solidFill>
+                <a:schemeClr val="accent1">
+                  <a:lumMod val="75000"/>
+                  <a:alpha val="50000"/>
+                </a:schemeClr>
+              </a:solidFill>
+              <a:latin typeface="Arial"/>
+              <a:cs typeface="Arial"/>
+            </a:endParaRPr>
+          </a:p>
+          <a:p>
+            <a:pPr marL="12700"/>
+            <a:r>
+              <a:rPr lang="en-GB" sz="1000" b="1" cap="all" spc="200" dirty="0" smtClean="0">
+                <a:solidFill>
+                  <a:schemeClr val="accent1">
+                    <a:lumMod val="75000"/>
+                    <a:alpha val="50000"/>
+                  </a:schemeClr>
+                </a:solidFill>
+                <a:latin typeface="Arial"/>
+                <a:cs typeface="Arial"/>
+              </a:rPr>
+              <a:t>Results and findings</a:t>
+            </a:r>
+          </a:p>
+          <a:p>
+            <a:pPr marL="12700"/>
+            <a:r>
+              <a:rPr lang="en-GB" sz="1000" b="1" cap="all" spc="200" dirty="0" smtClean="0">
+                <a:solidFill>
+                  <a:schemeClr val="accent1">
+                    <a:lumMod val="75000"/>
+                    <a:alpha val="50000"/>
+                  </a:schemeClr>
+                </a:solidFill>
+                <a:latin typeface="Arial"/>
+                <a:cs typeface="Arial"/>
+              </a:rPr>
+              <a:t>Demonstration</a:t>
+            </a:r>
+            <a:endParaRPr lang="da-DK" sz="1000" b="1" cap="all" spc="200" dirty="0">
+              <a:solidFill>
+                <a:schemeClr val="accent1">
+                  <a:lumMod val="75000"/>
+                  <a:alpha val="50000"/>
+                </a:schemeClr>
+              </a:solidFill>
+              <a:latin typeface="Arial"/>
+              <a:cs typeface="Arial"/>
+            </a:endParaRPr>
+          </a:p>
+          <a:p>
+            <a:endParaRPr lang="da-DK" sz="1000" dirty="0"/>
+          </a:p>
+        </p:txBody>
+      </p:sp>
+      <p:sp>
+        <p:nvSpPr>
+          <p:cNvPr id="12" name="Right Arrow 11"/>
+          <p:cNvSpPr/>
+          <p:nvPr/>
+        </p:nvSpPr>
+        <p:spPr>
+          <a:xfrm>
+            <a:off x="5336558" y="2744861"/>
+            <a:ext cx="1366855" cy="675702"/>
+          </a:xfrm>
+          <a:prstGeom prst="rightArrow">
+            <a:avLst/>
+          </a:prstGeom>
+        </p:spPr>
+        <p:style>
+          <a:lnRef idx="2">
+            <a:schemeClr val="accent1">
+              <a:shade val="50000"/>
+            </a:schemeClr>
+          </a:lnRef>
+          <a:fillRef idx="1">
+            <a:schemeClr val="accent1"/>
+          </a:fillRef>
+          <a:effectRef idx="0">
+            <a:schemeClr val="accent1"/>
+          </a:effectRef>
+          <a:fontRef idx="minor">
+            <a:schemeClr val="lt1"/>
+          </a:fontRef>
+        </p:style>
+        <p:txBody>
+          <a:bodyPr rtlCol="0" anchor="ctr"/>
+          <a:lstStyle/>
+          <a:p>
+            <a:pPr algn="ctr"/>
+            <a:endParaRPr lang="da-DK"/>
           </a:p>
         </p:txBody>
       </p:sp>
       <p:pic>
         <p:nvPicPr>
-          <p:cNvPr id="10" name="Billede 9"/>
+          <p:cNvPr id="4" name="Picture 3"/>
           <p:cNvPicPr>
             <a:picLocks noChangeAspect="1"/>
           </p:cNvPicPr>
           <p:nvPr/>
         </p:nvPicPr>
         <p:blipFill>
-          <a:blip r:embed="rId2" cstate="print">
+          <a:blip r:embed="rId2">
             <a:extLst>
               <a:ext uri="{28A0092B-C50C-407E-A947-70E740481C1C}">
                 <a14:useLocalDpi xmlns:a14="http://schemas.microsoft.com/office/drawing/2010/main" val="0"/>
@@ -5501,80 +6757,61 @@
         </p:blipFill>
         <p:spPr>
           <a:xfrm>
-            <a:off x="5348699" y="5576322"/>
-            <a:ext cx="1543270" cy="1009770"/>
+            <a:off x="2150300" y="1155200"/>
+            <a:ext cx="2711289" cy="4362297"/>
           </a:xfrm>
           <a:prstGeom prst="rect">
             <a:avLst/>
           </a:prstGeom>
         </p:spPr>
       </p:pic>
-      <p:sp>
-        <p:nvSpPr>
-          <p:cNvPr id="4" name="Rektangel 3"/>
-          <p:cNvSpPr/>
+      <p:pic>
+        <p:nvPicPr>
+          <p:cNvPr id="5" name="Picture 4"/>
+          <p:cNvPicPr>
+            <a:picLocks noChangeAspect="1"/>
+          </p:cNvPicPr>
           <p:nvPr/>
-        </p:nvSpPr>
+        </p:nvPicPr>
+        <p:blipFill>
+          <a:blip r:embed="rId3" cstate="print">
+            <a:extLst>
+              <a:ext uri="{28A0092B-C50C-407E-A947-70E740481C1C}">
+                <a14:useLocalDpi xmlns:a14="http://schemas.microsoft.com/office/drawing/2010/main" val="0"/>
+              </a:ext>
+            </a:extLst>
+          </a:blip>
+          <a:stretch>
+            <a:fillRect/>
+          </a:stretch>
+        </p:blipFill>
         <p:spPr>
           <a:xfrm>
-            <a:off x="3810000" y="3516167"/>
-            <a:ext cx="4572000" cy="276999"/>
+            <a:off x="7148752" y="1154087"/>
+            <a:ext cx="2365200" cy="4204800"/>
           </a:xfrm>
           <a:prstGeom prst="rect">
             <a:avLst/>
           </a:prstGeom>
         </p:spPr>
-        <p:txBody>
-          <a:bodyPr>
-            <a:spAutoFit/>
-          </a:bodyPr>
-          <a:lstStyle/>
-          <a:p>
-            <a:pPr marR="28575" algn="ctr"/>
-            <a:r>
-              <a:rPr lang="en-US" sz="1200" kern="0" cap="all" spc="200" dirty="0" err="1" smtClean="0">
-                <a:solidFill>
-                  <a:schemeClr val="tx2">
-                    <a:lumMod val="50000"/>
-                  </a:schemeClr>
-                </a:solidFill>
-                <a:latin typeface="Arial"/>
-                <a:cs typeface="Arial"/>
-              </a:rPr>
-              <a:t>Nicklas</a:t>
-            </a:r>
-            <a:r>
-              <a:rPr lang="en-US" sz="1200" kern="0" cap="all" spc="200" dirty="0" smtClean="0">
-                <a:solidFill>
-                  <a:schemeClr val="tx2">
-                    <a:lumMod val="50000"/>
-                  </a:schemeClr>
-                </a:solidFill>
-                <a:latin typeface="Arial"/>
-                <a:cs typeface="Arial"/>
-              </a:rPr>
-              <a:t> Andersen</a:t>
-            </a:r>
-          </a:p>
-        </p:txBody>
-      </p:sp>
+      </p:pic>
     </p:spTree>
     <p:extLst>
       <p:ext uri="{BB962C8B-B14F-4D97-AF65-F5344CB8AC3E}">
-        <p14:creationId xmlns:p14="http://schemas.microsoft.com/office/powerpoint/2010/main" val="1123635584"/>
+        <p14:creationId xmlns:p14="http://schemas.microsoft.com/office/powerpoint/2010/main" val="535076500"/>
       </p:ext>
     </p:extLst>
   </p:cSld>
   <p:clrMapOvr>
     <a:masterClrMapping/>
   </p:clrMapOvr>
-  <mc:AlternateContent xmlns:mc="http://schemas.openxmlformats.org/markup-compatibility/2006">
-    <mc:Choice xmlns:p14="http://schemas.microsoft.com/office/powerpoint/2010/main" Requires="p14">
+  <mc:AlternateContent xmlns:mc="http://schemas.openxmlformats.org/markup-compatibility/2006" xmlns:p14="http://schemas.microsoft.com/office/powerpoint/2010/main">
+    <mc:Choice Requires="p14">
       <p:transition p14:dur="250">
         <p:fade/>
       </p:transition>
     </mc:Choice>
-    <mc:Fallback>
+    <mc:Fallback xmlns="">
       <p:transition>
         <p:fade/>
       </p:transition>
@@ -5681,33 +6918,6 @@
           <a:lstStyle/>
           <a:p>
             <a:pPr marL="12700"/>
-            <a:r>
-              <a:rPr lang="en-GB" b="1" cap="all" spc="200" dirty="0" smtClean="0">
-                <a:solidFill>
-                  <a:schemeClr val="accent1">
-                    <a:lumMod val="75000"/>
-                  </a:schemeClr>
-                </a:solidFill>
-                <a:latin typeface="Arial"/>
-                <a:cs typeface="Arial"/>
-              </a:rPr>
-              <a:t>TEST</a:t>
-            </a:r>
-          </a:p>
-          <a:p>
-            <a:pPr marL="12700"/>
-            <a:r>
-              <a:rPr lang="en-GB" sz="1600" cap="all" spc="200" dirty="0" err="1" smtClean="0">
-                <a:solidFill>
-                  <a:schemeClr val="accent1">
-                    <a:lumMod val="75000"/>
-                  </a:schemeClr>
-                </a:solidFill>
-                <a:latin typeface="Arial"/>
-                <a:cs typeface="Arial"/>
-              </a:rPr>
-              <a:t>TeST</a:t>
-            </a:r>
             <a:endParaRPr lang="en-GB" sz="1600" cap="all" spc="200" dirty="0">
               <a:solidFill>
                 <a:schemeClr val="accent1">
@@ -5722,13 +6932,106 @@
       </p:sp>
       <p:sp>
         <p:nvSpPr>
-          <p:cNvPr id="8" name="object 4"/>
+          <p:cNvPr id="9" name="object 7"/>
+          <p:cNvSpPr txBox="1"/>
+          <p:nvPr/>
+        </p:nvSpPr>
+        <p:spPr>
+          <a:xfrm>
+            <a:off x="4267200" y="6137889"/>
+            <a:ext cx="3682706" cy="294005"/>
+          </a:xfrm>
+          <a:prstGeom prst="rect">
+            <a:avLst/>
+          </a:prstGeom>
+        </p:spPr>
+        <p:txBody>
+          <a:bodyPr vert="horz" wrap="square" lIns="0" tIns="0" rIns="0" bIns="0" rtlCol="0">
+            <a:noAutofit/>
+          </a:bodyPr>
+          <a:lstStyle/>
+          <a:p>
+            <a:pPr algn="ctr">
+              <a:lnSpc>
+                <a:spcPct val="100000"/>
+              </a:lnSpc>
+            </a:pPr>
+            <a:r>
+              <a:rPr lang="da-DK" sz="850" b="1" kern="0" cap="all" spc="200" dirty="0">
+                <a:solidFill>
+                  <a:schemeClr val="tx1">
+                    <a:lumMod val="50000"/>
+                    <a:lumOff val="50000"/>
+                  </a:schemeClr>
+                </a:solidFill>
+                <a:latin typeface="Arial"/>
+                <a:cs typeface="Arial"/>
+              </a:rPr>
+              <a:t>Department of computer science</a:t>
+            </a:r>
+            <a:endParaRPr sz="850" b="1" kern="0" cap="all" spc="200" dirty="0">
+              <a:solidFill>
+                <a:schemeClr val="tx1">
+                  <a:lumMod val="50000"/>
+                  <a:lumOff val="50000"/>
+                </a:schemeClr>
+              </a:solidFill>
+              <a:latin typeface="Arial"/>
+              <a:cs typeface="Arial"/>
+            </a:endParaRPr>
+          </a:p>
+          <a:p>
+            <a:pPr marR="20320" algn="ctr">
+              <a:spcBef>
+                <a:spcPts val="180"/>
+              </a:spcBef>
+            </a:pPr>
+            <a:r>
+              <a:rPr sz="850" kern="0" cap="all" spc="200" dirty="0">
+                <a:solidFill>
+                  <a:schemeClr val="tx1">
+                    <a:lumMod val="50000"/>
+                    <a:lumOff val="50000"/>
+                  </a:schemeClr>
+                </a:solidFill>
+                <a:latin typeface="Arial"/>
+                <a:cs typeface="Arial"/>
+              </a:rPr>
+              <a:t>AALBORG</a:t>
+            </a:r>
+            <a:r>
+              <a:rPr lang="da-DK" sz="850" kern="0" cap="all" spc="200" dirty="0">
+                <a:solidFill>
+                  <a:schemeClr val="tx1">
+                    <a:lumMod val="50000"/>
+                    <a:lumOff val="50000"/>
+                  </a:schemeClr>
+                </a:solidFill>
+                <a:latin typeface="Arial"/>
+                <a:cs typeface="Arial"/>
+              </a:rPr>
+              <a:t> UNIVERSITy</a:t>
+            </a:r>
+            <a:endParaRPr sz="850" kern="0" cap="all" spc="200" dirty="0">
+              <a:solidFill>
+                <a:schemeClr val="tx1">
+                  <a:lumMod val="50000"/>
+                  <a:lumOff val="50000"/>
+                </a:schemeClr>
+              </a:solidFill>
+              <a:latin typeface="Arial"/>
+              <a:cs typeface="Arial"/>
+            </a:endParaRPr>
+          </a:p>
+        </p:txBody>
+      </p:sp>
+      <p:sp>
+        <p:nvSpPr>
+          <p:cNvPr id="10" name="object 4"/>
           <p:cNvSpPr txBox="1">
-            <a:spLocks noGrp="1"/>
+            <a:spLocks/>
           </p:cNvSpPr>
-          <p:nvPr>
-            <p:ph type="ftr" sz="quarter" idx="4294967295"/>
-          </p:nvPr>
+          <p:nvPr/>
         </p:nvSpPr>
         <p:spPr>
           <a:xfrm>
@@ -5743,11 +7046,107 @@
           <a:bodyPr vert="horz" wrap="square" lIns="0" tIns="0" rIns="0" bIns="0" rtlCol="0" anchor="ctr">
             <a:noAutofit/>
           </a:bodyPr>
-          <a:lstStyle/>
-          <a:p>
-            <a:pPr marL="12700"/>
-            <a:fld id="{9561DEC8-19EE-4A79-9D71-66FF6B3E3434}" type="slidenum">
-              <a:rPr lang="da-DK" sz="850" b="1" kern="0" cap="all" spc="200">
+          <a:lstStyle>
+            <a:defPPr>
+              <a:defRPr lang="da-DK"/>
+            </a:defPPr>
+            <a:lvl1pPr marL="0" algn="ctr" defTabSz="914400" rtl="0" eaLnBrk="1" latinLnBrk="0" hangingPunct="1">
+              <a:defRPr sz="1200" kern="1200">
+                <a:solidFill>
+                  <a:schemeClr val="tx1">
+                    <a:tint val="75000"/>
+                  </a:schemeClr>
+                </a:solidFill>
+                <a:latin typeface="+mn-lt"/>
+                <a:ea typeface="+mn-ea"/>
+                <a:cs typeface="+mn-cs"/>
+              </a:defRPr>
+            </a:lvl1pPr>
+            <a:lvl2pPr marL="457200" algn="l" defTabSz="914400" rtl="0" eaLnBrk="1" latinLnBrk="0" hangingPunct="1">
+              <a:defRPr sz="1800" kern="1200">
+                <a:solidFill>
+                  <a:schemeClr val="tx1"/>
+                </a:solidFill>
+                <a:latin typeface="+mn-lt"/>
+                <a:ea typeface="+mn-ea"/>
+                <a:cs typeface="+mn-cs"/>
+              </a:defRPr>
+            </a:lvl2pPr>
+            <a:lvl3pPr marL="914400" algn="l" defTabSz="914400" rtl="0" eaLnBrk="1" latinLnBrk="0" hangingPunct="1">
+              <a:defRPr sz="1800" kern="1200">
+                <a:solidFill>
+                  <a:schemeClr val="tx1"/>
+                </a:solidFill>
+                <a:latin typeface="+mn-lt"/>
+                <a:ea typeface="+mn-ea"/>
+                <a:cs typeface="+mn-cs"/>
+              </a:defRPr>
+            </a:lvl3pPr>
+            <a:lvl4pPr marL="1371600" algn="l" defTabSz="914400" rtl="0" eaLnBrk="1" latinLnBrk="0" hangingPunct="1">
+              <a:defRPr sz="1800" kern="1200">
+                <a:solidFill>
+                  <a:schemeClr val="tx1"/>
+                </a:solidFill>
+                <a:latin typeface="+mn-lt"/>
+                <a:ea typeface="+mn-ea"/>
+                <a:cs typeface="+mn-cs"/>
+              </a:defRPr>
+            </a:lvl4pPr>
+            <a:lvl5pPr marL="1828800" algn="l" defTabSz="914400" rtl="0" eaLnBrk="1" latinLnBrk="0" hangingPunct="1">
+              <a:defRPr sz="1800" kern="1200">
+                <a:solidFill>
+                  <a:schemeClr val="tx1"/>
+                </a:solidFill>
+                <a:latin typeface="+mn-lt"/>
+                <a:ea typeface="+mn-ea"/>
+                <a:cs typeface="+mn-cs"/>
+              </a:defRPr>
+            </a:lvl5pPr>
+            <a:lvl6pPr marL="2286000" algn="l" defTabSz="914400" rtl="0" eaLnBrk="1" latinLnBrk="0" hangingPunct="1">
+              <a:defRPr sz="1800" kern="1200">
+                <a:solidFill>
+                  <a:schemeClr val="tx1"/>
+                </a:solidFill>
+                <a:latin typeface="+mn-lt"/>
+                <a:ea typeface="+mn-ea"/>
+                <a:cs typeface="+mn-cs"/>
+              </a:defRPr>
+            </a:lvl6pPr>
+            <a:lvl7pPr marL="2743200" algn="l" defTabSz="914400" rtl="0" eaLnBrk="1" latinLnBrk="0" hangingPunct="1">
+              <a:defRPr sz="1800" kern="1200">
+                <a:solidFill>
+                  <a:schemeClr val="tx1"/>
+                </a:solidFill>
+                <a:latin typeface="+mn-lt"/>
+                <a:ea typeface="+mn-ea"/>
+                <a:cs typeface="+mn-cs"/>
+              </a:defRPr>
+            </a:lvl7pPr>
+            <a:lvl8pPr marL="3200400" algn="l" defTabSz="914400" rtl="0" eaLnBrk="1" latinLnBrk="0" hangingPunct="1">
+              <a:defRPr sz="1800" kern="1200">
+                <a:solidFill>
+                  <a:schemeClr val="tx1"/>
+                </a:solidFill>
+                <a:latin typeface="+mn-lt"/>
+                <a:ea typeface="+mn-ea"/>
+                <a:cs typeface="+mn-cs"/>
+              </a:defRPr>
+            </a:lvl8pPr>
+            <a:lvl9pPr marL="3657600" algn="l" defTabSz="914400" rtl="0" eaLnBrk="1" latinLnBrk="0" hangingPunct="1">
+              <a:defRPr sz="1800" kern="1200">
+                <a:solidFill>
+                  <a:schemeClr val="tx1"/>
+                </a:solidFill>
+                <a:latin typeface="+mn-lt"/>
+                <a:ea typeface="+mn-ea"/>
+                <a:cs typeface="+mn-cs"/>
+              </a:defRPr>
+            </a:lvl9pPr>
+          </a:lstStyle>
+          <a:p>
+            <a:pPr marL="12700"/>
+            <a:r>
+              <a:rPr lang="da-DK" sz="850" b="1" kern="0" cap="all" spc="200" dirty="0" smtClean="0">
                 <a:solidFill>
                   <a:schemeClr val="tx1">
                     <a:lumMod val="50000"/>
@@ -5757,11 +7156,10 @@
                 <a:latin typeface="Arial"/>
                 <a:cs typeface="Arial"/>
               </a:rPr>
-              <a:pPr marL="12700"/>
-              <a:t>14</a:t>
-            </a:fld>
-            <a:r>
-              <a:rPr lang="da-DK" sz="850" b="1" kern="0" cap="all" spc="200" dirty="0">
+              <a:t>8 OF 17  | </a:t>
+            </a:r>
+            <a:r>
+              <a:rPr lang="da-DK" sz="850" b="1" kern="0" spc="200" dirty="0" smtClean="0">
                 <a:solidFill>
                   <a:schemeClr val="tx1">
                     <a:lumMod val="50000"/>
@@ -5771,74 +7169,9 @@
                 <a:latin typeface="Arial"/>
                 <a:cs typeface="Arial"/>
               </a:rPr>
-              <a:t> </a:t>
-            </a:r>
-            <a:r>
-              <a:rPr sz="850" b="1" kern="0" cap="all" spc="200" dirty="0">
-                <a:solidFill>
-                  <a:schemeClr val="tx1">
-                    <a:lumMod val="50000"/>
-                    <a:lumOff val="50000"/>
-                  </a:schemeClr>
-                </a:solidFill>
-                <a:latin typeface="Arial"/>
-                <a:cs typeface="Arial"/>
-              </a:rPr>
-              <a:t>OF</a:t>
-            </a:r>
-            <a:r>
-              <a:rPr lang="da-DK" sz="850" b="1" kern="0" cap="all" spc="200" dirty="0">
-                <a:solidFill>
-                  <a:schemeClr val="tx1">
-                    <a:lumMod val="50000"/>
-                    <a:lumOff val="50000"/>
-                  </a:schemeClr>
-                </a:solidFill>
-                <a:latin typeface="Arial"/>
-                <a:cs typeface="Arial"/>
-              </a:rPr>
-              <a:t> </a:t>
-            </a:r>
-            <a:r>
-              <a:rPr lang="da-DK" sz="850" b="1" kern="0" cap="all" spc="200" dirty="0" smtClean="0">
-                <a:solidFill>
-                  <a:schemeClr val="tx1">
-                    <a:lumMod val="50000"/>
-                    <a:lumOff val="50000"/>
-                  </a:schemeClr>
-                </a:solidFill>
-                <a:latin typeface="Arial"/>
-                <a:cs typeface="Arial"/>
-              </a:rPr>
-              <a:t>17  </a:t>
-            </a:r>
-            <a:r>
-              <a:rPr lang="da-DK" sz="850" b="1" kern="0" cap="all" spc="200" dirty="0">
-                <a:solidFill>
-                  <a:schemeClr val="tx1">
-                    <a:lumMod val="50000"/>
-                    <a:lumOff val="50000"/>
-                  </a:schemeClr>
-                </a:solidFill>
-                <a:latin typeface="Arial"/>
-                <a:cs typeface="Arial"/>
-              </a:rPr>
-              <a:t>| </a:t>
-            </a:r>
-            <a:r>
-              <a:rPr lang="da-DK" sz="850" b="1" kern="0" spc="200" dirty="0" smtClean="0">
-                <a:solidFill>
-                  <a:schemeClr val="tx1">
-                    <a:lumMod val="50000"/>
-                    <a:lumOff val="50000"/>
-                  </a:schemeClr>
-                </a:solidFill>
-                <a:latin typeface="Arial"/>
-                <a:cs typeface="Arial"/>
-              </a:rPr>
               <a:t>15.02.2014</a:t>
             </a:r>
-            <a:endParaRPr sz="850" kern="0" cap="all" spc="200" dirty="0">
+            <a:endParaRPr lang="da-DK" sz="850" kern="0" cap="all" spc="200" dirty="0">
               <a:solidFill>
                 <a:schemeClr val="tx1">
                   <a:lumMod val="50000"/>
@@ -5853,102 +7186,7 @@
       </p:sp>
       <p:sp>
         <p:nvSpPr>
-          <p:cNvPr id="9" name="object 7"/>
-          <p:cNvSpPr txBox="1"/>
-          <p:nvPr/>
-        </p:nvSpPr>
-        <p:spPr>
-          <a:xfrm>
-            <a:off x="4267200" y="6137889"/>
-            <a:ext cx="3682706" cy="294005"/>
-          </a:xfrm>
-          <a:prstGeom prst="rect">
-            <a:avLst/>
-          </a:prstGeom>
-        </p:spPr>
-        <p:txBody>
-          <a:bodyPr vert="horz" wrap="square" lIns="0" tIns="0" rIns="0" bIns="0" rtlCol="0">
-            <a:noAutofit/>
-          </a:bodyPr>
-          <a:lstStyle/>
-          <a:p>
-            <a:pPr algn="ctr">
-              <a:lnSpc>
-                <a:spcPct val="100000"/>
-              </a:lnSpc>
-            </a:pPr>
-            <a:r>
-              <a:rPr lang="da-DK" sz="850" b="1" kern="0" cap="all" spc="200" dirty="0">
-                <a:solidFill>
-                  <a:schemeClr val="tx1">
-                    <a:lumMod val="50000"/>
-                    <a:lumOff val="50000"/>
-                  </a:schemeClr>
-                </a:solidFill>
-                <a:latin typeface="Arial"/>
-                <a:cs typeface="Arial"/>
-              </a:rPr>
-              <a:t>Department of computer science</a:t>
-            </a:r>
-            <a:endParaRPr sz="850" b="1" kern="0" cap="all" spc="200" dirty="0">
-              <a:solidFill>
-                <a:schemeClr val="tx1">
-                  <a:lumMod val="50000"/>
-                  <a:lumOff val="50000"/>
-                </a:schemeClr>
-              </a:solidFill>
-              <a:latin typeface="Arial"/>
-              <a:cs typeface="Arial"/>
-            </a:endParaRPr>
-          </a:p>
-          <a:p>
-            <a:pPr marR="20320" algn="ctr">
-              <a:spcBef>
-                <a:spcPts val="180"/>
-              </a:spcBef>
-            </a:pPr>
-            <a:r>
-              <a:rPr sz="850" kern="0" cap="all" spc="200" dirty="0">
-                <a:solidFill>
-                  <a:schemeClr val="tx1">
-                    <a:lumMod val="50000"/>
-                    <a:lumOff val="50000"/>
-                  </a:schemeClr>
-                </a:solidFill>
-                <a:latin typeface="Arial"/>
-                <a:cs typeface="Arial"/>
-              </a:rPr>
-              <a:t>AALBORG</a:t>
-            </a:r>
-            <a:r>
-              <a:rPr lang="da-DK" sz="850" kern="0" cap="all" spc="200" dirty="0">
-                <a:solidFill>
-                  <a:schemeClr val="tx1">
-                    <a:lumMod val="50000"/>
-                    <a:lumOff val="50000"/>
-                  </a:schemeClr>
-                </a:solidFill>
-                <a:latin typeface="Arial"/>
-                <a:cs typeface="Arial"/>
-              </a:rPr>
-              <a:t> UNIVERSITy</a:t>
-            </a:r>
-            <a:endParaRPr sz="850" kern="0" cap="all" spc="200" dirty="0">
-              <a:solidFill>
-                <a:schemeClr val="tx1">
-                  <a:lumMod val="50000"/>
-                  <a:lumOff val="50000"/>
-                </a:schemeClr>
-              </a:solidFill>
-              <a:latin typeface="Arial"/>
-              <a:cs typeface="Arial"/>
-            </a:endParaRPr>
-          </a:p>
-        </p:txBody>
-      </p:sp>
-      <p:sp>
-        <p:nvSpPr>
-          <p:cNvPr id="7" name="TextBox 6"/>
+          <p:cNvPr id="8" name="TextBox 7"/>
           <p:cNvSpPr txBox="1"/>
           <p:nvPr/>
         </p:nvSpPr>
@@ -6026,32 +7264,31 @@
                 <a:solidFill>
                   <a:schemeClr val="accent1">
                     <a:lumMod val="75000"/>
+                  </a:schemeClr>
+                </a:solidFill>
+                <a:latin typeface="Arial"/>
+                <a:cs typeface="Arial"/>
+              </a:rPr>
+              <a:t>App design</a:t>
+            </a:r>
+          </a:p>
+          <a:p>
+            <a:pPr marL="12700"/>
+            <a:r>
+              <a:rPr lang="en-GB" sz="1000" b="1" cap="all" spc="200" dirty="0">
+                <a:solidFill>
+                  <a:schemeClr val="accent1">
+                    <a:lumMod val="75000"/>
                     <a:alpha val="50000"/>
                   </a:schemeClr>
                 </a:solidFill>
                 <a:latin typeface="Arial"/>
                 <a:cs typeface="Arial"/>
               </a:rPr>
-              <a:t>App design</a:t>
-            </a:r>
-          </a:p>
-          <a:p>
-            <a:pPr marL="12700"/>
-            <a:r>
-              <a:rPr lang="en-GB" sz="1000" b="1" cap="all" spc="200" dirty="0" smtClean="0">
-                <a:solidFill>
-                  <a:schemeClr val="accent1">
-                    <a:lumMod val="75000"/>
-                    <a:alpha val="50000"/>
-                  </a:schemeClr>
-                </a:solidFill>
-                <a:latin typeface="Arial"/>
-                <a:cs typeface="Arial"/>
-              </a:rPr>
               <a:t>App implementation</a:t>
             </a:r>
             <a:r>
-              <a:rPr lang="da-DK" sz="1000" b="1" cap="all" spc="200" dirty="0" smtClean="0">
+              <a:rPr lang="da-DK" sz="1000" b="1" cap="all" spc="200" dirty="0">
                 <a:solidFill>
                   <a:schemeClr val="accent1">
                     <a:lumMod val="75000"/>
@@ -6106,10 +7343,11 @@
           <a:p>
             <a:pPr marL="12700"/>
             <a:r>
-              <a:rPr lang="da-DK" sz="1000" b="1" cap="all" spc="200" dirty="0">
-                <a:solidFill>
-                  <a:schemeClr val="accent1">
-                    <a:lumMod val="75000"/>
+              <a:rPr lang="da-DK" sz="1000" b="1" cap="all" spc="200" dirty="0" smtClean="0">
+                <a:solidFill>
+                  <a:schemeClr val="accent1">
+                    <a:lumMod val="75000"/>
+                    <a:alpha val="50000"/>
                   </a:schemeClr>
                 </a:solidFill>
                 <a:latin typeface="Arial"/>
@@ -6118,10 +7356,11 @@
               <a:t>Server </a:t>
             </a:r>
             <a:r>
-              <a:rPr lang="da-DK" sz="1000" b="1" cap="all" spc="200" dirty="0" err="1">
-                <a:solidFill>
-                  <a:schemeClr val="accent1">
-                    <a:lumMod val="75000"/>
+              <a:rPr lang="da-DK" sz="1000" b="1" cap="all" spc="200" dirty="0" err="1" smtClean="0">
+                <a:solidFill>
+                  <a:schemeClr val="accent1">
+                    <a:lumMod val="75000"/>
+                    <a:alpha val="50000"/>
                   </a:schemeClr>
                 </a:solidFill>
                 <a:latin typeface="Arial"/>
@@ -6129,48 +7368,7 @@
               </a:rPr>
               <a:t>Communication</a:t>
             </a:r>
-            <a:endParaRPr lang="da-DK" sz="1000" b="1" cap="all" spc="200" dirty="0">
-              <a:solidFill>
-                <a:schemeClr val="accent1">
-                  <a:lumMod val="75000"/>
-                </a:schemeClr>
-              </a:solidFill>
-              <a:latin typeface="Arial"/>
-              <a:cs typeface="Arial"/>
-            </a:endParaRPr>
-          </a:p>
-          <a:p>
-            <a:pPr marL="12700"/>
-            <a:r>
-              <a:rPr lang="en-GB" sz="1000" b="1" cap="all" spc="200" dirty="0" smtClean="0">
-                <a:solidFill>
-                  <a:schemeClr val="accent1">
-                    <a:lumMod val="75000"/>
-                    <a:alpha val="50000"/>
-                  </a:schemeClr>
-                </a:solidFill>
-                <a:latin typeface="Arial"/>
-                <a:cs typeface="Arial"/>
-              </a:rPr>
-              <a:t>Results and findings</a:t>
-            </a:r>
-          </a:p>
-          <a:p>
-            <a:pPr marL="12700"/>
-            <a:r>
-              <a:rPr lang="en-GB" sz="1000" b="1" cap="all" spc="200" dirty="0" smtClean="0">
-                <a:solidFill>
-                  <a:schemeClr val="accent1">
-                    <a:lumMod val="75000"/>
-                    <a:alpha val="50000"/>
-                  </a:schemeClr>
-                </a:solidFill>
-                <a:latin typeface="Arial"/>
-                <a:cs typeface="Arial"/>
-              </a:rPr>
-              <a:t>Demonstration</a:t>
-            </a:r>
-            <a:endParaRPr lang="da-DK" sz="1000" b="1" cap="all" spc="200" dirty="0">
+            <a:endParaRPr lang="da-DK" sz="1000" b="1" cap="all" spc="200" dirty="0" smtClean="0">
               <a:solidFill>
                 <a:schemeClr val="accent1">
                   <a:lumMod val="75000"/>
@@ -6182,27 +7380,169 @@
             </a:endParaRPr>
           </a:p>
           <a:p>
+            <a:pPr marL="12700"/>
+            <a:r>
+              <a:rPr lang="en-GB" sz="1000" b="1" cap="all" spc="200" dirty="0" smtClean="0">
+                <a:solidFill>
+                  <a:schemeClr val="accent1">
+                    <a:lumMod val="75000"/>
+                    <a:alpha val="50000"/>
+                  </a:schemeClr>
+                </a:solidFill>
+                <a:latin typeface="Arial"/>
+                <a:cs typeface="Arial"/>
+              </a:rPr>
+              <a:t>Results and findings</a:t>
+            </a:r>
+          </a:p>
+          <a:p>
+            <a:pPr marL="12700"/>
+            <a:r>
+              <a:rPr lang="en-GB" sz="1000" b="1" cap="all" spc="200" dirty="0" smtClean="0">
+                <a:solidFill>
+                  <a:schemeClr val="accent1">
+                    <a:lumMod val="75000"/>
+                    <a:alpha val="50000"/>
+                  </a:schemeClr>
+                </a:solidFill>
+                <a:latin typeface="Arial"/>
+                <a:cs typeface="Arial"/>
+              </a:rPr>
+              <a:t>Demonstration</a:t>
+            </a:r>
+            <a:endParaRPr lang="da-DK" sz="1000" b="1" cap="all" spc="200" dirty="0">
+              <a:solidFill>
+                <a:schemeClr val="accent1">
+                  <a:lumMod val="75000"/>
+                  <a:alpha val="50000"/>
+                </a:schemeClr>
+              </a:solidFill>
+              <a:latin typeface="Arial"/>
+              <a:cs typeface="Arial"/>
+            </a:endParaRPr>
+          </a:p>
+          <a:p>
             <a:endParaRPr lang="da-DK" sz="1000" dirty="0"/>
           </a:p>
         </p:txBody>
       </p:sp>
+      <p:sp>
+        <p:nvSpPr>
+          <p:cNvPr id="12" name="Right Arrow 11"/>
+          <p:cNvSpPr/>
+          <p:nvPr/>
+        </p:nvSpPr>
+        <p:spPr>
+          <a:xfrm>
+            <a:off x="5336558" y="2744861"/>
+            <a:ext cx="1366855" cy="675702"/>
+          </a:xfrm>
+          <a:prstGeom prst="rightArrow">
+            <a:avLst/>
+          </a:prstGeom>
+        </p:spPr>
+        <p:style>
+          <a:lnRef idx="2">
+            <a:schemeClr val="accent1">
+              <a:shade val="50000"/>
+            </a:schemeClr>
+          </a:lnRef>
+          <a:fillRef idx="1">
+            <a:schemeClr val="accent1"/>
+          </a:fillRef>
+          <a:effectRef idx="0">
+            <a:schemeClr val="accent1"/>
+          </a:effectRef>
+          <a:fontRef idx="minor">
+            <a:schemeClr val="lt1"/>
+          </a:fontRef>
+        </p:style>
+        <p:txBody>
+          <a:bodyPr rtlCol="0" anchor="ctr"/>
+          <a:lstStyle/>
+          <a:p>
+            <a:pPr algn="ctr"/>
+            <a:endParaRPr lang="da-DK"/>
+          </a:p>
+        </p:txBody>
+      </p:sp>
+      <p:pic>
+        <p:nvPicPr>
+          <p:cNvPr id="4" name="Picture 3"/>
+          <p:cNvPicPr>
+            <a:picLocks noChangeAspect="1"/>
+          </p:cNvPicPr>
+          <p:nvPr/>
+        </p:nvPicPr>
+        <p:blipFill>
+          <a:blip r:embed="rId2">
+            <a:extLst>
+              <a:ext uri="{28A0092B-C50C-407E-A947-70E740481C1C}">
+                <a14:useLocalDpi xmlns:a14="http://schemas.microsoft.com/office/drawing/2010/main" val="0"/>
+              </a:ext>
+            </a:extLst>
+          </a:blip>
+          <a:stretch>
+            <a:fillRect/>
+          </a:stretch>
+        </p:blipFill>
+        <p:spPr>
+          <a:xfrm>
+            <a:off x="2150300" y="1155200"/>
+            <a:ext cx="2776925" cy="4367346"/>
+          </a:xfrm>
+          <a:prstGeom prst="rect">
+            <a:avLst/>
+          </a:prstGeom>
+        </p:spPr>
+      </p:pic>
+      <p:pic>
+        <p:nvPicPr>
+          <p:cNvPr id="5" name="Picture 4"/>
+          <p:cNvPicPr>
+            <a:picLocks noChangeAspect="1"/>
+          </p:cNvPicPr>
+          <p:nvPr/>
+        </p:nvPicPr>
+        <p:blipFill>
+          <a:blip r:embed="rId3" cstate="print">
+            <a:extLst>
+              <a:ext uri="{28A0092B-C50C-407E-A947-70E740481C1C}">
+                <a14:useLocalDpi xmlns:a14="http://schemas.microsoft.com/office/drawing/2010/main" val="0"/>
+              </a:ext>
+            </a:extLst>
+          </a:blip>
+          <a:stretch>
+            <a:fillRect/>
+          </a:stretch>
+        </p:blipFill>
+        <p:spPr>
+          <a:xfrm>
+            <a:off x="7148752" y="1155200"/>
+            <a:ext cx="2365200" cy="4204800"/>
+          </a:xfrm>
+          <a:prstGeom prst="rect">
+            <a:avLst/>
+          </a:prstGeom>
+        </p:spPr>
+      </p:pic>
     </p:spTree>
     <p:extLst>
       <p:ext uri="{BB962C8B-B14F-4D97-AF65-F5344CB8AC3E}">
-        <p14:creationId xmlns:p14="http://schemas.microsoft.com/office/powerpoint/2010/main" val="3623119075"/>
+        <p14:creationId xmlns:p14="http://schemas.microsoft.com/office/powerpoint/2010/main" val="164116306"/>
       </p:ext>
     </p:extLst>
   </p:cSld>
   <p:clrMapOvr>
     <a:masterClrMapping/>
   </p:clrMapOvr>
-  <mc:AlternateContent xmlns:mc="http://schemas.openxmlformats.org/markup-compatibility/2006">
-    <mc:Choice xmlns:p14="http://schemas.microsoft.com/office/powerpoint/2010/main" Requires="p14">
+  <mc:AlternateContent xmlns:mc="http://schemas.openxmlformats.org/markup-compatibility/2006" xmlns:p14="http://schemas.microsoft.com/office/powerpoint/2010/main">
+    <mc:Choice Requires="p14">
       <p:transition p14:dur="250">
         <p:fade/>
       </p:transition>
     </mc:Choice>
-    <mc:Fallback>
+    <mc:Fallback xmlns="">
       <p:transition>
         <p:fade/>
       </p:transition>
@@ -6238,70 +7578,635 @@
       <p:sp>
         <p:nvSpPr>
           <p:cNvPr id="2" name="object 2"/>
-          <p:cNvSpPr txBox="1">
-            <a:spLocks noGrp="1"/>
-          </p:cNvSpPr>
-          <p:nvPr>
-            <p:ph type="title"/>
-          </p:nvPr>
+          <p:cNvSpPr txBox="1"/>
+          <p:nvPr/>
         </p:nvSpPr>
         <p:spPr>
           <a:xfrm>
-            <a:off x="3351956" y="2420888"/>
-            <a:ext cx="5536756" cy="1023270"/>
+            <a:off x="2150300" y="562801"/>
+            <a:ext cx="6231700" cy="368935"/>
           </a:xfrm>
           <a:prstGeom prst="rect">
             <a:avLst/>
           </a:prstGeom>
         </p:spPr>
         <p:txBody>
+          <a:bodyPr vert="horz" wrap="square" lIns="0" tIns="0" rIns="0" bIns="0" rtlCol="0">
+            <a:noAutofit/>
+          </a:bodyPr>
+          <a:lstStyle/>
+          <a:p>
+            <a:pPr marL="12700">
+              <a:tabLst>
+                <a:tab pos="1641475" algn="l"/>
+                <a:tab pos="2152650" algn="l"/>
+                <a:tab pos="3412490" algn="l"/>
+              </a:tabLst>
+            </a:pPr>
+            <a:r>
+              <a:rPr lang="en-GB" sz="2400" kern="0" cap="all" spc="200" dirty="0" err="1" smtClean="0">
+                <a:solidFill>
+                  <a:schemeClr val="tx2">
+                    <a:lumMod val="50000"/>
+                  </a:schemeClr>
+                </a:solidFill>
+                <a:latin typeface="Arial"/>
+                <a:cs typeface="Arial"/>
+              </a:rPr>
+              <a:t>TeST</a:t>
+            </a:r>
+            <a:endParaRPr sz="2400" kern="0" cap="all" spc="200" dirty="0">
+              <a:solidFill>
+                <a:schemeClr val="tx2">
+                  <a:lumMod val="50000"/>
+                </a:schemeClr>
+              </a:solidFill>
+              <a:latin typeface="Arial"/>
+              <a:cs typeface="Arial"/>
+            </a:endParaRPr>
+          </a:p>
+        </p:txBody>
+      </p:sp>
+      <p:sp>
+        <p:nvSpPr>
+          <p:cNvPr id="3" name="object 3"/>
+          <p:cNvSpPr txBox="1"/>
+          <p:nvPr/>
+        </p:nvSpPr>
+        <p:spPr>
+          <a:xfrm>
+            <a:off x="2150300" y="1155200"/>
+            <a:ext cx="6231700" cy="4074001"/>
+          </a:xfrm>
+          <a:prstGeom prst="rect">
+            <a:avLst/>
+          </a:prstGeom>
+        </p:spPr>
+        <p:txBody>
+          <a:bodyPr vert="horz" wrap="square" lIns="0" tIns="0" rIns="0" bIns="0" rtlCol="0">
+            <a:noAutofit/>
+          </a:bodyPr>
+          <a:lstStyle/>
+          <a:p>
+            <a:pPr marL="12700"/>
+            <a:endParaRPr lang="en-GB" sz="1600" cap="all" spc="200" dirty="0">
+              <a:solidFill>
+                <a:schemeClr val="accent1">
+                  <a:lumMod val="75000"/>
+                </a:schemeClr>
+              </a:solidFill>
+              <a:latin typeface="Arial"/>
+              <a:cs typeface="Arial"/>
+            </a:endParaRPr>
+          </a:p>
+        </p:txBody>
+      </p:sp>
+      <p:sp>
+        <p:nvSpPr>
+          <p:cNvPr id="9" name="object 7"/>
+          <p:cNvSpPr txBox="1"/>
+          <p:nvPr/>
+        </p:nvSpPr>
+        <p:spPr>
+          <a:xfrm>
+            <a:off x="4267200" y="6137889"/>
+            <a:ext cx="3682706" cy="294005"/>
+          </a:xfrm>
+          <a:prstGeom prst="rect">
+            <a:avLst/>
+          </a:prstGeom>
+        </p:spPr>
+        <p:txBody>
+          <a:bodyPr vert="horz" wrap="square" lIns="0" tIns="0" rIns="0" bIns="0" rtlCol="0">
+            <a:noAutofit/>
+          </a:bodyPr>
+          <a:lstStyle/>
+          <a:p>
+            <a:pPr algn="ctr">
+              <a:lnSpc>
+                <a:spcPct val="100000"/>
+              </a:lnSpc>
+            </a:pPr>
+            <a:r>
+              <a:rPr lang="da-DK" sz="850" b="1" kern="0" cap="all" spc="200" dirty="0">
+                <a:solidFill>
+                  <a:schemeClr val="tx1">
+                    <a:lumMod val="50000"/>
+                    <a:lumOff val="50000"/>
+                  </a:schemeClr>
+                </a:solidFill>
+                <a:latin typeface="Arial"/>
+                <a:cs typeface="Arial"/>
+              </a:rPr>
+              <a:t>Department of computer science</a:t>
+            </a:r>
+            <a:endParaRPr sz="850" b="1" kern="0" cap="all" spc="200" dirty="0">
+              <a:solidFill>
+                <a:schemeClr val="tx1">
+                  <a:lumMod val="50000"/>
+                  <a:lumOff val="50000"/>
+                </a:schemeClr>
+              </a:solidFill>
+              <a:latin typeface="Arial"/>
+              <a:cs typeface="Arial"/>
+            </a:endParaRPr>
+          </a:p>
+          <a:p>
+            <a:pPr marR="20320" algn="ctr">
+              <a:spcBef>
+                <a:spcPts val="180"/>
+              </a:spcBef>
+            </a:pPr>
+            <a:r>
+              <a:rPr sz="850" kern="0" cap="all" spc="200" dirty="0">
+                <a:solidFill>
+                  <a:schemeClr val="tx1">
+                    <a:lumMod val="50000"/>
+                    <a:lumOff val="50000"/>
+                  </a:schemeClr>
+                </a:solidFill>
+                <a:latin typeface="Arial"/>
+                <a:cs typeface="Arial"/>
+              </a:rPr>
+              <a:t>AALBORG</a:t>
+            </a:r>
+            <a:r>
+              <a:rPr lang="da-DK" sz="850" kern="0" cap="all" spc="200" dirty="0">
+                <a:solidFill>
+                  <a:schemeClr val="tx1">
+                    <a:lumMod val="50000"/>
+                    <a:lumOff val="50000"/>
+                  </a:schemeClr>
+                </a:solidFill>
+                <a:latin typeface="Arial"/>
+                <a:cs typeface="Arial"/>
+              </a:rPr>
+              <a:t> UNIVERSITy</a:t>
+            </a:r>
+            <a:endParaRPr sz="850" kern="0" cap="all" spc="200" dirty="0">
+              <a:solidFill>
+                <a:schemeClr val="tx1">
+                  <a:lumMod val="50000"/>
+                  <a:lumOff val="50000"/>
+                </a:schemeClr>
+              </a:solidFill>
+              <a:latin typeface="Arial"/>
+              <a:cs typeface="Arial"/>
+            </a:endParaRPr>
+          </a:p>
+        </p:txBody>
+      </p:sp>
+      <p:sp>
+        <p:nvSpPr>
+          <p:cNvPr id="10" name="object 4"/>
+          <p:cNvSpPr txBox="1">
+            <a:spLocks/>
+          </p:cNvSpPr>
+          <p:nvPr/>
+        </p:nvSpPr>
+        <p:spPr>
+          <a:xfrm>
+            <a:off x="4064146" y="5952020"/>
+            <a:ext cx="4343400" cy="143981"/>
+          </a:xfrm>
+          <a:prstGeom prst="rect">
+            <a:avLst/>
+          </a:prstGeom>
+        </p:spPr>
+        <p:txBody>
           <a:bodyPr vert="horz" wrap="square" lIns="0" tIns="0" rIns="0" bIns="0" rtlCol="0" anchor="ctr">
             <a:noAutofit/>
           </a:bodyPr>
+          <a:lstStyle>
+            <a:defPPr>
+              <a:defRPr lang="da-DK"/>
+            </a:defPPr>
+            <a:lvl1pPr marL="0" algn="ctr" defTabSz="914400" rtl="0" eaLnBrk="1" latinLnBrk="0" hangingPunct="1">
+              <a:defRPr sz="1200" kern="1200">
+                <a:solidFill>
+                  <a:schemeClr val="tx1">
+                    <a:tint val="75000"/>
+                  </a:schemeClr>
+                </a:solidFill>
+                <a:latin typeface="+mn-lt"/>
+                <a:ea typeface="+mn-ea"/>
+                <a:cs typeface="+mn-cs"/>
+              </a:defRPr>
+            </a:lvl1pPr>
+            <a:lvl2pPr marL="457200" algn="l" defTabSz="914400" rtl="0" eaLnBrk="1" latinLnBrk="0" hangingPunct="1">
+              <a:defRPr sz="1800" kern="1200">
+                <a:solidFill>
+                  <a:schemeClr val="tx1"/>
+                </a:solidFill>
+                <a:latin typeface="+mn-lt"/>
+                <a:ea typeface="+mn-ea"/>
+                <a:cs typeface="+mn-cs"/>
+              </a:defRPr>
+            </a:lvl2pPr>
+            <a:lvl3pPr marL="914400" algn="l" defTabSz="914400" rtl="0" eaLnBrk="1" latinLnBrk="0" hangingPunct="1">
+              <a:defRPr sz="1800" kern="1200">
+                <a:solidFill>
+                  <a:schemeClr val="tx1"/>
+                </a:solidFill>
+                <a:latin typeface="+mn-lt"/>
+                <a:ea typeface="+mn-ea"/>
+                <a:cs typeface="+mn-cs"/>
+              </a:defRPr>
+            </a:lvl3pPr>
+            <a:lvl4pPr marL="1371600" algn="l" defTabSz="914400" rtl="0" eaLnBrk="1" latinLnBrk="0" hangingPunct="1">
+              <a:defRPr sz="1800" kern="1200">
+                <a:solidFill>
+                  <a:schemeClr val="tx1"/>
+                </a:solidFill>
+                <a:latin typeface="+mn-lt"/>
+                <a:ea typeface="+mn-ea"/>
+                <a:cs typeface="+mn-cs"/>
+              </a:defRPr>
+            </a:lvl4pPr>
+            <a:lvl5pPr marL="1828800" algn="l" defTabSz="914400" rtl="0" eaLnBrk="1" latinLnBrk="0" hangingPunct="1">
+              <a:defRPr sz="1800" kern="1200">
+                <a:solidFill>
+                  <a:schemeClr val="tx1"/>
+                </a:solidFill>
+                <a:latin typeface="+mn-lt"/>
+                <a:ea typeface="+mn-ea"/>
+                <a:cs typeface="+mn-cs"/>
+              </a:defRPr>
+            </a:lvl5pPr>
+            <a:lvl6pPr marL="2286000" algn="l" defTabSz="914400" rtl="0" eaLnBrk="1" latinLnBrk="0" hangingPunct="1">
+              <a:defRPr sz="1800" kern="1200">
+                <a:solidFill>
+                  <a:schemeClr val="tx1"/>
+                </a:solidFill>
+                <a:latin typeface="+mn-lt"/>
+                <a:ea typeface="+mn-ea"/>
+                <a:cs typeface="+mn-cs"/>
+              </a:defRPr>
+            </a:lvl6pPr>
+            <a:lvl7pPr marL="2743200" algn="l" defTabSz="914400" rtl="0" eaLnBrk="1" latinLnBrk="0" hangingPunct="1">
+              <a:defRPr sz="1800" kern="1200">
+                <a:solidFill>
+                  <a:schemeClr val="tx1"/>
+                </a:solidFill>
+                <a:latin typeface="+mn-lt"/>
+                <a:ea typeface="+mn-ea"/>
+                <a:cs typeface="+mn-cs"/>
+              </a:defRPr>
+            </a:lvl7pPr>
+            <a:lvl8pPr marL="3200400" algn="l" defTabSz="914400" rtl="0" eaLnBrk="1" latinLnBrk="0" hangingPunct="1">
+              <a:defRPr sz="1800" kern="1200">
+                <a:solidFill>
+                  <a:schemeClr val="tx1"/>
+                </a:solidFill>
+                <a:latin typeface="+mn-lt"/>
+                <a:ea typeface="+mn-ea"/>
+                <a:cs typeface="+mn-cs"/>
+              </a:defRPr>
+            </a:lvl8pPr>
+            <a:lvl9pPr marL="3657600" algn="l" defTabSz="914400" rtl="0" eaLnBrk="1" latinLnBrk="0" hangingPunct="1">
+              <a:defRPr sz="1800" kern="1200">
+                <a:solidFill>
+                  <a:schemeClr val="tx1"/>
+                </a:solidFill>
+                <a:latin typeface="+mn-lt"/>
+                <a:ea typeface="+mn-ea"/>
+                <a:cs typeface="+mn-cs"/>
+              </a:defRPr>
+            </a:lvl9pPr>
+          </a:lstStyle>
+          <a:p>
+            <a:pPr marL="12700"/>
+            <a:r>
+              <a:rPr lang="da-DK" sz="850" b="1" kern="0" cap="all" spc="200" dirty="0" smtClean="0">
+                <a:solidFill>
+                  <a:schemeClr val="tx1">
+                    <a:lumMod val="50000"/>
+                    <a:lumOff val="50000"/>
+                  </a:schemeClr>
+                </a:solidFill>
+                <a:latin typeface="Arial"/>
+                <a:cs typeface="Arial"/>
+              </a:rPr>
+              <a:t>8 OF 17  | </a:t>
+            </a:r>
+            <a:r>
+              <a:rPr lang="da-DK" sz="850" b="1" kern="0" spc="200" dirty="0" smtClean="0">
+                <a:solidFill>
+                  <a:schemeClr val="tx1">
+                    <a:lumMod val="50000"/>
+                    <a:lumOff val="50000"/>
+                  </a:schemeClr>
+                </a:solidFill>
+                <a:latin typeface="Arial"/>
+                <a:cs typeface="Arial"/>
+              </a:rPr>
+              <a:t>15.02.2014</a:t>
+            </a:r>
+            <a:endParaRPr lang="da-DK" sz="850" kern="0" cap="all" spc="200" dirty="0">
+              <a:solidFill>
+                <a:schemeClr val="tx1">
+                  <a:lumMod val="50000"/>
+                  <a:lumOff val="50000"/>
+                </a:schemeClr>
+              </a:solidFill>
+              <a:latin typeface="Arial"/>
+              <a:cs typeface="Arial"/>
+            </a:endParaRPr>
+          </a:p>
+        </p:txBody>
+      </p:sp>
+      <p:sp>
+        <p:nvSpPr>
+          <p:cNvPr id="8" name="TextBox 7"/>
+          <p:cNvSpPr txBox="1"/>
+          <p:nvPr/>
+        </p:nvSpPr>
+        <p:spPr>
+          <a:xfrm>
+            <a:off x="7148752" y="181694"/>
+            <a:ext cx="4829888" cy="861774"/>
+          </a:xfrm>
+          <a:prstGeom prst="rect">
+            <a:avLst/>
+          </a:prstGeom>
+          <a:noFill/>
+        </p:spPr>
+        <p:txBody>
+          <a:bodyPr wrap="square" numCol="2" rtlCol="0">
+            <a:spAutoFit/>
+          </a:bodyPr>
           <a:lstStyle/>
           <a:p>
-            <a:pPr algn="ctr">
-              <a:lnSpc>
-                <a:spcPts val="3960"/>
-              </a:lnSpc>
-              <a:tabLst>
-                <a:tab pos="1676400" algn="l"/>
-              </a:tabLst>
-            </a:pPr>
-            <a:r>
-              <a:rPr lang="en-GB" sz="3600" b="1" dirty="0" smtClean="0">
-                <a:solidFill>
-                  <a:schemeClr val="tx2">
-                    <a:lumMod val="50000"/>
-                  </a:schemeClr>
-                </a:solidFill>
-                <a:latin typeface="Arial"/>
-                <a:cs typeface="Arial"/>
-              </a:rPr>
-              <a:t>Results and Findings</a:t>
-            </a:r>
-            <a:endParaRPr sz="3600" b="1" dirty="0">
-              <a:solidFill>
-                <a:schemeClr val="tx2">
-                  <a:lumMod val="50000"/>
-                </a:schemeClr>
-              </a:solidFill>
-              <a:latin typeface="Arial"/>
-              <a:cs typeface="Arial"/>
-            </a:endParaRPr>
+            <a:pPr marL="12700"/>
+            <a:r>
+              <a:rPr lang="en-GB" sz="1000" b="1" cap="all" spc="200" dirty="0">
+                <a:solidFill>
+                  <a:schemeClr val="accent1">
+                    <a:lumMod val="75000"/>
+                    <a:alpha val="50000"/>
+                  </a:schemeClr>
+                </a:solidFill>
+                <a:latin typeface="Arial"/>
+                <a:cs typeface="Arial"/>
+              </a:rPr>
+              <a:t>Motivation</a:t>
+            </a:r>
+            <a:endParaRPr lang="da-DK" sz="1000" b="1" cap="all" spc="200" dirty="0">
+              <a:solidFill>
+                <a:schemeClr val="accent1">
+                  <a:lumMod val="75000"/>
+                  <a:alpha val="50000"/>
+                </a:schemeClr>
+              </a:solidFill>
+              <a:latin typeface="Arial"/>
+              <a:cs typeface="Arial"/>
+            </a:endParaRPr>
+          </a:p>
+          <a:p>
+            <a:pPr marL="12700"/>
+            <a:r>
+              <a:rPr lang="en-GB" sz="1000" b="1" cap="all" spc="200" dirty="0">
+                <a:solidFill>
+                  <a:schemeClr val="accent1">
+                    <a:lumMod val="75000"/>
+                    <a:alpha val="50000"/>
+                  </a:schemeClr>
+                </a:solidFill>
+                <a:latin typeface="Arial"/>
+                <a:cs typeface="Arial"/>
+              </a:rPr>
+              <a:t>Concept</a:t>
+            </a:r>
+            <a:endParaRPr lang="da-DK" sz="1000" b="1" cap="all" spc="200" dirty="0">
+              <a:solidFill>
+                <a:schemeClr val="accent1">
+                  <a:lumMod val="75000"/>
+                  <a:alpha val="50000"/>
+                </a:schemeClr>
+              </a:solidFill>
+              <a:latin typeface="Arial"/>
+              <a:cs typeface="Arial"/>
+            </a:endParaRPr>
+          </a:p>
+          <a:p>
+            <a:pPr marL="12700"/>
+            <a:r>
+              <a:rPr lang="en-GB" sz="1000" b="1" cap="all" spc="200" dirty="0">
+                <a:solidFill>
+                  <a:schemeClr val="accent1">
+                    <a:lumMod val="75000"/>
+                  </a:schemeClr>
+                </a:solidFill>
+                <a:latin typeface="Arial"/>
+                <a:cs typeface="Arial"/>
+              </a:rPr>
+              <a:t>App design</a:t>
+            </a:r>
+          </a:p>
+          <a:p>
+            <a:pPr marL="12700"/>
+            <a:r>
+              <a:rPr lang="en-GB" sz="1000" b="1" cap="all" spc="200" dirty="0">
+                <a:solidFill>
+                  <a:schemeClr val="accent1">
+                    <a:lumMod val="75000"/>
+                    <a:alpha val="50000"/>
+                  </a:schemeClr>
+                </a:solidFill>
+                <a:latin typeface="Arial"/>
+                <a:cs typeface="Arial"/>
+              </a:rPr>
+              <a:t>App implementation</a:t>
+            </a:r>
+            <a:r>
+              <a:rPr lang="da-DK" sz="1000" b="1" cap="all" spc="200" dirty="0">
+                <a:solidFill>
+                  <a:schemeClr val="accent1">
+                    <a:lumMod val="75000"/>
+                    <a:alpha val="50000"/>
+                  </a:schemeClr>
+                </a:solidFill>
+                <a:latin typeface="Arial"/>
+                <a:cs typeface="Arial"/>
+              </a:rPr>
+              <a:t> </a:t>
+            </a:r>
+          </a:p>
+          <a:p>
+            <a:pPr marL="12700"/>
+            <a:endParaRPr lang="da-DK" sz="1000" b="1" cap="all" spc="200" dirty="0">
+              <a:solidFill>
+                <a:schemeClr val="accent1">
+                  <a:lumMod val="75000"/>
+                  <a:alpha val="50000"/>
+                </a:schemeClr>
+              </a:solidFill>
+              <a:latin typeface="Arial"/>
+              <a:cs typeface="Arial"/>
+            </a:endParaRPr>
+          </a:p>
+          <a:p>
+            <a:pPr marL="12700"/>
+            <a:r>
+              <a:rPr lang="en-GB" sz="1000" b="1" cap="all" spc="200" dirty="0" smtClean="0">
+                <a:solidFill>
+                  <a:schemeClr val="accent1">
+                    <a:lumMod val="75000"/>
+                    <a:alpha val="50000"/>
+                  </a:schemeClr>
+                </a:solidFill>
+                <a:latin typeface="Arial"/>
+                <a:cs typeface="Arial"/>
+              </a:rPr>
+              <a:t>Website</a:t>
+            </a:r>
+            <a:endParaRPr lang="da-DK" sz="1000" b="1" cap="all" spc="200" dirty="0">
+              <a:solidFill>
+                <a:schemeClr val="accent1">
+                  <a:lumMod val="75000"/>
+                  <a:alpha val="50000"/>
+                </a:schemeClr>
+              </a:solidFill>
+              <a:latin typeface="Arial"/>
+              <a:cs typeface="Arial"/>
+            </a:endParaRPr>
+          </a:p>
+          <a:p>
+            <a:pPr marL="12700"/>
+            <a:r>
+              <a:rPr lang="da-DK" sz="1000" b="1" cap="all" spc="200" dirty="0" smtClean="0">
+                <a:solidFill>
+                  <a:schemeClr val="accent1">
+                    <a:lumMod val="75000"/>
+                    <a:alpha val="50000"/>
+                  </a:schemeClr>
+                </a:solidFill>
+                <a:latin typeface="Arial"/>
+                <a:cs typeface="Arial"/>
+              </a:rPr>
+              <a:t>Server </a:t>
+            </a:r>
+            <a:r>
+              <a:rPr lang="da-DK" sz="1000" b="1" cap="all" spc="200" dirty="0" err="1" smtClean="0">
+                <a:solidFill>
+                  <a:schemeClr val="accent1">
+                    <a:lumMod val="75000"/>
+                    <a:alpha val="50000"/>
+                  </a:schemeClr>
+                </a:solidFill>
+                <a:latin typeface="Arial"/>
+                <a:cs typeface="Arial"/>
+              </a:rPr>
+              <a:t>Communication</a:t>
+            </a:r>
+            <a:endParaRPr lang="da-DK" sz="1000" b="1" cap="all" spc="200" dirty="0" smtClean="0">
+              <a:solidFill>
+                <a:schemeClr val="accent1">
+                  <a:lumMod val="75000"/>
+                  <a:alpha val="50000"/>
+                </a:schemeClr>
+              </a:solidFill>
+              <a:latin typeface="Arial"/>
+              <a:cs typeface="Arial"/>
+            </a:endParaRPr>
+          </a:p>
+          <a:p>
+            <a:pPr marL="12700"/>
+            <a:r>
+              <a:rPr lang="en-GB" sz="1000" b="1" cap="all" spc="200" dirty="0" smtClean="0">
+                <a:solidFill>
+                  <a:schemeClr val="accent1">
+                    <a:lumMod val="75000"/>
+                    <a:alpha val="50000"/>
+                  </a:schemeClr>
+                </a:solidFill>
+                <a:latin typeface="Arial"/>
+                <a:cs typeface="Arial"/>
+              </a:rPr>
+              <a:t>Results and findings</a:t>
+            </a:r>
+          </a:p>
+          <a:p>
+            <a:pPr marL="12700"/>
+            <a:r>
+              <a:rPr lang="en-GB" sz="1000" b="1" cap="all" spc="200" dirty="0" smtClean="0">
+                <a:solidFill>
+                  <a:schemeClr val="accent1">
+                    <a:lumMod val="75000"/>
+                    <a:alpha val="50000"/>
+                  </a:schemeClr>
+                </a:solidFill>
+                <a:latin typeface="Arial"/>
+                <a:cs typeface="Arial"/>
+              </a:rPr>
+              <a:t>Demonstration</a:t>
+            </a:r>
+            <a:endParaRPr lang="da-DK" sz="1000" b="1" cap="all" spc="200" dirty="0">
+              <a:solidFill>
+                <a:schemeClr val="accent1">
+                  <a:lumMod val="75000"/>
+                  <a:alpha val="50000"/>
+                </a:schemeClr>
+              </a:solidFill>
+              <a:latin typeface="Arial"/>
+              <a:cs typeface="Arial"/>
+            </a:endParaRPr>
+          </a:p>
+          <a:p>
+            <a:endParaRPr lang="da-DK" sz="1000" dirty="0"/>
+          </a:p>
+        </p:txBody>
+      </p:sp>
+      <p:sp>
+        <p:nvSpPr>
+          <p:cNvPr id="12" name="Right Arrow 11"/>
+          <p:cNvSpPr/>
+          <p:nvPr/>
+        </p:nvSpPr>
+        <p:spPr>
+          <a:xfrm>
+            <a:off x="5336558" y="2744861"/>
+            <a:ext cx="1366855" cy="675702"/>
+          </a:xfrm>
+          <a:prstGeom prst="rightArrow">
+            <a:avLst/>
+          </a:prstGeom>
+        </p:spPr>
+        <p:style>
+          <a:lnRef idx="2">
+            <a:schemeClr val="accent1">
+              <a:shade val="50000"/>
+            </a:schemeClr>
+          </a:lnRef>
+          <a:fillRef idx="1">
+            <a:schemeClr val="accent1"/>
+          </a:fillRef>
+          <a:effectRef idx="0">
+            <a:schemeClr val="accent1"/>
+          </a:effectRef>
+          <a:fontRef idx="minor">
+            <a:schemeClr val="lt1"/>
+          </a:fontRef>
+        </p:style>
+        <p:txBody>
+          <a:bodyPr rtlCol="0" anchor="ctr"/>
+          <a:lstStyle/>
+          <a:p>
+            <a:pPr algn="ctr"/>
+            <a:endParaRPr lang="da-DK"/>
           </a:p>
         </p:txBody>
       </p:sp>
       <p:pic>
         <p:nvPicPr>
-          <p:cNvPr id="10" name="Billede 9"/>
+          <p:cNvPr id="6" name="Picture 5"/>
           <p:cNvPicPr>
             <a:picLocks noChangeAspect="1"/>
           </p:cNvPicPr>
           <p:nvPr/>
         </p:nvPicPr>
         <p:blipFill>
-          <a:blip r:embed="rId2" cstate="print">
+          <a:blip r:embed="rId2">
             <a:extLst>
               <a:ext uri="{28A0092B-C50C-407E-A947-70E740481C1C}">
                 <a14:useLocalDpi xmlns:a14="http://schemas.microsoft.com/office/drawing/2010/main" val="0"/>
@@ -6314,68 +8219,61 @@
         </p:blipFill>
         <p:spPr>
           <a:xfrm>
-            <a:off x="5348699" y="5576322"/>
-            <a:ext cx="1543270" cy="1009770"/>
+            <a:off x="2144588" y="1155200"/>
+            <a:ext cx="2746631" cy="4412786"/>
           </a:xfrm>
           <a:prstGeom prst="rect">
             <a:avLst/>
           </a:prstGeom>
         </p:spPr>
       </p:pic>
-      <p:sp>
-        <p:nvSpPr>
-          <p:cNvPr id="4" name="Rektangel 3"/>
-          <p:cNvSpPr/>
+      <p:pic>
+        <p:nvPicPr>
+          <p:cNvPr id="7" name="Picture 6"/>
+          <p:cNvPicPr>
+            <a:picLocks noChangeAspect="1"/>
+          </p:cNvPicPr>
           <p:nvPr/>
-        </p:nvSpPr>
+        </p:nvPicPr>
+        <p:blipFill>
+          <a:blip r:embed="rId3" cstate="print">
+            <a:extLst>
+              <a:ext uri="{28A0092B-C50C-407E-A947-70E740481C1C}">
+                <a14:useLocalDpi xmlns:a14="http://schemas.microsoft.com/office/drawing/2010/main" val="0"/>
+              </a:ext>
+            </a:extLst>
+          </a:blip>
+          <a:stretch>
+            <a:fillRect/>
+          </a:stretch>
+        </p:blipFill>
         <p:spPr>
           <a:xfrm>
-            <a:off x="3810000" y="3516167"/>
-            <a:ext cx="4572000" cy="276999"/>
+            <a:off x="7148752" y="1155200"/>
+            <a:ext cx="2365200" cy="4204800"/>
           </a:xfrm>
           <a:prstGeom prst="rect">
             <a:avLst/>
           </a:prstGeom>
         </p:spPr>
-        <p:txBody>
-          <a:bodyPr>
-            <a:spAutoFit/>
-          </a:bodyPr>
-          <a:lstStyle/>
-          <a:p>
-            <a:pPr marR="28575" algn="ctr"/>
-            <a:r>
-              <a:rPr lang="en-US" sz="1200" kern="0" cap="all" spc="200" dirty="0" smtClean="0">
-                <a:solidFill>
-                  <a:schemeClr val="tx2">
-                    <a:lumMod val="50000"/>
-                  </a:schemeClr>
-                </a:solidFill>
-                <a:latin typeface="Arial"/>
-                <a:cs typeface="Arial"/>
-              </a:rPr>
-              <a:t>Jacob K. Wortmann</a:t>
-            </a:r>
-          </a:p>
-        </p:txBody>
-      </p:sp>
+      </p:pic>
     </p:spTree>
     <p:extLst>
       <p:ext uri="{BB962C8B-B14F-4D97-AF65-F5344CB8AC3E}">
-        <p14:creationId xmlns:p14="http://schemas.microsoft.com/office/powerpoint/2010/main" val="4200997104"/>
+        <p14:creationId xmlns:p14="http://schemas.microsoft.com/office/powerpoint/2010/main" val="674017723"/>
       </p:ext>
     </p:extLst>
   </p:cSld>
   <p:clrMapOvr>
     <a:masterClrMapping/>
   </p:clrMapOvr>
-  <mc:AlternateContent xmlns:mc="http://schemas.openxmlformats.org/markup-compatibility/2006">
-    <mc:Choice xmlns:p14="http://schemas.microsoft.com/office/powerpoint/2010/main" Requires="p14">
+  <mc:AlternateContent xmlns:mc="http://schemas.openxmlformats.org/markup-compatibility/2006" xmlns:p14="http://schemas.microsoft.com/office/powerpoint/2010/main">
+    <mc:Choice Requires="p14">
       <p:transition p14:dur="250">
         <p:fade/>
       </p:transition>
     </mc:Choice>
-    <mc:Fallback>
+    <mc:Fallback xmlns="">
       <p:transition>
         <p:fade/>
       </p:transition>
@@ -6411,33 +8309,38 @@
       <p:sp>
         <p:nvSpPr>
           <p:cNvPr id="2" name="object 2"/>
-          <p:cNvSpPr txBox="1"/>
-          <p:nvPr/>
+          <p:cNvSpPr txBox="1">
+            <a:spLocks noGrp="1"/>
+          </p:cNvSpPr>
+          <p:nvPr>
+            <p:ph type="title"/>
+          </p:nvPr>
         </p:nvSpPr>
         <p:spPr>
           <a:xfrm>
-            <a:off x="2150300" y="562801"/>
-            <a:ext cx="6231700" cy="368935"/>
+            <a:off x="3351956" y="2420888"/>
+            <a:ext cx="5536756" cy="1023270"/>
           </a:xfrm>
           <a:prstGeom prst="rect">
             <a:avLst/>
           </a:prstGeom>
         </p:spPr>
         <p:txBody>
-          <a:bodyPr vert="horz" wrap="square" lIns="0" tIns="0" rIns="0" bIns="0" rtlCol="0">
+          <a:bodyPr vert="horz" wrap="square" lIns="0" tIns="0" rIns="0" bIns="0" rtlCol="0" anchor="ctr">
             <a:noAutofit/>
           </a:bodyPr>
           <a:lstStyle/>
           <a:p>
-            <a:pPr marL="12700">
+            <a:pPr algn="ctr">
+              <a:lnSpc>
+                <a:spcPts val="3960"/>
+              </a:lnSpc>
               <a:tabLst>
-                <a:tab pos="1641475" algn="l"/>
-                <a:tab pos="2152650" algn="l"/>
-                <a:tab pos="3412490" algn="l"/>
+                <a:tab pos="1676400" algn="l"/>
               </a:tabLst>
             </a:pPr>
             <a:r>
-              <a:rPr lang="en-GB" sz="2400" kern="0" cap="all" spc="200" dirty="0" err="1" smtClean="0">
+              <a:rPr lang="en-GB" sz="3600" b="1" dirty="0" smtClean="0">
                 <a:solidFill>
                   <a:schemeClr val="tx2">
                     <a:lumMod val="50000"/>
@@ -6446,10 +8349,10 @@
                 <a:latin typeface="Arial"/>
                 <a:cs typeface="Arial"/>
               </a:rPr>
-              <a:t>Exhib</a:t>
-            </a:r>
-            <a:r>
-              <a:rPr lang="en-GB" sz="2400" kern="0" cap="all" spc="200" dirty="0" smtClean="0">
+              <a:t>Application </a:t>
+            </a:r>
+            <a:r>
+              <a:rPr lang="en-GB" sz="3600" b="1" dirty="0" err="1" smtClean="0">
                 <a:solidFill>
                   <a:schemeClr val="tx2">
                     <a:lumMod val="50000"/>
@@ -6458,9 +8361,9 @@
                 <a:latin typeface="Arial"/>
                 <a:cs typeface="Arial"/>
               </a:rPr>
-              <a:t> results</a:t>
-            </a:r>
-            <a:endParaRPr sz="2400" kern="0" cap="all" spc="200" dirty="0">
+              <a:t>Implementaion</a:t>
+            </a:r>
+            <a:endParaRPr sz="3600" b="1" dirty="0">
               <a:solidFill>
                 <a:schemeClr val="tx2">
                   <a:lumMod val="50000"/>
@@ -6472,675 +8375,102 @@
           </a:p>
         </p:txBody>
       </p:sp>
-      <p:sp>
-        <p:nvSpPr>
-          <p:cNvPr id="3" name="object 3"/>
-          <p:cNvSpPr txBox="1"/>
+      <p:pic>
+        <p:nvPicPr>
+          <p:cNvPr id="10" name="Billede 9"/>
+          <p:cNvPicPr>
+            <a:picLocks noChangeAspect="1"/>
+          </p:cNvPicPr>
           <p:nvPr/>
-        </p:nvSpPr>
+        </p:nvPicPr>
+        <p:blipFill>
+          <a:blip r:embed="rId2" cstate="print">
+            <a:extLst>
+              <a:ext uri="{28A0092B-C50C-407E-A947-70E740481C1C}">
+                <a14:useLocalDpi xmlns:a14="http://schemas.microsoft.com/office/drawing/2010/main" val="0"/>
+              </a:ext>
+            </a:extLst>
+          </a:blip>
+          <a:stretch>
+            <a:fillRect/>
+          </a:stretch>
+        </p:blipFill>
         <p:spPr>
           <a:xfrm>
-            <a:off x="2150300" y="1155200"/>
-            <a:ext cx="6231700" cy="4074001"/>
+            <a:off x="5348699" y="5576322"/>
+            <a:ext cx="1543270" cy="1009770"/>
           </a:xfrm>
           <a:prstGeom prst="rect">
             <a:avLst/>
           </a:prstGeom>
         </p:spPr>
-        <p:txBody>
-          <a:bodyPr vert="horz" wrap="square" lIns="0" tIns="0" rIns="0" bIns="0" rtlCol="0">
-            <a:noAutofit/>
-          </a:bodyPr>
-          <a:lstStyle/>
-          <a:p>
-            <a:pPr marL="12700"/>
-            <a:r>
-              <a:rPr lang="en-US" sz="1600" cap="all" spc="200" dirty="0" smtClean="0">
-                <a:solidFill>
-                  <a:schemeClr val="accent1">
-                    <a:lumMod val="75000"/>
-                  </a:schemeClr>
-                </a:solidFill>
-                <a:latin typeface="Arial"/>
-                <a:cs typeface="Arial"/>
-              </a:rPr>
-              <a:t>We </a:t>
-            </a:r>
-            <a:r>
-              <a:rPr lang="en-US" sz="1600" cap="all" spc="200" dirty="0">
-                <a:solidFill>
-                  <a:schemeClr val="accent1">
-                    <a:lumMod val="75000"/>
-                  </a:schemeClr>
-                </a:solidFill>
-                <a:latin typeface="Arial"/>
-                <a:cs typeface="Arial"/>
-              </a:rPr>
-              <a:t>implemented a website tool, android app, and a server service</a:t>
-            </a:r>
-          </a:p>
-          <a:p>
-            <a:pPr marL="12700"/>
-            <a:endParaRPr lang="en-US" sz="1600" cap="all" spc="200" dirty="0" smtClean="0">
-              <a:solidFill>
-                <a:schemeClr val="accent1">
-                  <a:lumMod val="75000"/>
-                </a:schemeClr>
-              </a:solidFill>
-              <a:latin typeface="Arial"/>
-              <a:cs typeface="Arial"/>
-            </a:endParaRPr>
-          </a:p>
-          <a:p>
-            <a:pPr marL="12700"/>
-            <a:r>
-              <a:rPr lang="en-US" sz="1600" cap="all" spc="200" dirty="0" smtClean="0">
-                <a:solidFill>
-                  <a:schemeClr val="accent1">
-                    <a:lumMod val="75000"/>
-                  </a:schemeClr>
-                </a:solidFill>
-                <a:latin typeface="Arial"/>
-                <a:cs typeface="Arial"/>
-              </a:rPr>
-              <a:t>All </a:t>
-            </a:r>
-            <a:r>
-              <a:rPr lang="en-US" sz="1600" cap="all" spc="200" dirty="0">
-                <a:solidFill>
-                  <a:schemeClr val="accent1">
-                    <a:lumMod val="75000"/>
-                  </a:schemeClr>
-                </a:solidFill>
-                <a:latin typeface="Arial"/>
-                <a:cs typeface="Arial"/>
-              </a:rPr>
-              <a:t>three segments functions and work well with each other</a:t>
-            </a:r>
-          </a:p>
-          <a:p>
-            <a:pPr marL="12700"/>
-            <a:endParaRPr lang="en-US" sz="1600" cap="all" spc="200" dirty="0" smtClean="0">
-              <a:solidFill>
-                <a:schemeClr val="accent1">
-                  <a:lumMod val="75000"/>
-                </a:schemeClr>
-              </a:solidFill>
-              <a:latin typeface="Arial"/>
-              <a:cs typeface="Arial"/>
-            </a:endParaRPr>
-          </a:p>
-          <a:p>
-            <a:pPr marL="12700"/>
-            <a:r>
-              <a:rPr lang="en-US" sz="1600" cap="all" spc="200" dirty="0" smtClean="0">
-                <a:solidFill>
-                  <a:schemeClr val="accent1">
-                    <a:lumMod val="75000"/>
-                  </a:schemeClr>
-                </a:solidFill>
-                <a:latin typeface="Arial"/>
-                <a:cs typeface="Arial"/>
-              </a:rPr>
-              <a:t>Google </a:t>
-            </a:r>
-            <a:r>
-              <a:rPr lang="en-US" sz="1600" cap="all" spc="200" dirty="0">
-                <a:solidFill>
-                  <a:schemeClr val="accent1">
-                    <a:lumMod val="75000"/>
-                  </a:schemeClr>
-                </a:solidFill>
-                <a:latin typeface="Arial"/>
-                <a:cs typeface="Arial"/>
-              </a:rPr>
-              <a:t>maps API</a:t>
-            </a:r>
-          </a:p>
-          <a:p>
-            <a:pPr marL="12700"/>
-            <a:endParaRPr lang="en-US" sz="1600" cap="all" spc="200" dirty="0" smtClean="0">
-              <a:solidFill>
-                <a:schemeClr val="accent1">
-                  <a:lumMod val="75000"/>
-                </a:schemeClr>
-              </a:solidFill>
-              <a:latin typeface="Arial"/>
-              <a:cs typeface="Arial"/>
-            </a:endParaRPr>
-          </a:p>
-          <a:p>
-            <a:pPr marL="12700"/>
-            <a:endParaRPr lang="en-US" sz="1600" cap="all" spc="200" dirty="0" smtClean="0">
-              <a:solidFill>
-                <a:schemeClr val="accent1">
-                  <a:lumMod val="75000"/>
-                </a:schemeClr>
-              </a:solidFill>
-              <a:latin typeface="Arial"/>
-              <a:cs typeface="Arial"/>
-            </a:endParaRPr>
-          </a:p>
-          <a:p>
-            <a:pPr marL="12700"/>
-            <a:endParaRPr lang="da-DK" sz="1600" cap="all" spc="200" dirty="0" smtClean="0">
-              <a:solidFill>
-                <a:schemeClr val="accent1">
-                  <a:lumMod val="75000"/>
-                </a:schemeClr>
-              </a:solidFill>
-              <a:latin typeface="Arial"/>
-              <a:cs typeface="Arial"/>
-            </a:endParaRPr>
-          </a:p>
-          <a:p>
-            <a:pPr marL="12700"/>
-            <a:endParaRPr lang="en-GB" sz="1400" cap="all" spc="200" dirty="0">
-              <a:solidFill>
-                <a:schemeClr val="accent1">
-                  <a:lumMod val="75000"/>
-                </a:schemeClr>
-              </a:solidFill>
-              <a:latin typeface="Arial"/>
-              <a:cs typeface="Arial"/>
-            </a:endParaRPr>
-          </a:p>
-        </p:txBody>
-      </p:sp>
-      <p:sp>
-        <p:nvSpPr>
-          <p:cNvPr id="8" name="object 4"/>
-          <p:cNvSpPr txBox="1">
-            <a:spLocks noGrp="1"/>
-          </p:cNvSpPr>
-          <p:nvPr>
-            <p:ph type="ftr" sz="quarter" idx="4294967295"/>
-          </p:nvPr>
+      </p:pic>
+      <p:sp>
+        <p:nvSpPr>
+          <p:cNvPr id="4" name="Rektangel 3"/>
+          <p:cNvSpPr/>
+          <p:nvPr/>
         </p:nvSpPr>
         <p:spPr>
           <a:xfrm>
-            <a:off x="4064146" y="5952020"/>
-            <a:ext cx="4343400" cy="143981"/>
+            <a:off x="3810000" y="3516167"/>
+            <a:ext cx="4572000" cy="276999"/>
           </a:xfrm>
           <a:prstGeom prst="rect">
             <a:avLst/>
           </a:prstGeom>
         </p:spPr>
         <p:txBody>
-          <a:bodyPr vert="horz" wrap="square" lIns="0" tIns="0" rIns="0" bIns="0" rtlCol="0" anchor="ctr">
-            <a:noAutofit/>
-          </a:bodyPr>
-          <a:lstStyle/>
-          <a:p>
-            <a:pPr marL="12700"/>
-            <a:fld id="{9561DEC8-19EE-4A79-9D71-66FF6B3E3434}" type="slidenum">
-              <a:rPr lang="da-DK" sz="850" b="1" kern="0" cap="all" spc="200">
-                <a:solidFill>
-                  <a:schemeClr val="tx1">
-                    <a:lumMod val="50000"/>
-                    <a:lumOff val="50000"/>
-                  </a:schemeClr>
-                </a:solidFill>
-                <a:latin typeface="Arial"/>
-                <a:cs typeface="Arial"/>
-              </a:rPr>
-              <a:pPr marL="12700"/>
-              <a:t>16</a:t>
-            </a:fld>
-            <a:r>
-              <a:rPr lang="da-DK" sz="850" b="1" kern="0" cap="all" spc="200" dirty="0">
-                <a:solidFill>
-                  <a:schemeClr val="tx1">
-                    <a:lumMod val="50000"/>
-                    <a:lumOff val="50000"/>
-                  </a:schemeClr>
-                </a:solidFill>
-                <a:latin typeface="Arial"/>
-                <a:cs typeface="Arial"/>
-              </a:rPr>
-              <a:t> </a:t>
-            </a:r>
-            <a:r>
-              <a:rPr sz="850" b="1" kern="0" cap="all" spc="200" dirty="0">
-                <a:solidFill>
-                  <a:schemeClr val="tx1">
-                    <a:lumMod val="50000"/>
-                    <a:lumOff val="50000"/>
-                  </a:schemeClr>
-                </a:solidFill>
-                <a:latin typeface="Arial"/>
-                <a:cs typeface="Arial"/>
-              </a:rPr>
-              <a:t>OF</a:t>
-            </a:r>
-            <a:r>
-              <a:rPr lang="da-DK" sz="850" b="1" kern="0" cap="all" spc="200" dirty="0">
-                <a:solidFill>
-                  <a:schemeClr val="tx1">
-                    <a:lumMod val="50000"/>
-                    <a:lumOff val="50000"/>
-                  </a:schemeClr>
-                </a:solidFill>
-                <a:latin typeface="Arial"/>
-                <a:cs typeface="Arial"/>
-              </a:rPr>
-              <a:t> </a:t>
-            </a:r>
-            <a:r>
-              <a:rPr lang="da-DK" sz="850" b="1" kern="0" cap="all" spc="200" dirty="0" smtClean="0">
-                <a:solidFill>
-                  <a:schemeClr val="tx1">
-                    <a:lumMod val="50000"/>
-                    <a:lumOff val="50000"/>
-                  </a:schemeClr>
-                </a:solidFill>
-                <a:latin typeface="Arial"/>
-                <a:cs typeface="Arial"/>
-              </a:rPr>
-              <a:t>17  </a:t>
-            </a:r>
-            <a:r>
-              <a:rPr lang="da-DK" sz="850" b="1" kern="0" cap="all" spc="200" dirty="0">
-                <a:solidFill>
-                  <a:schemeClr val="tx1">
-                    <a:lumMod val="50000"/>
-                    <a:lumOff val="50000"/>
-                  </a:schemeClr>
-                </a:solidFill>
-                <a:latin typeface="Arial"/>
-                <a:cs typeface="Arial"/>
-              </a:rPr>
-              <a:t>| </a:t>
-            </a:r>
-            <a:r>
-              <a:rPr lang="da-DK" sz="850" b="1" kern="0" spc="200" dirty="0">
-                <a:solidFill>
-                  <a:schemeClr val="tx1">
-                    <a:lumMod val="50000"/>
-                    <a:lumOff val="50000"/>
-                  </a:schemeClr>
-                </a:solidFill>
-                <a:latin typeface="Arial"/>
-                <a:cs typeface="Arial"/>
-              </a:rPr>
-              <a:t>26.06.2013</a:t>
-            </a:r>
-            <a:endParaRPr sz="850" kern="0" cap="all" spc="200" dirty="0">
-              <a:solidFill>
-                <a:schemeClr val="tx1">
-                  <a:lumMod val="50000"/>
-                  <a:lumOff val="50000"/>
-                </a:schemeClr>
-              </a:solidFill>
-              <a:latin typeface="Arial"/>
-              <a:cs typeface="Arial"/>
-            </a:endParaRPr>
-          </a:p>
-        </p:txBody>
-      </p:sp>
-      <p:sp>
-        <p:nvSpPr>
-          <p:cNvPr id="9" name="object 7"/>
-          <p:cNvSpPr txBox="1"/>
-          <p:nvPr/>
-        </p:nvSpPr>
-        <p:spPr>
-          <a:xfrm>
-            <a:off x="4267200" y="6137889"/>
-            <a:ext cx="3682706" cy="294005"/>
-          </a:xfrm>
-          <a:prstGeom prst="rect">
-            <a:avLst/>
-          </a:prstGeom>
-        </p:spPr>
-        <p:txBody>
-          <a:bodyPr vert="horz" wrap="square" lIns="0" tIns="0" rIns="0" bIns="0" rtlCol="0">
-            <a:noAutofit/>
-          </a:bodyPr>
-          <a:lstStyle/>
-          <a:p>
-            <a:pPr algn="ctr">
-              <a:lnSpc>
-                <a:spcPct val="100000"/>
-              </a:lnSpc>
-            </a:pPr>
-            <a:r>
-              <a:rPr lang="da-DK" sz="850" b="1" kern="0" cap="all" spc="200" dirty="0">
-                <a:solidFill>
-                  <a:schemeClr val="tx1">
-                    <a:lumMod val="50000"/>
-                    <a:lumOff val="50000"/>
-                  </a:schemeClr>
-                </a:solidFill>
-                <a:latin typeface="Arial"/>
-                <a:cs typeface="Arial"/>
-              </a:rPr>
-              <a:t>Department of computer science</a:t>
-            </a:r>
-            <a:endParaRPr sz="850" b="1" kern="0" cap="all" spc="200" dirty="0">
-              <a:solidFill>
-                <a:schemeClr val="tx1">
-                  <a:lumMod val="50000"/>
-                  <a:lumOff val="50000"/>
-                </a:schemeClr>
-              </a:solidFill>
-              <a:latin typeface="Arial"/>
-              <a:cs typeface="Arial"/>
-            </a:endParaRPr>
-          </a:p>
-          <a:p>
-            <a:pPr marR="20320" algn="ctr">
-              <a:spcBef>
-                <a:spcPts val="180"/>
-              </a:spcBef>
-            </a:pPr>
-            <a:r>
-              <a:rPr sz="850" kern="0" cap="all" spc="200" dirty="0">
-                <a:solidFill>
-                  <a:schemeClr val="tx1">
-                    <a:lumMod val="50000"/>
-                    <a:lumOff val="50000"/>
-                  </a:schemeClr>
-                </a:solidFill>
-                <a:latin typeface="Arial"/>
-                <a:cs typeface="Arial"/>
-              </a:rPr>
-              <a:t>AALBORG</a:t>
-            </a:r>
-            <a:r>
-              <a:rPr lang="da-DK" sz="850" kern="0" cap="all" spc="200" dirty="0">
-                <a:solidFill>
-                  <a:schemeClr val="tx1">
-                    <a:lumMod val="50000"/>
-                    <a:lumOff val="50000"/>
-                  </a:schemeClr>
-                </a:solidFill>
-                <a:latin typeface="Arial"/>
-                <a:cs typeface="Arial"/>
-              </a:rPr>
-              <a:t> UNIVERSITy</a:t>
-            </a:r>
-            <a:endParaRPr sz="850" kern="0" cap="all" spc="200" dirty="0">
-              <a:solidFill>
-                <a:schemeClr val="tx1">
-                  <a:lumMod val="50000"/>
-                  <a:lumOff val="50000"/>
-                </a:schemeClr>
-              </a:solidFill>
-              <a:latin typeface="Arial"/>
-              <a:cs typeface="Arial"/>
-            </a:endParaRPr>
-          </a:p>
-        </p:txBody>
-      </p:sp>
-      <p:sp>
-        <p:nvSpPr>
-          <p:cNvPr id="7" name="TextBox 6"/>
-          <p:cNvSpPr txBox="1"/>
-          <p:nvPr/>
-        </p:nvSpPr>
-        <p:spPr>
-          <a:xfrm>
-            <a:off x="7148752" y="181694"/>
-            <a:ext cx="4829888" cy="861774"/>
-          </a:xfrm>
-          <a:prstGeom prst="rect">
-            <a:avLst/>
-          </a:prstGeom>
-          <a:noFill/>
-        </p:spPr>
-        <p:txBody>
-          <a:bodyPr wrap="square" numCol="2" rtlCol="0">
+          <a:bodyPr>
             <a:spAutoFit/>
           </a:bodyPr>
           <a:lstStyle/>
           <a:p>
-            <a:pPr marL="12700"/>
-            <a:r>
-              <a:rPr lang="en-GB" sz="1000" b="1" cap="all" spc="200" dirty="0">
-                <a:solidFill>
-                  <a:schemeClr val="accent1">
-                    <a:lumMod val="75000"/>
-                    <a:alpha val="50000"/>
-                  </a:schemeClr>
-                </a:solidFill>
-                <a:latin typeface="Arial"/>
-                <a:cs typeface="Arial"/>
-              </a:rPr>
-              <a:t>Motivation</a:t>
-            </a:r>
-            <a:endParaRPr lang="da-DK" sz="1000" b="1" cap="all" spc="200" dirty="0">
-              <a:solidFill>
-                <a:schemeClr val="accent1">
-                  <a:lumMod val="75000"/>
-                  <a:alpha val="50000"/>
-                </a:schemeClr>
-              </a:solidFill>
-              <a:latin typeface="Arial"/>
-              <a:cs typeface="Arial"/>
-            </a:endParaRPr>
-          </a:p>
-          <a:p>
-            <a:pPr marL="12700"/>
-            <a:r>
-              <a:rPr lang="en-GB" sz="1000" b="1" cap="all" spc="200" dirty="0" smtClean="0">
-                <a:solidFill>
-                  <a:schemeClr val="accent1">
-                    <a:lumMod val="75000"/>
-                    <a:alpha val="50000"/>
-                  </a:schemeClr>
-                </a:solidFill>
-                <a:latin typeface="Arial"/>
-                <a:cs typeface="Arial"/>
-              </a:rPr>
-              <a:t>Concept</a:t>
-            </a:r>
-            <a:endParaRPr lang="da-DK" sz="1000" b="1" cap="all" spc="200" dirty="0" smtClean="0">
-              <a:solidFill>
-                <a:schemeClr val="accent1">
-                  <a:lumMod val="75000"/>
-                  <a:alpha val="50000"/>
-                </a:schemeClr>
-              </a:solidFill>
-              <a:latin typeface="Arial"/>
-              <a:cs typeface="Arial"/>
-            </a:endParaRPr>
-          </a:p>
-          <a:p>
-            <a:pPr marL="12700"/>
-            <a:r>
-              <a:rPr lang="en-GB" sz="1000" b="1" cap="all" spc="200" dirty="0" smtClean="0">
-                <a:solidFill>
-                  <a:schemeClr val="accent1">
-                    <a:lumMod val="75000"/>
-                    <a:alpha val="50000"/>
-                  </a:schemeClr>
-                </a:solidFill>
-                <a:latin typeface="Arial"/>
-                <a:cs typeface="Arial"/>
-              </a:rPr>
-              <a:t>App design</a:t>
-            </a:r>
-            <a:endParaRPr lang="en-GB" sz="1000" b="1" cap="all" spc="200" dirty="0">
-              <a:solidFill>
-                <a:schemeClr val="accent1">
-                  <a:lumMod val="75000"/>
-                </a:schemeClr>
-              </a:solidFill>
-              <a:latin typeface="Arial"/>
-              <a:cs typeface="Arial"/>
-            </a:endParaRPr>
-          </a:p>
-          <a:p>
-            <a:pPr marL="12700"/>
-            <a:r>
-              <a:rPr lang="en-GB" sz="1000" b="1" cap="all" spc="200" dirty="0" smtClean="0">
-                <a:solidFill>
-                  <a:schemeClr val="accent1">
-                    <a:lumMod val="75000"/>
-                    <a:alpha val="50000"/>
-                  </a:schemeClr>
-                </a:solidFill>
-                <a:latin typeface="Arial"/>
-                <a:cs typeface="Arial"/>
-              </a:rPr>
-              <a:t>App implementation</a:t>
-            </a:r>
-            <a:r>
-              <a:rPr lang="da-DK" sz="1000" b="1" cap="all" spc="200" dirty="0" smtClean="0">
-                <a:solidFill>
-                  <a:schemeClr val="accent1">
-                    <a:lumMod val="75000"/>
-                    <a:alpha val="50000"/>
-                  </a:schemeClr>
-                </a:solidFill>
-                <a:latin typeface="Arial"/>
-                <a:cs typeface="Arial"/>
-              </a:rPr>
-              <a:t> </a:t>
-            </a:r>
-          </a:p>
-          <a:p>
-            <a:pPr marL="12700"/>
-            <a:endParaRPr lang="da-DK" sz="1000" b="1" cap="all" spc="200" dirty="0">
-              <a:solidFill>
-                <a:schemeClr val="accent1">
-                  <a:lumMod val="75000"/>
-                  <a:alpha val="50000"/>
-                </a:schemeClr>
-              </a:solidFill>
-              <a:latin typeface="Arial"/>
-              <a:cs typeface="Arial"/>
-            </a:endParaRPr>
-          </a:p>
-          <a:p>
-            <a:pPr marL="12700"/>
-            <a:r>
-              <a:rPr lang="en-GB" sz="1000" b="1" cap="all" spc="200" dirty="0" smtClean="0">
-                <a:solidFill>
-                  <a:schemeClr val="accent1">
-                    <a:lumMod val="75000"/>
-                    <a:alpha val="50000"/>
-                  </a:schemeClr>
-                </a:solidFill>
-                <a:latin typeface="Arial"/>
-                <a:cs typeface="Arial"/>
-              </a:rPr>
-              <a:t>Website</a:t>
-            </a:r>
-            <a:endParaRPr lang="da-DK" sz="1000" b="1" cap="all" spc="200" dirty="0">
-              <a:solidFill>
-                <a:schemeClr val="accent1">
-                  <a:lumMod val="75000"/>
-                  <a:alpha val="50000"/>
-                </a:schemeClr>
-              </a:solidFill>
-              <a:latin typeface="Arial"/>
-              <a:cs typeface="Arial"/>
-            </a:endParaRPr>
-          </a:p>
-          <a:p>
-            <a:pPr marL="12700"/>
-            <a:r>
-              <a:rPr lang="da-DK" sz="1000" b="1" cap="all" spc="200" dirty="0" smtClean="0">
-                <a:solidFill>
-                  <a:schemeClr val="accent1">
-                    <a:lumMod val="75000"/>
-                    <a:alpha val="50000"/>
-                  </a:schemeClr>
-                </a:solidFill>
-                <a:latin typeface="Arial"/>
-                <a:cs typeface="Arial"/>
-              </a:rPr>
-              <a:t>Server </a:t>
-            </a:r>
-            <a:r>
-              <a:rPr lang="da-DK" sz="1000" b="1" cap="all" spc="200" dirty="0" err="1" smtClean="0">
-                <a:solidFill>
-                  <a:schemeClr val="accent1">
-                    <a:lumMod val="75000"/>
-                    <a:alpha val="50000"/>
-                  </a:schemeClr>
-                </a:solidFill>
-                <a:latin typeface="Arial"/>
-                <a:cs typeface="Arial"/>
-              </a:rPr>
-              <a:t>Communication</a:t>
-            </a:r>
-            <a:endParaRPr lang="da-DK" sz="1000" b="1" cap="all" spc="200" dirty="0" smtClean="0">
-              <a:solidFill>
-                <a:schemeClr val="accent1">
-                  <a:lumMod val="75000"/>
-                  <a:alpha val="50000"/>
-                </a:schemeClr>
-              </a:solidFill>
-              <a:latin typeface="Arial"/>
-              <a:cs typeface="Arial"/>
-            </a:endParaRPr>
-          </a:p>
-          <a:p>
-            <a:pPr marL="12700"/>
-            <a:r>
-              <a:rPr lang="en-GB" sz="1000" b="1" cap="all" spc="200" dirty="0">
-                <a:solidFill>
-                  <a:schemeClr val="accent1">
-                    <a:lumMod val="75000"/>
-                  </a:schemeClr>
-                </a:solidFill>
-                <a:latin typeface="Arial"/>
-                <a:cs typeface="Arial"/>
-              </a:rPr>
-              <a:t>Results and findings</a:t>
-            </a:r>
-          </a:p>
-          <a:p>
-            <a:pPr marL="12700"/>
-            <a:r>
-              <a:rPr lang="en-GB" sz="1000" b="1" cap="all" spc="200" dirty="0" smtClean="0">
-                <a:solidFill>
-                  <a:schemeClr val="accent1">
-                    <a:lumMod val="75000"/>
-                    <a:alpha val="50000"/>
-                  </a:schemeClr>
-                </a:solidFill>
-                <a:latin typeface="Arial"/>
-                <a:cs typeface="Arial"/>
-              </a:rPr>
-              <a:t>Live Demo</a:t>
-            </a:r>
-            <a:endParaRPr lang="da-DK" sz="1000" b="1" cap="all" spc="200" dirty="0">
-              <a:solidFill>
-                <a:schemeClr val="accent1">
-                  <a:lumMod val="75000"/>
-                  <a:alpha val="50000"/>
-                </a:schemeClr>
-              </a:solidFill>
-              <a:latin typeface="Arial"/>
-              <a:cs typeface="Arial"/>
-            </a:endParaRPr>
-          </a:p>
-          <a:p>
-            <a:endParaRPr lang="da-DK" sz="1000" dirty="0"/>
+            <a:pPr marR="28575" algn="ctr"/>
+            <a:r>
+              <a:rPr lang="en-US" sz="1200" kern="0" cap="all" spc="200" dirty="0" err="1" smtClean="0">
+                <a:solidFill>
+                  <a:schemeClr val="tx2">
+                    <a:lumMod val="50000"/>
+                  </a:schemeClr>
+                </a:solidFill>
+                <a:latin typeface="Arial"/>
+                <a:cs typeface="Arial"/>
+              </a:rPr>
+              <a:t>Jesper</a:t>
+            </a:r>
+            <a:r>
+              <a:rPr lang="en-US" sz="1200" kern="0" cap="all" spc="200" dirty="0" smtClean="0">
+                <a:solidFill>
+                  <a:schemeClr val="tx2">
+                    <a:lumMod val="50000"/>
+                  </a:schemeClr>
+                </a:solidFill>
+                <a:latin typeface="Arial"/>
+                <a:cs typeface="Arial"/>
+              </a:rPr>
+              <a:t> R. Andersen</a:t>
+            </a:r>
           </a:p>
         </p:txBody>
       </p:sp>
     </p:spTree>
     <p:extLst>
       <p:ext uri="{BB962C8B-B14F-4D97-AF65-F5344CB8AC3E}">
-        <p14:creationId xmlns:p14="http://schemas.microsoft.com/office/powerpoint/2010/main" val="1887267618"/>
+        <p14:creationId xmlns:p14="http://schemas.microsoft.com/office/powerpoint/2010/main" val="2990410965"/>
       </p:ext>
     </p:extLst>
   </p:cSld>
   <p:clrMapOvr>
     <a:masterClrMapping/>
   </p:clrMapOvr>
-  <mc:AlternateContent xmlns:mc="http://schemas.openxmlformats.org/markup-compatibility/2006">
-    <mc:Choice xmlns:p14="http://schemas.microsoft.com/office/powerpoint/2010/main" Requires="p14">
+  <mc:AlternateContent xmlns:mc="http://schemas.openxmlformats.org/markup-compatibility/2006" xmlns:p14="http://schemas.microsoft.com/office/powerpoint/2010/main">
+    <mc:Choice Requires="p14">
       <p:transition p14:dur="250">
         <p:fade/>
       </p:transition>
     </mc:Choice>
-    <mc:Fallback>
+    <mc:Fallback xmlns="">
       <p:transition>
         <p:fade/>
       </p:transition>
@@ -7176,6 +8506,664 @@
       <p:sp>
         <p:nvSpPr>
           <p:cNvPr id="2" name="object 2"/>
+          <p:cNvSpPr txBox="1"/>
+          <p:nvPr/>
+        </p:nvSpPr>
+        <p:spPr>
+          <a:xfrm>
+            <a:off x="2150300" y="562801"/>
+            <a:ext cx="6231700" cy="368935"/>
+          </a:xfrm>
+          <a:prstGeom prst="rect">
+            <a:avLst/>
+          </a:prstGeom>
+        </p:spPr>
+        <p:txBody>
+          <a:bodyPr vert="horz" wrap="square" lIns="0" tIns="0" rIns="0" bIns="0" rtlCol="0">
+            <a:noAutofit/>
+          </a:bodyPr>
+          <a:lstStyle/>
+          <a:p>
+            <a:pPr marL="12700">
+              <a:tabLst>
+                <a:tab pos="1641475" algn="l"/>
+                <a:tab pos="2152650" algn="l"/>
+                <a:tab pos="3412490" algn="l"/>
+              </a:tabLst>
+            </a:pPr>
+            <a:r>
+              <a:rPr lang="en-GB" sz="2400" kern="0" cap="all" spc="200" dirty="0" err="1" smtClean="0">
+                <a:solidFill>
+                  <a:schemeClr val="tx2">
+                    <a:lumMod val="50000"/>
+                  </a:schemeClr>
+                </a:solidFill>
+                <a:latin typeface="Arial"/>
+                <a:cs typeface="Arial"/>
+              </a:rPr>
+              <a:t>TeST</a:t>
+            </a:r>
+            <a:endParaRPr sz="2400" kern="0" cap="all" spc="200" dirty="0">
+              <a:solidFill>
+                <a:schemeClr val="tx2">
+                  <a:lumMod val="50000"/>
+                </a:schemeClr>
+              </a:solidFill>
+              <a:latin typeface="Arial"/>
+              <a:cs typeface="Arial"/>
+            </a:endParaRPr>
+          </a:p>
+        </p:txBody>
+      </p:sp>
+      <p:sp>
+        <p:nvSpPr>
+          <p:cNvPr id="3" name="object 3"/>
+          <p:cNvSpPr txBox="1"/>
+          <p:nvPr/>
+        </p:nvSpPr>
+        <p:spPr>
+          <a:xfrm>
+            <a:off x="2150300" y="1155200"/>
+            <a:ext cx="6231700" cy="4074001"/>
+          </a:xfrm>
+          <a:prstGeom prst="rect">
+            <a:avLst/>
+          </a:prstGeom>
+        </p:spPr>
+        <p:txBody>
+          <a:bodyPr vert="horz" wrap="square" lIns="0" tIns="0" rIns="0" bIns="0" rtlCol="0">
+            <a:noAutofit/>
+          </a:bodyPr>
+          <a:lstStyle/>
+          <a:p>
+            <a:pPr marL="12700"/>
+            <a:r>
+              <a:rPr lang="en-GB" b="1" cap="all" spc="200" dirty="0" smtClean="0">
+                <a:solidFill>
+                  <a:schemeClr val="accent1">
+                    <a:lumMod val="75000"/>
+                  </a:schemeClr>
+                </a:solidFill>
+                <a:latin typeface="Arial"/>
+                <a:cs typeface="Arial"/>
+              </a:rPr>
+              <a:t>TEST</a:t>
+            </a:r>
+          </a:p>
+          <a:p>
+            <a:pPr marL="12700"/>
+            <a:r>
+              <a:rPr lang="en-GB" sz="1600" cap="all" spc="200" dirty="0" err="1" smtClean="0">
+                <a:solidFill>
+                  <a:schemeClr val="accent1">
+                    <a:lumMod val="75000"/>
+                  </a:schemeClr>
+                </a:solidFill>
+                <a:latin typeface="Arial"/>
+                <a:cs typeface="Arial"/>
+              </a:rPr>
+              <a:t>TeST</a:t>
+            </a:r>
+            <a:endParaRPr lang="en-GB" sz="1600" cap="all" spc="200" dirty="0">
+              <a:solidFill>
+                <a:schemeClr val="accent1">
+                  <a:lumMod val="75000"/>
+                </a:schemeClr>
+              </a:solidFill>
+              <a:latin typeface="Arial"/>
+              <a:cs typeface="Arial"/>
+            </a:endParaRPr>
+          </a:p>
+        </p:txBody>
+      </p:sp>
+      <p:sp>
+        <p:nvSpPr>
+          <p:cNvPr id="9" name="object 7"/>
+          <p:cNvSpPr txBox="1"/>
+          <p:nvPr/>
+        </p:nvSpPr>
+        <p:spPr>
+          <a:xfrm>
+            <a:off x="4267200" y="6137889"/>
+            <a:ext cx="3682706" cy="294005"/>
+          </a:xfrm>
+          <a:prstGeom prst="rect">
+            <a:avLst/>
+          </a:prstGeom>
+        </p:spPr>
+        <p:txBody>
+          <a:bodyPr vert="horz" wrap="square" lIns="0" tIns="0" rIns="0" bIns="0" rtlCol="0">
+            <a:noAutofit/>
+          </a:bodyPr>
+          <a:lstStyle/>
+          <a:p>
+            <a:pPr algn="ctr">
+              <a:lnSpc>
+                <a:spcPct val="100000"/>
+              </a:lnSpc>
+            </a:pPr>
+            <a:r>
+              <a:rPr lang="da-DK" sz="850" b="1" kern="0" cap="all" spc="200" dirty="0">
+                <a:solidFill>
+                  <a:schemeClr val="tx1">
+                    <a:lumMod val="50000"/>
+                    <a:lumOff val="50000"/>
+                  </a:schemeClr>
+                </a:solidFill>
+                <a:latin typeface="Arial"/>
+                <a:cs typeface="Arial"/>
+              </a:rPr>
+              <a:t>Department of computer science</a:t>
+            </a:r>
+            <a:endParaRPr sz="850" b="1" kern="0" cap="all" spc="200" dirty="0">
+              <a:solidFill>
+                <a:schemeClr val="tx1">
+                  <a:lumMod val="50000"/>
+                  <a:lumOff val="50000"/>
+                </a:schemeClr>
+              </a:solidFill>
+              <a:latin typeface="Arial"/>
+              <a:cs typeface="Arial"/>
+            </a:endParaRPr>
+          </a:p>
+          <a:p>
+            <a:pPr marR="20320" algn="ctr">
+              <a:spcBef>
+                <a:spcPts val="180"/>
+              </a:spcBef>
+            </a:pPr>
+            <a:r>
+              <a:rPr sz="850" kern="0" cap="all" spc="200" dirty="0">
+                <a:solidFill>
+                  <a:schemeClr val="tx1">
+                    <a:lumMod val="50000"/>
+                    <a:lumOff val="50000"/>
+                  </a:schemeClr>
+                </a:solidFill>
+                <a:latin typeface="Arial"/>
+                <a:cs typeface="Arial"/>
+              </a:rPr>
+              <a:t>AALBORG</a:t>
+            </a:r>
+            <a:r>
+              <a:rPr lang="da-DK" sz="850" kern="0" cap="all" spc="200" dirty="0">
+                <a:solidFill>
+                  <a:schemeClr val="tx1">
+                    <a:lumMod val="50000"/>
+                    <a:lumOff val="50000"/>
+                  </a:schemeClr>
+                </a:solidFill>
+                <a:latin typeface="Arial"/>
+                <a:cs typeface="Arial"/>
+              </a:rPr>
+              <a:t> UNIVERSITy</a:t>
+            </a:r>
+            <a:endParaRPr sz="850" kern="0" cap="all" spc="200" dirty="0">
+              <a:solidFill>
+                <a:schemeClr val="tx1">
+                  <a:lumMod val="50000"/>
+                  <a:lumOff val="50000"/>
+                </a:schemeClr>
+              </a:solidFill>
+              <a:latin typeface="Arial"/>
+              <a:cs typeface="Arial"/>
+            </a:endParaRPr>
+          </a:p>
+        </p:txBody>
+      </p:sp>
+      <p:sp>
+        <p:nvSpPr>
+          <p:cNvPr id="7" name="TextBox 6"/>
+          <p:cNvSpPr txBox="1"/>
+          <p:nvPr/>
+        </p:nvSpPr>
+        <p:spPr>
+          <a:xfrm>
+            <a:off x="7148752" y="181694"/>
+            <a:ext cx="4829888" cy="861774"/>
+          </a:xfrm>
+          <a:prstGeom prst="rect">
+            <a:avLst/>
+          </a:prstGeom>
+          <a:noFill/>
+        </p:spPr>
+        <p:txBody>
+          <a:bodyPr wrap="square" numCol="2" rtlCol="0">
+            <a:spAutoFit/>
+          </a:bodyPr>
+          <a:lstStyle/>
+          <a:p>
+            <a:pPr marL="12700"/>
+            <a:r>
+              <a:rPr lang="en-GB" sz="1000" b="1" cap="all" spc="200" dirty="0">
+                <a:solidFill>
+                  <a:schemeClr val="accent1">
+                    <a:lumMod val="75000"/>
+                    <a:alpha val="50000"/>
+                  </a:schemeClr>
+                </a:solidFill>
+                <a:latin typeface="Arial"/>
+                <a:cs typeface="Arial"/>
+              </a:rPr>
+              <a:t>Motivation</a:t>
+            </a:r>
+            <a:endParaRPr lang="da-DK" sz="1000" b="1" cap="all" spc="200" dirty="0">
+              <a:solidFill>
+                <a:schemeClr val="accent1">
+                  <a:lumMod val="75000"/>
+                  <a:alpha val="50000"/>
+                </a:schemeClr>
+              </a:solidFill>
+              <a:latin typeface="Arial"/>
+              <a:cs typeface="Arial"/>
+            </a:endParaRPr>
+          </a:p>
+          <a:p>
+            <a:pPr marL="12700"/>
+            <a:r>
+              <a:rPr lang="en-GB" sz="1000" b="1" cap="all" spc="200" dirty="0">
+                <a:solidFill>
+                  <a:schemeClr val="accent1">
+                    <a:lumMod val="75000"/>
+                    <a:alpha val="50000"/>
+                  </a:schemeClr>
+                </a:solidFill>
+                <a:latin typeface="Arial"/>
+                <a:cs typeface="Arial"/>
+              </a:rPr>
+              <a:t>Concept</a:t>
+            </a:r>
+            <a:endParaRPr lang="da-DK" sz="1000" b="1" cap="all" spc="200" dirty="0">
+              <a:solidFill>
+                <a:schemeClr val="accent1">
+                  <a:lumMod val="75000"/>
+                  <a:alpha val="50000"/>
+                </a:schemeClr>
+              </a:solidFill>
+              <a:latin typeface="Arial"/>
+              <a:cs typeface="Arial"/>
+            </a:endParaRPr>
+          </a:p>
+          <a:p>
+            <a:pPr marL="12700"/>
+            <a:r>
+              <a:rPr lang="en-GB" sz="1000" b="1" cap="all" spc="200" dirty="0">
+                <a:solidFill>
+                  <a:schemeClr val="accent1">
+                    <a:lumMod val="75000"/>
+                  </a:schemeClr>
+                </a:solidFill>
+                <a:latin typeface="Arial"/>
+                <a:cs typeface="Arial"/>
+              </a:rPr>
+              <a:t>App design</a:t>
+            </a:r>
+          </a:p>
+          <a:p>
+            <a:pPr marL="12700"/>
+            <a:r>
+              <a:rPr lang="en-GB" sz="1000" b="1" cap="all" spc="200" dirty="0" smtClean="0">
+                <a:solidFill>
+                  <a:schemeClr val="accent1">
+                    <a:lumMod val="75000"/>
+                    <a:alpha val="50000"/>
+                  </a:schemeClr>
+                </a:solidFill>
+                <a:latin typeface="Arial"/>
+                <a:cs typeface="Arial"/>
+              </a:rPr>
+              <a:t>App implementation</a:t>
+            </a:r>
+            <a:r>
+              <a:rPr lang="da-DK" sz="1000" b="1" cap="all" spc="200" dirty="0" smtClean="0">
+                <a:solidFill>
+                  <a:schemeClr val="accent1">
+                    <a:lumMod val="75000"/>
+                    <a:alpha val="50000"/>
+                  </a:schemeClr>
+                </a:solidFill>
+                <a:latin typeface="Arial"/>
+                <a:cs typeface="Arial"/>
+              </a:rPr>
+              <a:t> </a:t>
+            </a:r>
+          </a:p>
+          <a:p>
+            <a:pPr marL="12700"/>
+            <a:endParaRPr lang="da-DK" sz="1000" b="1" cap="all" spc="200" dirty="0">
+              <a:solidFill>
+                <a:schemeClr val="accent1">
+                  <a:lumMod val="75000"/>
+                  <a:alpha val="50000"/>
+                </a:schemeClr>
+              </a:solidFill>
+              <a:latin typeface="Arial"/>
+              <a:cs typeface="Arial"/>
+            </a:endParaRPr>
+          </a:p>
+          <a:p>
+            <a:pPr marL="12700"/>
+            <a:r>
+              <a:rPr lang="en-GB" sz="1000" b="1" cap="all" spc="200" dirty="0" smtClean="0">
+                <a:solidFill>
+                  <a:schemeClr val="accent1">
+                    <a:lumMod val="75000"/>
+                    <a:alpha val="50000"/>
+                  </a:schemeClr>
+                </a:solidFill>
+                <a:latin typeface="Arial"/>
+                <a:cs typeface="Arial"/>
+              </a:rPr>
+              <a:t>Website</a:t>
+            </a:r>
+            <a:endParaRPr lang="da-DK" sz="1000" b="1" cap="all" spc="200" dirty="0">
+              <a:solidFill>
+                <a:schemeClr val="accent1">
+                  <a:lumMod val="75000"/>
+                  <a:alpha val="50000"/>
+                </a:schemeClr>
+              </a:solidFill>
+              <a:latin typeface="Arial"/>
+              <a:cs typeface="Arial"/>
+            </a:endParaRPr>
+          </a:p>
+          <a:p>
+            <a:pPr marL="12700"/>
+            <a:r>
+              <a:rPr lang="da-DK" sz="1000" b="1" cap="all" spc="200" dirty="0" smtClean="0">
+                <a:solidFill>
+                  <a:schemeClr val="accent1">
+                    <a:lumMod val="75000"/>
+                    <a:alpha val="50000"/>
+                  </a:schemeClr>
+                </a:solidFill>
+                <a:latin typeface="Arial"/>
+                <a:cs typeface="Arial"/>
+              </a:rPr>
+              <a:t>Server </a:t>
+            </a:r>
+            <a:r>
+              <a:rPr lang="da-DK" sz="1000" b="1" cap="all" spc="200" dirty="0" err="1" smtClean="0">
+                <a:solidFill>
+                  <a:schemeClr val="accent1">
+                    <a:lumMod val="75000"/>
+                    <a:alpha val="50000"/>
+                  </a:schemeClr>
+                </a:solidFill>
+                <a:latin typeface="Arial"/>
+                <a:cs typeface="Arial"/>
+              </a:rPr>
+              <a:t>Communication</a:t>
+            </a:r>
+            <a:endParaRPr lang="da-DK" sz="1000" b="1" cap="all" spc="200" dirty="0" smtClean="0">
+              <a:solidFill>
+                <a:schemeClr val="accent1">
+                  <a:lumMod val="75000"/>
+                  <a:alpha val="50000"/>
+                </a:schemeClr>
+              </a:solidFill>
+              <a:latin typeface="Arial"/>
+              <a:cs typeface="Arial"/>
+            </a:endParaRPr>
+          </a:p>
+          <a:p>
+            <a:pPr marL="12700"/>
+            <a:r>
+              <a:rPr lang="en-GB" sz="1000" b="1" cap="all" spc="200" dirty="0" smtClean="0">
+                <a:solidFill>
+                  <a:schemeClr val="accent1">
+                    <a:lumMod val="75000"/>
+                    <a:alpha val="50000"/>
+                  </a:schemeClr>
+                </a:solidFill>
+                <a:latin typeface="Arial"/>
+                <a:cs typeface="Arial"/>
+              </a:rPr>
+              <a:t>Results and findings</a:t>
+            </a:r>
+          </a:p>
+          <a:p>
+            <a:pPr marL="12700"/>
+            <a:r>
+              <a:rPr lang="en-GB" sz="1000" b="1" cap="all" spc="200" dirty="0" smtClean="0">
+                <a:solidFill>
+                  <a:schemeClr val="accent1">
+                    <a:lumMod val="75000"/>
+                    <a:alpha val="50000"/>
+                  </a:schemeClr>
+                </a:solidFill>
+                <a:latin typeface="Arial"/>
+                <a:cs typeface="Arial"/>
+              </a:rPr>
+              <a:t>Demonstration</a:t>
+            </a:r>
+            <a:endParaRPr lang="da-DK" sz="1000" b="1" cap="all" spc="200" dirty="0">
+              <a:solidFill>
+                <a:schemeClr val="accent1">
+                  <a:lumMod val="75000"/>
+                  <a:alpha val="50000"/>
+                </a:schemeClr>
+              </a:solidFill>
+              <a:latin typeface="Arial"/>
+              <a:cs typeface="Arial"/>
+            </a:endParaRPr>
+          </a:p>
+          <a:p>
+            <a:endParaRPr lang="da-DK" sz="1000" dirty="0"/>
+          </a:p>
+        </p:txBody>
+      </p:sp>
+      <p:sp>
+        <p:nvSpPr>
+          <p:cNvPr id="10" name="object 4"/>
+          <p:cNvSpPr txBox="1">
+            <a:spLocks/>
+          </p:cNvSpPr>
+          <p:nvPr/>
+        </p:nvSpPr>
+        <p:spPr>
+          <a:xfrm>
+            <a:off x="4064146" y="5952020"/>
+            <a:ext cx="4343400" cy="143981"/>
+          </a:xfrm>
+          <a:prstGeom prst="rect">
+            <a:avLst/>
+          </a:prstGeom>
+        </p:spPr>
+        <p:txBody>
+          <a:bodyPr vert="horz" wrap="square" lIns="0" tIns="0" rIns="0" bIns="0" rtlCol="0" anchor="ctr">
+            <a:noAutofit/>
+          </a:bodyPr>
+          <a:lstStyle>
+            <a:defPPr>
+              <a:defRPr lang="da-DK"/>
+            </a:defPPr>
+            <a:lvl1pPr marL="0" algn="ctr" defTabSz="914400" rtl="0" eaLnBrk="1" latinLnBrk="0" hangingPunct="1">
+              <a:defRPr sz="1200" kern="1200">
+                <a:solidFill>
+                  <a:schemeClr val="tx1">
+                    <a:tint val="75000"/>
+                  </a:schemeClr>
+                </a:solidFill>
+                <a:latin typeface="+mn-lt"/>
+                <a:ea typeface="+mn-ea"/>
+                <a:cs typeface="+mn-cs"/>
+              </a:defRPr>
+            </a:lvl1pPr>
+            <a:lvl2pPr marL="457200" algn="l" defTabSz="914400" rtl="0" eaLnBrk="1" latinLnBrk="0" hangingPunct="1">
+              <a:defRPr sz="1800" kern="1200">
+                <a:solidFill>
+                  <a:schemeClr val="tx1"/>
+                </a:solidFill>
+                <a:latin typeface="+mn-lt"/>
+                <a:ea typeface="+mn-ea"/>
+                <a:cs typeface="+mn-cs"/>
+              </a:defRPr>
+            </a:lvl2pPr>
+            <a:lvl3pPr marL="914400" algn="l" defTabSz="914400" rtl="0" eaLnBrk="1" latinLnBrk="0" hangingPunct="1">
+              <a:defRPr sz="1800" kern="1200">
+                <a:solidFill>
+                  <a:schemeClr val="tx1"/>
+                </a:solidFill>
+                <a:latin typeface="+mn-lt"/>
+                <a:ea typeface="+mn-ea"/>
+                <a:cs typeface="+mn-cs"/>
+              </a:defRPr>
+            </a:lvl3pPr>
+            <a:lvl4pPr marL="1371600" algn="l" defTabSz="914400" rtl="0" eaLnBrk="1" latinLnBrk="0" hangingPunct="1">
+              <a:defRPr sz="1800" kern="1200">
+                <a:solidFill>
+                  <a:schemeClr val="tx1"/>
+                </a:solidFill>
+                <a:latin typeface="+mn-lt"/>
+                <a:ea typeface="+mn-ea"/>
+                <a:cs typeface="+mn-cs"/>
+              </a:defRPr>
+            </a:lvl4pPr>
+            <a:lvl5pPr marL="1828800" algn="l" defTabSz="914400" rtl="0" eaLnBrk="1" latinLnBrk="0" hangingPunct="1">
+              <a:defRPr sz="1800" kern="1200">
+                <a:solidFill>
+                  <a:schemeClr val="tx1"/>
+                </a:solidFill>
+                <a:latin typeface="+mn-lt"/>
+                <a:ea typeface="+mn-ea"/>
+                <a:cs typeface="+mn-cs"/>
+              </a:defRPr>
+            </a:lvl5pPr>
+            <a:lvl6pPr marL="2286000" algn="l" defTabSz="914400" rtl="0" eaLnBrk="1" latinLnBrk="0" hangingPunct="1">
+              <a:defRPr sz="1800" kern="1200">
+                <a:solidFill>
+                  <a:schemeClr val="tx1"/>
+                </a:solidFill>
+                <a:latin typeface="+mn-lt"/>
+                <a:ea typeface="+mn-ea"/>
+                <a:cs typeface="+mn-cs"/>
+              </a:defRPr>
+            </a:lvl6pPr>
+            <a:lvl7pPr marL="2743200" algn="l" defTabSz="914400" rtl="0" eaLnBrk="1" latinLnBrk="0" hangingPunct="1">
+              <a:defRPr sz="1800" kern="1200">
+                <a:solidFill>
+                  <a:schemeClr val="tx1"/>
+                </a:solidFill>
+                <a:latin typeface="+mn-lt"/>
+                <a:ea typeface="+mn-ea"/>
+                <a:cs typeface="+mn-cs"/>
+              </a:defRPr>
+            </a:lvl7pPr>
+            <a:lvl8pPr marL="3200400" algn="l" defTabSz="914400" rtl="0" eaLnBrk="1" latinLnBrk="0" hangingPunct="1">
+              <a:defRPr sz="1800" kern="1200">
+                <a:solidFill>
+                  <a:schemeClr val="tx1"/>
+                </a:solidFill>
+                <a:latin typeface="+mn-lt"/>
+                <a:ea typeface="+mn-ea"/>
+                <a:cs typeface="+mn-cs"/>
+              </a:defRPr>
+            </a:lvl8pPr>
+            <a:lvl9pPr marL="3657600" algn="l" defTabSz="914400" rtl="0" eaLnBrk="1" latinLnBrk="0" hangingPunct="1">
+              <a:defRPr sz="1800" kern="1200">
+                <a:solidFill>
+                  <a:schemeClr val="tx1"/>
+                </a:solidFill>
+                <a:latin typeface="+mn-lt"/>
+                <a:ea typeface="+mn-ea"/>
+                <a:cs typeface="+mn-cs"/>
+              </a:defRPr>
+            </a:lvl9pPr>
+          </a:lstStyle>
+          <a:p>
+            <a:pPr marL="12700"/>
+            <a:r>
+              <a:rPr lang="da-DK" sz="850" b="1" kern="0" cap="all" spc="200" dirty="0" smtClean="0">
+                <a:solidFill>
+                  <a:schemeClr val="tx1">
+                    <a:lumMod val="50000"/>
+                    <a:lumOff val="50000"/>
+                  </a:schemeClr>
+                </a:solidFill>
+                <a:latin typeface="Arial"/>
+                <a:cs typeface="Arial"/>
+              </a:rPr>
+              <a:t>10 OF 17  | </a:t>
+            </a:r>
+            <a:r>
+              <a:rPr lang="da-DK" sz="850" b="1" kern="0" spc="200" dirty="0" smtClean="0">
+                <a:solidFill>
+                  <a:schemeClr val="tx1">
+                    <a:lumMod val="50000"/>
+                    <a:lumOff val="50000"/>
+                  </a:schemeClr>
+                </a:solidFill>
+                <a:latin typeface="Arial"/>
+                <a:cs typeface="Arial"/>
+              </a:rPr>
+              <a:t>15.02.2014</a:t>
+            </a:r>
+            <a:endParaRPr lang="da-DK" sz="850" kern="0" cap="all" spc="200" dirty="0">
+              <a:solidFill>
+                <a:schemeClr val="tx1">
+                  <a:lumMod val="50000"/>
+                  <a:lumOff val="50000"/>
+                </a:schemeClr>
+              </a:solidFill>
+              <a:latin typeface="Arial"/>
+              <a:cs typeface="Arial"/>
+            </a:endParaRPr>
+          </a:p>
+        </p:txBody>
+      </p:sp>
+    </p:spTree>
+    <p:extLst>
+      <p:ext uri="{BB962C8B-B14F-4D97-AF65-F5344CB8AC3E}">
+        <p14:creationId xmlns:p14="http://schemas.microsoft.com/office/powerpoint/2010/main" val="3172731798"/>
+      </p:ext>
+    </p:extLst>
+  </p:cSld>
+  <p:clrMapOvr>
+    <a:masterClrMapping/>
+  </p:clrMapOvr>
+  <mc:AlternateContent xmlns:mc="http://schemas.openxmlformats.org/markup-compatibility/2006" xmlns:p14="http://schemas.microsoft.com/office/powerpoint/2010/main">
+    <mc:Choice Requires="p14">
+      <p:transition p14:dur="250">
+        <p:fade/>
+      </p:transition>
+    </mc:Choice>
+    <mc:Fallback xmlns="">
+      <p:transition>
+        <p:fade/>
+      </p:transition>
+    </mc:Fallback>
+  </mc:AlternateContent>
+  <p:timing>
+    <p:tnLst>
+      <p:par>
+        <p:cTn id="1" dur="indefinite" restart="never" nodeType="tmRoot"/>
+      </p:par>
+    </p:tnLst>
+  </p:timing>
+</p:sld>
+</file>
+
+<file path=ppt/slides/slide18.xml><?xml version="1.0" encoding="utf-8"?>
+<p:sld xmlns:a="http://schemas.openxmlformats.org/drawingml/2006/main" xmlns:r="http://schemas.openxmlformats.org/officeDocument/2006/relationships" xmlns:p="http://schemas.openxmlformats.org/presentationml/2006/main">
+  <p:cSld>
+    <p:spTree>
+      <p:nvGrpSpPr>
+        <p:cNvPr id="1" name=""/>
+        <p:cNvGrpSpPr/>
+        <p:nvPr/>
+      </p:nvGrpSpPr>
+      <p:grpSpPr>
+        <a:xfrm>
+          <a:off x="0" y="0"/>
+          <a:ext cx="0" cy="0"/>
+          <a:chOff x="0" y="0"/>
+          <a:chExt cx="0" cy="0"/>
+        </a:xfrm>
+      </p:grpSpPr>
+      <p:sp>
+        <p:nvSpPr>
+          <p:cNvPr id="2" name="object 2"/>
           <p:cNvSpPr txBox="1">
             <a:spLocks noGrp="1"/>
           </p:cNvSpPr>
@@ -7216,7 +9204,7 @@
                 <a:latin typeface="Arial"/>
                 <a:cs typeface="Arial"/>
               </a:rPr>
-              <a:t>Live Demo</a:t>
+              <a:t>Website</a:t>
             </a:r>
             <a:endParaRPr sz="3600" b="1" dirty="0">
               <a:solidFill>
@@ -7283,7 +9271,7 @@
           <a:p>
             <a:pPr marR="28575" algn="ctr"/>
             <a:r>
-              <a:rPr lang="en-US" sz="1200" kern="0" cap="all" spc="200" dirty="0" err="1" smtClean="0">
+              <a:rPr lang="en-US" sz="1200" kern="0" cap="all" spc="200" dirty="0" smtClean="0">
                 <a:solidFill>
                   <a:schemeClr val="tx2">
                     <a:lumMod val="50000"/>
@@ -7292,10 +9280,10 @@
                 <a:latin typeface="Arial"/>
                 <a:cs typeface="Arial"/>
               </a:rPr>
-              <a:t>Nicklas</a:t>
-            </a:r>
-            <a:r>
-              <a:rPr lang="en-US" sz="1200" kern="0" cap="all" spc="200" dirty="0" smtClean="0">
+              <a:t>Henrik </a:t>
+            </a:r>
+            <a:r>
+              <a:rPr lang="en-US" sz="1200" kern="0" cap="all" spc="200" dirty="0" err="1" smtClean="0">
                 <a:solidFill>
                   <a:schemeClr val="tx2">
                     <a:lumMod val="50000"/>
@@ -7304,19 +9292,7 @@
                 <a:latin typeface="Arial"/>
                 <a:cs typeface="Arial"/>
               </a:rPr>
-              <a:t> and </a:t>
-            </a:r>
-            <a:r>
-              <a:rPr lang="en-US" sz="1200" kern="0" cap="all" spc="200" dirty="0" err="1" smtClean="0">
-                <a:solidFill>
-                  <a:schemeClr val="tx2">
-                    <a:lumMod val="50000"/>
-                  </a:schemeClr>
-                </a:solidFill>
-                <a:latin typeface="Arial"/>
-                <a:cs typeface="Arial"/>
-              </a:rPr>
-              <a:t>Jesper</a:t>
+              <a:t>Klarup</a:t>
             </a:r>
             <a:endParaRPr lang="en-US" sz="1200" kern="0" cap="all" spc="200" dirty="0" smtClean="0">
               <a:solidFill>
@@ -7333,20 +9309,677 @@
     </p:spTree>
     <p:extLst>
       <p:ext uri="{BB962C8B-B14F-4D97-AF65-F5344CB8AC3E}">
-        <p14:creationId xmlns:p14="http://schemas.microsoft.com/office/powerpoint/2010/main" val="2595525755"/>
+        <p14:creationId xmlns:p14="http://schemas.microsoft.com/office/powerpoint/2010/main" val="1153607243"/>
       </p:ext>
     </p:extLst>
   </p:cSld>
   <p:clrMapOvr>
     <a:masterClrMapping/>
   </p:clrMapOvr>
-  <mc:AlternateContent xmlns:mc="http://schemas.openxmlformats.org/markup-compatibility/2006">
-    <mc:Choice xmlns:p14="http://schemas.microsoft.com/office/powerpoint/2010/main" Requires="p14">
+  <mc:AlternateContent xmlns:mc="http://schemas.openxmlformats.org/markup-compatibility/2006" xmlns:p14="http://schemas.microsoft.com/office/powerpoint/2010/main">
+    <mc:Choice Requires="p14">
       <p:transition p14:dur="250">
         <p:fade/>
       </p:transition>
     </mc:Choice>
-    <mc:Fallback>
+    <mc:Fallback xmlns="">
+      <p:transition>
+        <p:fade/>
+      </p:transition>
+    </mc:Fallback>
+  </mc:AlternateContent>
+  <p:timing>
+    <p:tnLst>
+      <p:par>
+        <p:cTn id="1" dur="indefinite" restart="never" nodeType="tmRoot"/>
+      </p:par>
+    </p:tnLst>
+  </p:timing>
+</p:sld>
+</file>
+
+<file path=ppt/slides/slide19.xml><?xml version="1.0" encoding="utf-8"?>
+<p:sld xmlns:a="http://schemas.openxmlformats.org/drawingml/2006/main" xmlns:r="http://schemas.openxmlformats.org/officeDocument/2006/relationships" xmlns:p="http://schemas.openxmlformats.org/presentationml/2006/main">
+  <p:cSld>
+    <p:spTree>
+      <p:nvGrpSpPr>
+        <p:cNvPr id="1" name=""/>
+        <p:cNvGrpSpPr/>
+        <p:nvPr/>
+      </p:nvGrpSpPr>
+      <p:grpSpPr>
+        <a:xfrm>
+          <a:off x="0" y="0"/>
+          <a:ext cx="0" cy="0"/>
+          <a:chOff x="0" y="0"/>
+          <a:chExt cx="0" cy="0"/>
+        </a:xfrm>
+      </p:grpSpPr>
+      <p:sp>
+        <p:nvSpPr>
+          <p:cNvPr id="2" name="object 2"/>
+          <p:cNvSpPr txBox="1"/>
+          <p:nvPr/>
+        </p:nvSpPr>
+        <p:spPr>
+          <a:xfrm>
+            <a:off x="2150300" y="562801"/>
+            <a:ext cx="6231700" cy="368935"/>
+          </a:xfrm>
+          <a:prstGeom prst="rect">
+            <a:avLst/>
+          </a:prstGeom>
+        </p:spPr>
+        <p:txBody>
+          <a:bodyPr vert="horz" wrap="square" lIns="0" tIns="0" rIns="0" bIns="0" rtlCol="0">
+            <a:noAutofit/>
+          </a:bodyPr>
+          <a:lstStyle/>
+          <a:p>
+            <a:pPr marL="12700">
+              <a:tabLst>
+                <a:tab pos="1641475" algn="l"/>
+                <a:tab pos="2152650" algn="l"/>
+                <a:tab pos="3412490" algn="l"/>
+              </a:tabLst>
+            </a:pPr>
+            <a:r>
+              <a:rPr lang="en-GB" sz="2400" kern="0" cap="all" spc="200" dirty="0" err="1" smtClean="0">
+                <a:solidFill>
+                  <a:schemeClr val="tx2">
+                    <a:lumMod val="50000"/>
+                  </a:schemeClr>
+                </a:solidFill>
+                <a:latin typeface="Arial"/>
+                <a:cs typeface="Arial"/>
+              </a:rPr>
+              <a:t>TeST</a:t>
+            </a:r>
+            <a:endParaRPr sz="2400" kern="0" cap="all" spc="200" dirty="0">
+              <a:solidFill>
+                <a:schemeClr val="tx2">
+                  <a:lumMod val="50000"/>
+                </a:schemeClr>
+              </a:solidFill>
+              <a:latin typeface="Arial"/>
+              <a:cs typeface="Arial"/>
+            </a:endParaRPr>
+          </a:p>
+        </p:txBody>
+      </p:sp>
+      <p:sp>
+        <p:nvSpPr>
+          <p:cNvPr id="3" name="object 3"/>
+          <p:cNvSpPr txBox="1"/>
+          <p:nvPr/>
+        </p:nvSpPr>
+        <p:spPr>
+          <a:xfrm>
+            <a:off x="2150300" y="1155200"/>
+            <a:ext cx="6231700" cy="4074001"/>
+          </a:xfrm>
+          <a:prstGeom prst="rect">
+            <a:avLst/>
+          </a:prstGeom>
+        </p:spPr>
+        <p:txBody>
+          <a:bodyPr vert="horz" wrap="square" lIns="0" tIns="0" rIns="0" bIns="0" rtlCol="0">
+            <a:noAutofit/>
+          </a:bodyPr>
+          <a:lstStyle/>
+          <a:p>
+            <a:pPr marL="12700"/>
+            <a:r>
+              <a:rPr lang="en-GB" b="1" cap="all" spc="200" dirty="0" smtClean="0">
+                <a:solidFill>
+                  <a:schemeClr val="accent1">
+                    <a:lumMod val="75000"/>
+                  </a:schemeClr>
+                </a:solidFill>
+                <a:latin typeface="Arial"/>
+                <a:cs typeface="Arial"/>
+              </a:rPr>
+              <a:t>TEST</a:t>
+            </a:r>
+          </a:p>
+          <a:p>
+            <a:pPr marL="12700"/>
+            <a:r>
+              <a:rPr lang="en-GB" sz="1600" cap="all" spc="200" dirty="0" err="1" smtClean="0">
+                <a:solidFill>
+                  <a:schemeClr val="accent1">
+                    <a:lumMod val="75000"/>
+                  </a:schemeClr>
+                </a:solidFill>
+                <a:latin typeface="Arial"/>
+                <a:cs typeface="Arial"/>
+              </a:rPr>
+              <a:t>TeST</a:t>
+            </a:r>
+            <a:endParaRPr lang="en-GB" sz="1600" cap="all" spc="200" dirty="0">
+              <a:solidFill>
+                <a:schemeClr val="accent1">
+                  <a:lumMod val="75000"/>
+                </a:schemeClr>
+              </a:solidFill>
+              <a:latin typeface="Arial"/>
+              <a:cs typeface="Arial"/>
+            </a:endParaRPr>
+          </a:p>
+        </p:txBody>
+      </p:sp>
+      <p:sp>
+        <p:nvSpPr>
+          <p:cNvPr id="9" name="object 7"/>
+          <p:cNvSpPr txBox="1"/>
+          <p:nvPr/>
+        </p:nvSpPr>
+        <p:spPr>
+          <a:xfrm>
+            <a:off x="4267200" y="6137889"/>
+            <a:ext cx="3682706" cy="294005"/>
+          </a:xfrm>
+          <a:prstGeom prst="rect">
+            <a:avLst/>
+          </a:prstGeom>
+        </p:spPr>
+        <p:txBody>
+          <a:bodyPr vert="horz" wrap="square" lIns="0" tIns="0" rIns="0" bIns="0" rtlCol="0">
+            <a:noAutofit/>
+          </a:bodyPr>
+          <a:lstStyle/>
+          <a:p>
+            <a:pPr algn="ctr">
+              <a:lnSpc>
+                <a:spcPct val="100000"/>
+              </a:lnSpc>
+            </a:pPr>
+            <a:r>
+              <a:rPr lang="da-DK" sz="850" b="1" kern="0" cap="all" spc="200" dirty="0">
+                <a:solidFill>
+                  <a:schemeClr val="tx1">
+                    <a:lumMod val="50000"/>
+                    <a:lumOff val="50000"/>
+                  </a:schemeClr>
+                </a:solidFill>
+                <a:latin typeface="Arial"/>
+                <a:cs typeface="Arial"/>
+              </a:rPr>
+              <a:t>Department of computer science</a:t>
+            </a:r>
+            <a:endParaRPr sz="850" b="1" kern="0" cap="all" spc="200" dirty="0">
+              <a:solidFill>
+                <a:schemeClr val="tx1">
+                  <a:lumMod val="50000"/>
+                  <a:lumOff val="50000"/>
+                </a:schemeClr>
+              </a:solidFill>
+              <a:latin typeface="Arial"/>
+              <a:cs typeface="Arial"/>
+            </a:endParaRPr>
+          </a:p>
+          <a:p>
+            <a:pPr marR="20320" algn="ctr">
+              <a:spcBef>
+                <a:spcPts val="180"/>
+              </a:spcBef>
+            </a:pPr>
+            <a:r>
+              <a:rPr sz="850" kern="0" cap="all" spc="200" dirty="0">
+                <a:solidFill>
+                  <a:schemeClr val="tx1">
+                    <a:lumMod val="50000"/>
+                    <a:lumOff val="50000"/>
+                  </a:schemeClr>
+                </a:solidFill>
+                <a:latin typeface="Arial"/>
+                <a:cs typeface="Arial"/>
+              </a:rPr>
+              <a:t>AALBORG</a:t>
+            </a:r>
+            <a:r>
+              <a:rPr lang="da-DK" sz="850" kern="0" cap="all" spc="200" dirty="0">
+                <a:solidFill>
+                  <a:schemeClr val="tx1">
+                    <a:lumMod val="50000"/>
+                    <a:lumOff val="50000"/>
+                  </a:schemeClr>
+                </a:solidFill>
+                <a:latin typeface="Arial"/>
+                <a:cs typeface="Arial"/>
+              </a:rPr>
+              <a:t> UNIVERSITy</a:t>
+            </a:r>
+            <a:endParaRPr sz="850" kern="0" cap="all" spc="200" dirty="0">
+              <a:solidFill>
+                <a:schemeClr val="tx1">
+                  <a:lumMod val="50000"/>
+                  <a:lumOff val="50000"/>
+                </a:schemeClr>
+              </a:solidFill>
+              <a:latin typeface="Arial"/>
+              <a:cs typeface="Arial"/>
+            </a:endParaRPr>
+          </a:p>
+        </p:txBody>
+      </p:sp>
+      <p:sp>
+        <p:nvSpPr>
+          <p:cNvPr id="7" name="TextBox 6"/>
+          <p:cNvSpPr txBox="1"/>
+          <p:nvPr/>
+        </p:nvSpPr>
+        <p:spPr>
+          <a:xfrm>
+            <a:off x="7148752" y="181694"/>
+            <a:ext cx="4829888" cy="861774"/>
+          </a:xfrm>
+          <a:prstGeom prst="rect">
+            <a:avLst/>
+          </a:prstGeom>
+          <a:noFill/>
+        </p:spPr>
+        <p:txBody>
+          <a:bodyPr wrap="square" numCol="2" rtlCol="0">
+            <a:spAutoFit/>
+          </a:bodyPr>
+          <a:lstStyle/>
+          <a:p>
+            <a:pPr marL="12700"/>
+            <a:r>
+              <a:rPr lang="en-GB" sz="1000" b="1" cap="all" spc="200" dirty="0">
+                <a:solidFill>
+                  <a:schemeClr val="accent1">
+                    <a:lumMod val="75000"/>
+                    <a:alpha val="50000"/>
+                  </a:schemeClr>
+                </a:solidFill>
+                <a:latin typeface="Arial"/>
+                <a:cs typeface="Arial"/>
+              </a:rPr>
+              <a:t>Motivation</a:t>
+            </a:r>
+            <a:endParaRPr lang="da-DK" sz="1000" b="1" cap="all" spc="200" dirty="0">
+              <a:solidFill>
+                <a:schemeClr val="accent1">
+                  <a:lumMod val="75000"/>
+                  <a:alpha val="50000"/>
+                </a:schemeClr>
+              </a:solidFill>
+              <a:latin typeface="Arial"/>
+              <a:cs typeface="Arial"/>
+            </a:endParaRPr>
+          </a:p>
+          <a:p>
+            <a:pPr marL="12700"/>
+            <a:r>
+              <a:rPr lang="en-GB" sz="1000" b="1" cap="all" spc="200" dirty="0">
+                <a:solidFill>
+                  <a:schemeClr val="accent1">
+                    <a:lumMod val="75000"/>
+                    <a:alpha val="50000"/>
+                  </a:schemeClr>
+                </a:solidFill>
+                <a:latin typeface="Arial"/>
+                <a:cs typeface="Arial"/>
+              </a:rPr>
+              <a:t>Concept</a:t>
+            </a:r>
+            <a:endParaRPr lang="da-DK" sz="1000" b="1" cap="all" spc="200" dirty="0">
+              <a:solidFill>
+                <a:schemeClr val="accent1">
+                  <a:lumMod val="75000"/>
+                  <a:alpha val="50000"/>
+                </a:schemeClr>
+              </a:solidFill>
+              <a:latin typeface="Arial"/>
+              <a:cs typeface="Arial"/>
+            </a:endParaRPr>
+          </a:p>
+          <a:p>
+            <a:pPr marL="12700"/>
+            <a:r>
+              <a:rPr lang="en-GB" sz="1000" b="1" cap="all" spc="200" dirty="0">
+                <a:solidFill>
+                  <a:schemeClr val="accent1">
+                    <a:lumMod val="75000"/>
+                    <a:alpha val="50000"/>
+                  </a:schemeClr>
+                </a:solidFill>
+                <a:latin typeface="Arial"/>
+                <a:cs typeface="Arial"/>
+              </a:rPr>
+              <a:t>App design</a:t>
+            </a:r>
+          </a:p>
+          <a:p>
+            <a:pPr marL="12700"/>
+            <a:r>
+              <a:rPr lang="en-GB" sz="1000" b="1" cap="all" spc="200" dirty="0" smtClean="0">
+                <a:solidFill>
+                  <a:schemeClr val="accent1">
+                    <a:lumMod val="75000"/>
+                    <a:alpha val="50000"/>
+                  </a:schemeClr>
+                </a:solidFill>
+                <a:latin typeface="Arial"/>
+                <a:cs typeface="Arial"/>
+              </a:rPr>
+              <a:t>App implementation</a:t>
+            </a:r>
+            <a:r>
+              <a:rPr lang="da-DK" sz="1000" b="1" cap="all" spc="200" dirty="0" smtClean="0">
+                <a:solidFill>
+                  <a:schemeClr val="accent1">
+                    <a:lumMod val="75000"/>
+                    <a:alpha val="50000"/>
+                  </a:schemeClr>
+                </a:solidFill>
+                <a:latin typeface="Arial"/>
+                <a:cs typeface="Arial"/>
+              </a:rPr>
+              <a:t> </a:t>
+            </a:r>
+          </a:p>
+          <a:p>
+            <a:pPr marL="12700"/>
+            <a:endParaRPr lang="da-DK" sz="1000" b="1" cap="all" spc="200" dirty="0">
+              <a:solidFill>
+                <a:schemeClr val="accent1">
+                  <a:lumMod val="75000"/>
+                  <a:alpha val="50000"/>
+                </a:schemeClr>
+              </a:solidFill>
+              <a:latin typeface="Arial"/>
+              <a:cs typeface="Arial"/>
+            </a:endParaRPr>
+          </a:p>
+          <a:p>
+            <a:pPr marL="12700"/>
+            <a:r>
+              <a:rPr lang="en-GB" sz="1000" b="1" cap="all" spc="200" dirty="0">
+                <a:solidFill>
+                  <a:schemeClr val="accent1">
+                    <a:lumMod val="75000"/>
+                  </a:schemeClr>
+                </a:solidFill>
+                <a:latin typeface="Arial"/>
+                <a:cs typeface="Arial"/>
+              </a:rPr>
+              <a:t>Website</a:t>
+            </a:r>
+            <a:endParaRPr lang="da-DK" sz="1000" b="1" cap="all" spc="200" dirty="0">
+              <a:solidFill>
+                <a:schemeClr val="accent1">
+                  <a:lumMod val="75000"/>
+                </a:schemeClr>
+              </a:solidFill>
+              <a:latin typeface="Arial"/>
+              <a:cs typeface="Arial"/>
+            </a:endParaRPr>
+          </a:p>
+          <a:p>
+            <a:pPr marL="12700"/>
+            <a:r>
+              <a:rPr lang="da-DK" sz="1000" b="1" cap="all" spc="200" dirty="0" smtClean="0">
+                <a:solidFill>
+                  <a:schemeClr val="accent1">
+                    <a:lumMod val="75000"/>
+                    <a:alpha val="50000"/>
+                  </a:schemeClr>
+                </a:solidFill>
+                <a:latin typeface="Arial"/>
+                <a:cs typeface="Arial"/>
+              </a:rPr>
+              <a:t>Server </a:t>
+            </a:r>
+            <a:r>
+              <a:rPr lang="da-DK" sz="1000" b="1" cap="all" spc="200" dirty="0" err="1" smtClean="0">
+                <a:solidFill>
+                  <a:schemeClr val="accent1">
+                    <a:lumMod val="75000"/>
+                    <a:alpha val="50000"/>
+                  </a:schemeClr>
+                </a:solidFill>
+                <a:latin typeface="Arial"/>
+                <a:cs typeface="Arial"/>
+              </a:rPr>
+              <a:t>Communication</a:t>
+            </a:r>
+            <a:endParaRPr lang="da-DK" sz="1000" b="1" cap="all" spc="200" dirty="0" smtClean="0">
+              <a:solidFill>
+                <a:schemeClr val="accent1">
+                  <a:lumMod val="75000"/>
+                  <a:alpha val="50000"/>
+                </a:schemeClr>
+              </a:solidFill>
+              <a:latin typeface="Arial"/>
+              <a:cs typeface="Arial"/>
+            </a:endParaRPr>
+          </a:p>
+          <a:p>
+            <a:pPr marL="12700"/>
+            <a:r>
+              <a:rPr lang="en-GB" sz="1000" b="1" cap="all" spc="200" dirty="0" smtClean="0">
+                <a:solidFill>
+                  <a:schemeClr val="accent1">
+                    <a:lumMod val="75000"/>
+                    <a:alpha val="50000"/>
+                  </a:schemeClr>
+                </a:solidFill>
+                <a:latin typeface="Arial"/>
+                <a:cs typeface="Arial"/>
+              </a:rPr>
+              <a:t>Results and findings</a:t>
+            </a:r>
+          </a:p>
+          <a:p>
+            <a:pPr marL="12700"/>
+            <a:r>
+              <a:rPr lang="en-GB" sz="1000" b="1" cap="all" spc="200" dirty="0" smtClean="0">
+                <a:solidFill>
+                  <a:schemeClr val="accent1">
+                    <a:lumMod val="75000"/>
+                    <a:alpha val="50000"/>
+                  </a:schemeClr>
+                </a:solidFill>
+                <a:latin typeface="Arial"/>
+                <a:cs typeface="Arial"/>
+              </a:rPr>
+              <a:t>Demonstration</a:t>
+            </a:r>
+            <a:endParaRPr lang="da-DK" sz="1000" b="1" cap="all" spc="200" dirty="0">
+              <a:solidFill>
+                <a:schemeClr val="accent1">
+                  <a:lumMod val="75000"/>
+                  <a:alpha val="50000"/>
+                </a:schemeClr>
+              </a:solidFill>
+              <a:latin typeface="Arial"/>
+              <a:cs typeface="Arial"/>
+            </a:endParaRPr>
+          </a:p>
+          <a:p>
+            <a:endParaRPr lang="da-DK" sz="1000" dirty="0"/>
+          </a:p>
+        </p:txBody>
+      </p:sp>
+      <p:sp>
+        <p:nvSpPr>
+          <p:cNvPr id="10" name="object 4"/>
+          <p:cNvSpPr txBox="1">
+            <a:spLocks/>
+          </p:cNvSpPr>
+          <p:nvPr/>
+        </p:nvSpPr>
+        <p:spPr>
+          <a:xfrm>
+            <a:off x="4064146" y="5952020"/>
+            <a:ext cx="4343400" cy="143981"/>
+          </a:xfrm>
+          <a:prstGeom prst="rect">
+            <a:avLst/>
+          </a:prstGeom>
+        </p:spPr>
+        <p:txBody>
+          <a:bodyPr vert="horz" wrap="square" lIns="0" tIns="0" rIns="0" bIns="0" rtlCol="0" anchor="ctr">
+            <a:noAutofit/>
+          </a:bodyPr>
+          <a:lstStyle>
+            <a:defPPr>
+              <a:defRPr lang="da-DK"/>
+            </a:defPPr>
+            <a:lvl1pPr marL="0" algn="ctr" defTabSz="914400" rtl="0" eaLnBrk="1" latinLnBrk="0" hangingPunct="1">
+              <a:defRPr sz="1200" kern="1200">
+                <a:solidFill>
+                  <a:schemeClr val="tx1">
+                    <a:tint val="75000"/>
+                  </a:schemeClr>
+                </a:solidFill>
+                <a:latin typeface="+mn-lt"/>
+                <a:ea typeface="+mn-ea"/>
+                <a:cs typeface="+mn-cs"/>
+              </a:defRPr>
+            </a:lvl1pPr>
+            <a:lvl2pPr marL="457200" algn="l" defTabSz="914400" rtl="0" eaLnBrk="1" latinLnBrk="0" hangingPunct="1">
+              <a:defRPr sz="1800" kern="1200">
+                <a:solidFill>
+                  <a:schemeClr val="tx1"/>
+                </a:solidFill>
+                <a:latin typeface="+mn-lt"/>
+                <a:ea typeface="+mn-ea"/>
+                <a:cs typeface="+mn-cs"/>
+              </a:defRPr>
+            </a:lvl2pPr>
+            <a:lvl3pPr marL="914400" algn="l" defTabSz="914400" rtl="0" eaLnBrk="1" latinLnBrk="0" hangingPunct="1">
+              <a:defRPr sz="1800" kern="1200">
+                <a:solidFill>
+                  <a:schemeClr val="tx1"/>
+                </a:solidFill>
+                <a:latin typeface="+mn-lt"/>
+                <a:ea typeface="+mn-ea"/>
+                <a:cs typeface="+mn-cs"/>
+              </a:defRPr>
+            </a:lvl3pPr>
+            <a:lvl4pPr marL="1371600" algn="l" defTabSz="914400" rtl="0" eaLnBrk="1" latinLnBrk="0" hangingPunct="1">
+              <a:defRPr sz="1800" kern="1200">
+                <a:solidFill>
+                  <a:schemeClr val="tx1"/>
+                </a:solidFill>
+                <a:latin typeface="+mn-lt"/>
+                <a:ea typeface="+mn-ea"/>
+                <a:cs typeface="+mn-cs"/>
+              </a:defRPr>
+            </a:lvl4pPr>
+            <a:lvl5pPr marL="1828800" algn="l" defTabSz="914400" rtl="0" eaLnBrk="1" latinLnBrk="0" hangingPunct="1">
+              <a:defRPr sz="1800" kern="1200">
+                <a:solidFill>
+                  <a:schemeClr val="tx1"/>
+                </a:solidFill>
+                <a:latin typeface="+mn-lt"/>
+                <a:ea typeface="+mn-ea"/>
+                <a:cs typeface="+mn-cs"/>
+              </a:defRPr>
+            </a:lvl5pPr>
+            <a:lvl6pPr marL="2286000" algn="l" defTabSz="914400" rtl="0" eaLnBrk="1" latinLnBrk="0" hangingPunct="1">
+              <a:defRPr sz="1800" kern="1200">
+                <a:solidFill>
+                  <a:schemeClr val="tx1"/>
+                </a:solidFill>
+                <a:latin typeface="+mn-lt"/>
+                <a:ea typeface="+mn-ea"/>
+                <a:cs typeface="+mn-cs"/>
+              </a:defRPr>
+            </a:lvl6pPr>
+            <a:lvl7pPr marL="2743200" algn="l" defTabSz="914400" rtl="0" eaLnBrk="1" latinLnBrk="0" hangingPunct="1">
+              <a:defRPr sz="1800" kern="1200">
+                <a:solidFill>
+                  <a:schemeClr val="tx1"/>
+                </a:solidFill>
+                <a:latin typeface="+mn-lt"/>
+                <a:ea typeface="+mn-ea"/>
+                <a:cs typeface="+mn-cs"/>
+              </a:defRPr>
+            </a:lvl7pPr>
+            <a:lvl8pPr marL="3200400" algn="l" defTabSz="914400" rtl="0" eaLnBrk="1" latinLnBrk="0" hangingPunct="1">
+              <a:defRPr sz="1800" kern="1200">
+                <a:solidFill>
+                  <a:schemeClr val="tx1"/>
+                </a:solidFill>
+                <a:latin typeface="+mn-lt"/>
+                <a:ea typeface="+mn-ea"/>
+                <a:cs typeface="+mn-cs"/>
+              </a:defRPr>
+            </a:lvl8pPr>
+            <a:lvl9pPr marL="3657600" algn="l" defTabSz="914400" rtl="0" eaLnBrk="1" latinLnBrk="0" hangingPunct="1">
+              <a:defRPr sz="1800" kern="1200">
+                <a:solidFill>
+                  <a:schemeClr val="tx1"/>
+                </a:solidFill>
+                <a:latin typeface="+mn-lt"/>
+                <a:ea typeface="+mn-ea"/>
+                <a:cs typeface="+mn-cs"/>
+              </a:defRPr>
+            </a:lvl9pPr>
+          </a:lstStyle>
+          <a:p>
+            <a:pPr marL="12700"/>
+            <a:r>
+              <a:rPr lang="da-DK" sz="850" b="1" kern="0" cap="all" spc="200" dirty="0" smtClean="0">
+                <a:solidFill>
+                  <a:schemeClr val="tx1">
+                    <a:lumMod val="50000"/>
+                    <a:lumOff val="50000"/>
+                  </a:schemeClr>
+                </a:solidFill>
+                <a:latin typeface="Arial"/>
+                <a:cs typeface="Arial"/>
+              </a:rPr>
+              <a:t>12 OF 17  | </a:t>
+            </a:r>
+            <a:r>
+              <a:rPr lang="da-DK" sz="850" b="1" kern="0" spc="200" dirty="0" smtClean="0">
+                <a:solidFill>
+                  <a:schemeClr val="tx1">
+                    <a:lumMod val="50000"/>
+                    <a:lumOff val="50000"/>
+                  </a:schemeClr>
+                </a:solidFill>
+                <a:latin typeface="Arial"/>
+                <a:cs typeface="Arial"/>
+              </a:rPr>
+              <a:t>15.02.2014</a:t>
+            </a:r>
+            <a:endParaRPr lang="da-DK" sz="850" kern="0" cap="all" spc="200" dirty="0">
+              <a:solidFill>
+                <a:schemeClr val="tx1">
+                  <a:lumMod val="50000"/>
+                  <a:lumOff val="50000"/>
+                </a:schemeClr>
+              </a:solidFill>
+              <a:latin typeface="Arial"/>
+              <a:cs typeface="Arial"/>
+            </a:endParaRPr>
+          </a:p>
+        </p:txBody>
+      </p:sp>
+    </p:spTree>
+    <p:extLst>
+      <p:ext uri="{BB962C8B-B14F-4D97-AF65-F5344CB8AC3E}">
+        <p14:creationId xmlns:p14="http://schemas.microsoft.com/office/powerpoint/2010/main" val="256549327"/>
+      </p:ext>
+    </p:extLst>
+  </p:cSld>
+  <p:clrMapOvr>
+    <a:masterClrMapping/>
+  </p:clrMapOvr>
+  <mc:AlternateContent xmlns:mc="http://schemas.openxmlformats.org/markup-compatibility/2006" xmlns:p14="http://schemas.microsoft.com/office/powerpoint/2010/main">
+    <mc:Choice Requires="p14">
+      <p:transition p14:dur="250">
+        <p:fade/>
+      </p:transition>
+    </mc:Choice>
+    <mc:Fallback xmlns="">
       <p:transition>
         <p:fade/>
       </p:transition>
@@ -7957,13 +10590,2063 @@
   <p:clrMapOvr>
     <a:masterClrMapping/>
   </p:clrMapOvr>
-  <mc:AlternateContent xmlns:mc="http://schemas.openxmlformats.org/markup-compatibility/2006">
-    <mc:Choice xmlns:p14="http://schemas.microsoft.com/office/powerpoint/2010/main" Requires="p14">
+  <mc:AlternateContent xmlns:mc="http://schemas.openxmlformats.org/markup-compatibility/2006" xmlns:p14="http://schemas.microsoft.com/office/powerpoint/2010/main">
+    <mc:Choice Requires="p14">
       <p:transition p14:dur="250">
         <p:fade/>
       </p:transition>
     </mc:Choice>
-    <mc:Fallback>
+    <mc:Fallback xmlns="">
+      <p:transition>
+        <p:fade/>
+      </p:transition>
+    </mc:Fallback>
+  </mc:AlternateContent>
+  <p:timing>
+    <p:tnLst>
+      <p:par>
+        <p:cTn id="1" dur="indefinite" restart="never" nodeType="tmRoot"/>
+      </p:par>
+    </p:tnLst>
+  </p:timing>
+</p:sld>
+</file>
+
+<file path=ppt/slides/slide20.xml><?xml version="1.0" encoding="utf-8"?>
+<p:sld xmlns:a="http://schemas.openxmlformats.org/drawingml/2006/main" xmlns:r="http://schemas.openxmlformats.org/officeDocument/2006/relationships" xmlns:p="http://schemas.openxmlformats.org/presentationml/2006/main">
+  <p:cSld>
+    <p:spTree>
+      <p:nvGrpSpPr>
+        <p:cNvPr id="1" name=""/>
+        <p:cNvGrpSpPr/>
+        <p:nvPr/>
+      </p:nvGrpSpPr>
+      <p:grpSpPr>
+        <a:xfrm>
+          <a:off x="0" y="0"/>
+          <a:ext cx="0" cy="0"/>
+          <a:chOff x="0" y="0"/>
+          <a:chExt cx="0" cy="0"/>
+        </a:xfrm>
+      </p:grpSpPr>
+      <p:sp>
+        <p:nvSpPr>
+          <p:cNvPr id="2" name="object 2"/>
+          <p:cNvSpPr txBox="1">
+            <a:spLocks noGrp="1"/>
+          </p:cNvSpPr>
+          <p:nvPr>
+            <p:ph type="title"/>
+          </p:nvPr>
+        </p:nvSpPr>
+        <p:spPr>
+          <a:xfrm>
+            <a:off x="3351956" y="2420888"/>
+            <a:ext cx="5536756" cy="1023270"/>
+          </a:xfrm>
+          <a:prstGeom prst="rect">
+            <a:avLst/>
+          </a:prstGeom>
+        </p:spPr>
+        <p:txBody>
+          <a:bodyPr vert="horz" wrap="square" lIns="0" tIns="0" rIns="0" bIns="0" rtlCol="0" anchor="ctr">
+            <a:noAutofit/>
+          </a:bodyPr>
+          <a:lstStyle/>
+          <a:p>
+            <a:pPr algn="ctr">
+              <a:lnSpc>
+                <a:spcPts val="3960"/>
+              </a:lnSpc>
+              <a:tabLst>
+                <a:tab pos="1676400" algn="l"/>
+              </a:tabLst>
+            </a:pPr>
+            <a:r>
+              <a:rPr lang="en-GB" sz="3600" b="1" dirty="0" smtClean="0">
+                <a:solidFill>
+                  <a:schemeClr val="tx2">
+                    <a:lumMod val="50000"/>
+                  </a:schemeClr>
+                </a:solidFill>
+                <a:latin typeface="Arial"/>
+                <a:cs typeface="Arial"/>
+              </a:rPr>
+              <a:t>Server Communication</a:t>
+            </a:r>
+            <a:endParaRPr sz="3600" b="1" dirty="0">
+              <a:solidFill>
+                <a:schemeClr val="tx2">
+                  <a:lumMod val="50000"/>
+                </a:schemeClr>
+              </a:solidFill>
+              <a:latin typeface="Arial"/>
+              <a:cs typeface="Arial"/>
+            </a:endParaRPr>
+          </a:p>
+        </p:txBody>
+      </p:sp>
+      <p:pic>
+        <p:nvPicPr>
+          <p:cNvPr id="10" name="Billede 9"/>
+          <p:cNvPicPr>
+            <a:picLocks noChangeAspect="1"/>
+          </p:cNvPicPr>
+          <p:nvPr/>
+        </p:nvPicPr>
+        <p:blipFill>
+          <a:blip r:embed="rId2" cstate="print">
+            <a:extLst>
+              <a:ext uri="{28A0092B-C50C-407E-A947-70E740481C1C}">
+                <a14:useLocalDpi xmlns:a14="http://schemas.microsoft.com/office/drawing/2010/main" val="0"/>
+              </a:ext>
+            </a:extLst>
+          </a:blip>
+          <a:stretch>
+            <a:fillRect/>
+          </a:stretch>
+        </p:blipFill>
+        <p:spPr>
+          <a:xfrm>
+            <a:off x="5348699" y="5576322"/>
+            <a:ext cx="1543270" cy="1009770"/>
+          </a:xfrm>
+          <a:prstGeom prst="rect">
+            <a:avLst/>
+          </a:prstGeom>
+        </p:spPr>
+      </p:pic>
+      <p:sp>
+        <p:nvSpPr>
+          <p:cNvPr id="4" name="Rektangel 3"/>
+          <p:cNvSpPr/>
+          <p:nvPr/>
+        </p:nvSpPr>
+        <p:spPr>
+          <a:xfrm>
+            <a:off x="3810000" y="3516167"/>
+            <a:ext cx="4572000" cy="276999"/>
+          </a:xfrm>
+          <a:prstGeom prst="rect">
+            <a:avLst/>
+          </a:prstGeom>
+        </p:spPr>
+        <p:txBody>
+          <a:bodyPr>
+            <a:spAutoFit/>
+          </a:bodyPr>
+          <a:lstStyle/>
+          <a:p>
+            <a:pPr marR="28575" algn="ctr"/>
+            <a:r>
+              <a:rPr lang="en-US" sz="1200" kern="0" cap="all" spc="200" dirty="0" err="1" smtClean="0">
+                <a:solidFill>
+                  <a:schemeClr val="tx2">
+                    <a:lumMod val="50000"/>
+                  </a:schemeClr>
+                </a:solidFill>
+                <a:latin typeface="Arial"/>
+                <a:cs typeface="Arial"/>
+              </a:rPr>
+              <a:t>Nicklas</a:t>
+            </a:r>
+            <a:r>
+              <a:rPr lang="en-US" sz="1200" kern="0" cap="all" spc="200" dirty="0" smtClean="0">
+                <a:solidFill>
+                  <a:schemeClr val="tx2">
+                    <a:lumMod val="50000"/>
+                  </a:schemeClr>
+                </a:solidFill>
+                <a:latin typeface="Arial"/>
+                <a:cs typeface="Arial"/>
+              </a:rPr>
+              <a:t> Andersen</a:t>
+            </a:r>
+          </a:p>
+        </p:txBody>
+      </p:sp>
+    </p:spTree>
+    <p:extLst>
+      <p:ext uri="{BB962C8B-B14F-4D97-AF65-F5344CB8AC3E}">
+        <p14:creationId xmlns:p14="http://schemas.microsoft.com/office/powerpoint/2010/main" val="1123635584"/>
+      </p:ext>
+    </p:extLst>
+  </p:cSld>
+  <p:clrMapOvr>
+    <a:masterClrMapping/>
+  </p:clrMapOvr>
+  <mc:AlternateContent xmlns:mc="http://schemas.openxmlformats.org/markup-compatibility/2006" xmlns:p14="http://schemas.microsoft.com/office/powerpoint/2010/main">
+    <mc:Choice Requires="p14">
+      <p:transition p14:dur="250">
+        <p:fade/>
+      </p:transition>
+    </mc:Choice>
+    <mc:Fallback xmlns="">
+      <p:transition>
+        <p:fade/>
+      </p:transition>
+    </mc:Fallback>
+  </mc:AlternateContent>
+  <p:timing>
+    <p:tnLst>
+      <p:par>
+        <p:cTn id="1" dur="indefinite" restart="never" nodeType="tmRoot"/>
+      </p:par>
+    </p:tnLst>
+  </p:timing>
+</p:sld>
+</file>
+
+<file path=ppt/slides/slide21.xml><?xml version="1.0" encoding="utf-8"?>
+<p:sld xmlns:a="http://schemas.openxmlformats.org/drawingml/2006/main" xmlns:r="http://schemas.openxmlformats.org/officeDocument/2006/relationships" xmlns:p="http://schemas.openxmlformats.org/presentationml/2006/main">
+  <p:cSld>
+    <p:spTree>
+      <p:nvGrpSpPr>
+        <p:cNvPr id="1" name=""/>
+        <p:cNvGrpSpPr/>
+        <p:nvPr/>
+      </p:nvGrpSpPr>
+      <p:grpSpPr>
+        <a:xfrm>
+          <a:off x="0" y="0"/>
+          <a:ext cx="0" cy="0"/>
+          <a:chOff x="0" y="0"/>
+          <a:chExt cx="0" cy="0"/>
+        </a:xfrm>
+      </p:grpSpPr>
+      <p:sp>
+        <p:nvSpPr>
+          <p:cNvPr id="2" name="object 2"/>
+          <p:cNvSpPr txBox="1"/>
+          <p:nvPr/>
+        </p:nvSpPr>
+        <p:spPr>
+          <a:xfrm>
+            <a:off x="2150300" y="562801"/>
+            <a:ext cx="6231700" cy="368935"/>
+          </a:xfrm>
+          <a:prstGeom prst="rect">
+            <a:avLst/>
+          </a:prstGeom>
+        </p:spPr>
+        <p:txBody>
+          <a:bodyPr vert="horz" wrap="square" lIns="0" tIns="0" rIns="0" bIns="0" rtlCol="0">
+            <a:noAutofit/>
+          </a:bodyPr>
+          <a:lstStyle/>
+          <a:p>
+            <a:pPr marL="12700">
+              <a:tabLst>
+                <a:tab pos="1641475" algn="l"/>
+                <a:tab pos="2152650" algn="l"/>
+                <a:tab pos="3412490" algn="l"/>
+              </a:tabLst>
+            </a:pPr>
+            <a:r>
+              <a:rPr lang="en-GB" sz="2400" kern="0" cap="all" spc="200" dirty="0" err="1" smtClean="0">
+                <a:solidFill>
+                  <a:schemeClr val="tx2">
+                    <a:lumMod val="50000"/>
+                  </a:schemeClr>
+                </a:solidFill>
+                <a:latin typeface="Arial"/>
+                <a:cs typeface="Arial"/>
+              </a:rPr>
+              <a:t>TeST</a:t>
+            </a:r>
+            <a:endParaRPr sz="2400" kern="0" cap="all" spc="200" dirty="0">
+              <a:solidFill>
+                <a:schemeClr val="tx2">
+                  <a:lumMod val="50000"/>
+                </a:schemeClr>
+              </a:solidFill>
+              <a:latin typeface="Arial"/>
+              <a:cs typeface="Arial"/>
+            </a:endParaRPr>
+          </a:p>
+        </p:txBody>
+      </p:sp>
+      <p:sp>
+        <p:nvSpPr>
+          <p:cNvPr id="3" name="object 3"/>
+          <p:cNvSpPr txBox="1"/>
+          <p:nvPr/>
+        </p:nvSpPr>
+        <p:spPr>
+          <a:xfrm>
+            <a:off x="2150300" y="1155200"/>
+            <a:ext cx="6231700" cy="4074001"/>
+          </a:xfrm>
+          <a:prstGeom prst="rect">
+            <a:avLst/>
+          </a:prstGeom>
+        </p:spPr>
+        <p:txBody>
+          <a:bodyPr vert="horz" wrap="square" lIns="0" tIns="0" rIns="0" bIns="0" rtlCol="0">
+            <a:noAutofit/>
+          </a:bodyPr>
+          <a:lstStyle/>
+          <a:p>
+            <a:pPr marL="12700"/>
+            <a:r>
+              <a:rPr lang="en-GB" b="1" cap="all" spc="200" dirty="0" smtClean="0">
+                <a:solidFill>
+                  <a:schemeClr val="accent1">
+                    <a:lumMod val="75000"/>
+                  </a:schemeClr>
+                </a:solidFill>
+                <a:latin typeface="Arial"/>
+                <a:cs typeface="Arial"/>
+              </a:rPr>
+              <a:t>TEST</a:t>
+            </a:r>
+          </a:p>
+          <a:p>
+            <a:pPr marL="12700"/>
+            <a:r>
+              <a:rPr lang="en-GB" sz="1600" cap="all" spc="200" dirty="0" err="1" smtClean="0">
+                <a:solidFill>
+                  <a:schemeClr val="accent1">
+                    <a:lumMod val="75000"/>
+                  </a:schemeClr>
+                </a:solidFill>
+                <a:latin typeface="Arial"/>
+                <a:cs typeface="Arial"/>
+              </a:rPr>
+              <a:t>TeST</a:t>
+            </a:r>
+            <a:endParaRPr lang="en-GB" sz="1600" cap="all" spc="200" dirty="0">
+              <a:solidFill>
+                <a:schemeClr val="accent1">
+                  <a:lumMod val="75000"/>
+                </a:schemeClr>
+              </a:solidFill>
+              <a:latin typeface="Arial"/>
+              <a:cs typeface="Arial"/>
+            </a:endParaRPr>
+          </a:p>
+        </p:txBody>
+      </p:sp>
+      <p:sp>
+        <p:nvSpPr>
+          <p:cNvPr id="8" name="object 4"/>
+          <p:cNvSpPr txBox="1">
+            <a:spLocks noGrp="1"/>
+          </p:cNvSpPr>
+          <p:nvPr>
+            <p:ph type="ftr" sz="quarter" idx="4294967295"/>
+          </p:nvPr>
+        </p:nvSpPr>
+        <p:spPr>
+          <a:xfrm>
+            <a:off x="4064146" y="5952020"/>
+            <a:ext cx="4343400" cy="143981"/>
+          </a:xfrm>
+          <a:prstGeom prst="rect">
+            <a:avLst/>
+          </a:prstGeom>
+        </p:spPr>
+        <p:txBody>
+          <a:bodyPr vert="horz" wrap="square" lIns="0" tIns="0" rIns="0" bIns="0" rtlCol="0" anchor="ctr">
+            <a:noAutofit/>
+          </a:bodyPr>
+          <a:lstStyle/>
+          <a:p>
+            <a:pPr marL="12700"/>
+            <a:fld id="{9561DEC8-19EE-4A79-9D71-66FF6B3E3434}" type="slidenum">
+              <a:rPr lang="da-DK" sz="850" b="1" kern="0" cap="all" spc="200">
+                <a:solidFill>
+                  <a:schemeClr val="tx1">
+                    <a:lumMod val="50000"/>
+                    <a:lumOff val="50000"/>
+                  </a:schemeClr>
+                </a:solidFill>
+                <a:latin typeface="Arial"/>
+                <a:cs typeface="Arial"/>
+              </a:rPr>
+              <a:pPr marL="12700"/>
+              <a:t>21</a:t>
+            </a:fld>
+            <a:r>
+              <a:rPr lang="da-DK" sz="850" b="1" kern="0" cap="all" spc="200" dirty="0">
+                <a:solidFill>
+                  <a:schemeClr val="tx1">
+                    <a:lumMod val="50000"/>
+                    <a:lumOff val="50000"/>
+                  </a:schemeClr>
+                </a:solidFill>
+                <a:latin typeface="Arial"/>
+                <a:cs typeface="Arial"/>
+              </a:rPr>
+              <a:t> </a:t>
+            </a:r>
+            <a:r>
+              <a:rPr sz="850" b="1" kern="0" cap="all" spc="200" dirty="0">
+                <a:solidFill>
+                  <a:schemeClr val="tx1">
+                    <a:lumMod val="50000"/>
+                    <a:lumOff val="50000"/>
+                  </a:schemeClr>
+                </a:solidFill>
+                <a:latin typeface="Arial"/>
+                <a:cs typeface="Arial"/>
+              </a:rPr>
+              <a:t>OF</a:t>
+            </a:r>
+            <a:r>
+              <a:rPr lang="da-DK" sz="850" b="1" kern="0" cap="all" spc="200" dirty="0">
+                <a:solidFill>
+                  <a:schemeClr val="tx1">
+                    <a:lumMod val="50000"/>
+                    <a:lumOff val="50000"/>
+                  </a:schemeClr>
+                </a:solidFill>
+                <a:latin typeface="Arial"/>
+                <a:cs typeface="Arial"/>
+              </a:rPr>
+              <a:t> </a:t>
+            </a:r>
+            <a:r>
+              <a:rPr lang="da-DK" sz="850" b="1" kern="0" cap="all" spc="200" dirty="0" smtClean="0">
+                <a:solidFill>
+                  <a:schemeClr val="tx1">
+                    <a:lumMod val="50000"/>
+                    <a:lumOff val="50000"/>
+                  </a:schemeClr>
+                </a:solidFill>
+                <a:latin typeface="Arial"/>
+                <a:cs typeface="Arial"/>
+              </a:rPr>
+              <a:t>17  </a:t>
+            </a:r>
+            <a:r>
+              <a:rPr lang="da-DK" sz="850" b="1" kern="0" cap="all" spc="200" dirty="0">
+                <a:solidFill>
+                  <a:schemeClr val="tx1">
+                    <a:lumMod val="50000"/>
+                    <a:lumOff val="50000"/>
+                  </a:schemeClr>
+                </a:solidFill>
+                <a:latin typeface="Arial"/>
+                <a:cs typeface="Arial"/>
+              </a:rPr>
+              <a:t>| </a:t>
+            </a:r>
+            <a:r>
+              <a:rPr lang="da-DK" sz="850" b="1" kern="0" spc="200" dirty="0" smtClean="0">
+                <a:solidFill>
+                  <a:schemeClr val="tx1">
+                    <a:lumMod val="50000"/>
+                    <a:lumOff val="50000"/>
+                  </a:schemeClr>
+                </a:solidFill>
+                <a:latin typeface="Arial"/>
+                <a:cs typeface="Arial"/>
+              </a:rPr>
+              <a:t>15.02.2014</a:t>
+            </a:r>
+            <a:endParaRPr sz="850" kern="0" cap="all" spc="200" dirty="0">
+              <a:solidFill>
+                <a:schemeClr val="tx1">
+                  <a:lumMod val="50000"/>
+                  <a:lumOff val="50000"/>
+                </a:schemeClr>
+              </a:solidFill>
+              <a:latin typeface="Arial"/>
+              <a:cs typeface="Arial"/>
+            </a:endParaRPr>
+          </a:p>
+        </p:txBody>
+      </p:sp>
+      <p:sp>
+        <p:nvSpPr>
+          <p:cNvPr id="9" name="object 7"/>
+          <p:cNvSpPr txBox="1"/>
+          <p:nvPr/>
+        </p:nvSpPr>
+        <p:spPr>
+          <a:xfrm>
+            <a:off x="4267200" y="6137889"/>
+            <a:ext cx="3682706" cy="294005"/>
+          </a:xfrm>
+          <a:prstGeom prst="rect">
+            <a:avLst/>
+          </a:prstGeom>
+        </p:spPr>
+        <p:txBody>
+          <a:bodyPr vert="horz" wrap="square" lIns="0" tIns="0" rIns="0" bIns="0" rtlCol="0">
+            <a:noAutofit/>
+          </a:bodyPr>
+          <a:lstStyle/>
+          <a:p>
+            <a:pPr algn="ctr">
+              <a:lnSpc>
+                <a:spcPct val="100000"/>
+              </a:lnSpc>
+            </a:pPr>
+            <a:r>
+              <a:rPr lang="da-DK" sz="850" b="1" kern="0" cap="all" spc="200" dirty="0">
+                <a:solidFill>
+                  <a:schemeClr val="tx1">
+                    <a:lumMod val="50000"/>
+                    <a:lumOff val="50000"/>
+                  </a:schemeClr>
+                </a:solidFill>
+                <a:latin typeface="Arial"/>
+                <a:cs typeface="Arial"/>
+              </a:rPr>
+              <a:t>Department of computer science</a:t>
+            </a:r>
+            <a:endParaRPr sz="850" b="1" kern="0" cap="all" spc="200" dirty="0">
+              <a:solidFill>
+                <a:schemeClr val="tx1">
+                  <a:lumMod val="50000"/>
+                  <a:lumOff val="50000"/>
+                </a:schemeClr>
+              </a:solidFill>
+              <a:latin typeface="Arial"/>
+              <a:cs typeface="Arial"/>
+            </a:endParaRPr>
+          </a:p>
+          <a:p>
+            <a:pPr marR="20320" algn="ctr">
+              <a:spcBef>
+                <a:spcPts val="180"/>
+              </a:spcBef>
+            </a:pPr>
+            <a:r>
+              <a:rPr sz="850" kern="0" cap="all" spc="200" dirty="0">
+                <a:solidFill>
+                  <a:schemeClr val="tx1">
+                    <a:lumMod val="50000"/>
+                    <a:lumOff val="50000"/>
+                  </a:schemeClr>
+                </a:solidFill>
+                <a:latin typeface="Arial"/>
+                <a:cs typeface="Arial"/>
+              </a:rPr>
+              <a:t>AALBORG</a:t>
+            </a:r>
+            <a:r>
+              <a:rPr lang="da-DK" sz="850" kern="0" cap="all" spc="200" dirty="0">
+                <a:solidFill>
+                  <a:schemeClr val="tx1">
+                    <a:lumMod val="50000"/>
+                    <a:lumOff val="50000"/>
+                  </a:schemeClr>
+                </a:solidFill>
+                <a:latin typeface="Arial"/>
+                <a:cs typeface="Arial"/>
+              </a:rPr>
+              <a:t> UNIVERSITy</a:t>
+            </a:r>
+            <a:endParaRPr sz="850" kern="0" cap="all" spc="200" dirty="0">
+              <a:solidFill>
+                <a:schemeClr val="tx1">
+                  <a:lumMod val="50000"/>
+                  <a:lumOff val="50000"/>
+                </a:schemeClr>
+              </a:solidFill>
+              <a:latin typeface="Arial"/>
+              <a:cs typeface="Arial"/>
+            </a:endParaRPr>
+          </a:p>
+        </p:txBody>
+      </p:sp>
+      <p:sp>
+        <p:nvSpPr>
+          <p:cNvPr id="7" name="TextBox 6"/>
+          <p:cNvSpPr txBox="1"/>
+          <p:nvPr/>
+        </p:nvSpPr>
+        <p:spPr>
+          <a:xfrm>
+            <a:off x="7148752" y="181694"/>
+            <a:ext cx="4829888" cy="861774"/>
+          </a:xfrm>
+          <a:prstGeom prst="rect">
+            <a:avLst/>
+          </a:prstGeom>
+          <a:noFill/>
+        </p:spPr>
+        <p:txBody>
+          <a:bodyPr wrap="square" numCol="2" rtlCol="0">
+            <a:spAutoFit/>
+          </a:bodyPr>
+          <a:lstStyle/>
+          <a:p>
+            <a:pPr marL="12700"/>
+            <a:r>
+              <a:rPr lang="en-GB" sz="1000" b="1" cap="all" spc="200" dirty="0">
+                <a:solidFill>
+                  <a:schemeClr val="accent1">
+                    <a:lumMod val="75000"/>
+                    <a:alpha val="50000"/>
+                  </a:schemeClr>
+                </a:solidFill>
+                <a:latin typeface="Arial"/>
+                <a:cs typeface="Arial"/>
+              </a:rPr>
+              <a:t>Motivation</a:t>
+            </a:r>
+            <a:endParaRPr lang="da-DK" sz="1000" b="1" cap="all" spc="200" dirty="0">
+              <a:solidFill>
+                <a:schemeClr val="accent1">
+                  <a:lumMod val="75000"/>
+                  <a:alpha val="50000"/>
+                </a:schemeClr>
+              </a:solidFill>
+              <a:latin typeface="Arial"/>
+              <a:cs typeface="Arial"/>
+            </a:endParaRPr>
+          </a:p>
+          <a:p>
+            <a:pPr marL="12700"/>
+            <a:r>
+              <a:rPr lang="en-GB" sz="1000" b="1" cap="all" spc="200" dirty="0">
+                <a:solidFill>
+                  <a:schemeClr val="accent1">
+                    <a:lumMod val="75000"/>
+                    <a:alpha val="50000"/>
+                  </a:schemeClr>
+                </a:solidFill>
+                <a:latin typeface="Arial"/>
+                <a:cs typeface="Arial"/>
+              </a:rPr>
+              <a:t>Concept</a:t>
+            </a:r>
+            <a:endParaRPr lang="da-DK" sz="1000" b="1" cap="all" spc="200" dirty="0">
+              <a:solidFill>
+                <a:schemeClr val="accent1">
+                  <a:lumMod val="75000"/>
+                  <a:alpha val="50000"/>
+                </a:schemeClr>
+              </a:solidFill>
+              <a:latin typeface="Arial"/>
+              <a:cs typeface="Arial"/>
+            </a:endParaRPr>
+          </a:p>
+          <a:p>
+            <a:pPr marL="12700"/>
+            <a:r>
+              <a:rPr lang="en-GB" sz="1000" b="1" cap="all" spc="200" dirty="0">
+                <a:solidFill>
+                  <a:schemeClr val="accent1">
+                    <a:lumMod val="75000"/>
+                    <a:alpha val="50000"/>
+                  </a:schemeClr>
+                </a:solidFill>
+                <a:latin typeface="Arial"/>
+                <a:cs typeface="Arial"/>
+              </a:rPr>
+              <a:t>App design</a:t>
+            </a:r>
+          </a:p>
+          <a:p>
+            <a:pPr marL="12700"/>
+            <a:r>
+              <a:rPr lang="en-GB" sz="1000" b="1" cap="all" spc="200" dirty="0" smtClean="0">
+                <a:solidFill>
+                  <a:schemeClr val="accent1">
+                    <a:lumMod val="75000"/>
+                    <a:alpha val="50000"/>
+                  </a:schemeClr>
+                </a:solidFill>
+                <a:latin typeface="Arial"/>
+                <a:cs typeface="Arial"/>
+              </a:rPr>
+              <a:t>App implementation</a:t>
+            </a:r>
+            <a:r>
+              <a:rPr lang="da-DK" sz="1000" b="1" cap="all" spc="200" dirty="0" smtClean="0">
+                <a:solidFill>
+                  <a:schemeClr val="accent1">
+                    <a:lumMod val="75000"/>
+                    <a:alpha val="50000"/>
+                  </a:schemeClr>
+                </a:solidFill>
+                <a:latin typeface="Arial"/>
+                <a:cs typeface="Arial"/>
+              </a:rPr>
+              <a:t> </a:t>
+            </a:r>
+          </a:p>
+          <a:p>
+            <a:pPr marL="12700"/>
+            <a:endParaRPr lang="da-DK" sz="1000" b="1" cap="all" spc="200" dirty="0">
+              <a:solidFill>
+                <a:schemeClr val="accent1">
+                  <a:lumMod val="75000"/>
+                  <a:alpha val="50000"/>
+                </a:schemeClr>
+              </a:solidFill>
+              <a:latin typeface="Arial"/>
+              <a:cs typeface="Arial"/>
+            </a:endParaRPr>
+          </a:p>
+          <a:p>
+            <a:pPr marL="12700"/>
+            <a:r>
+              <a:rPr lang="en-GB" sz="1000" b="1" cap="all" spc="200" dirty="0" smtClean="0">
+                <a:solidFill>
+                  <a:schemeClr val="accent1">
+                    <a:lumMod val="75000"/>
+                    <a:alpha val="50000"/>
+                  </a:schemeClr>
+                </a:solidFill>
+                <a:latin typeface="Arial"/>
+                <a:cs typeface="Arial"/>
+              </a:rPr>
+              <a:t>Website</a:t>
+            </a:r>
+            <a:endParaRPr lang="da-DK" sz="1000" b="1" cap="all" spc="200" dirty="0">
+              <a:solidFill>
+                <a:schemeClr val="accent1">
+                  <a:lumMod val="75000"/>
+                  <a:alpha val="50000"/>
+                </a:schemeClr>
+              </a:solidFill>
+              <a:latin typeface="Arial"/>
+              <a:cs typeface="Arial"/>
+            </a:endParaRPr>
+          </a:p>
+          <a:p>
+            <a:pPr marL="12700"/>
+            <a:r>
+              <a:rPr lang="da-DK" sz="1000" b="1" cap="all" spc="200" dirty="0">
+                <a:solidFill>
+                  <a:schemeClr val="accent1">
+                    <a:lumMod val="75000"/>
+                  </a:schemeClr>
+                </a:solidFill>
+                <a:latin typeface="Arial"/>
+                <a:cs typeface="Arial"/>
+              </a:rPr>
+              <a:t>Server </a:t>
+            </a:r>
+            <a:r>
+              <a:rPr lang="da-DK" sz="1000" b="1" cap="all" spc="200" dirty="0" err="1">
+                <a:solidFill>
+                  <a:schemeClr val="accent1">
+                    <a:lumMod val="75000"/>
+                  </a:schemeClr>
+                </a:solidFill>
+                <a:latin typeface="Arial"/>
+                <a:cs typeface="Arial"/>
+              </a:rPr>
+              <a:t>Communication</a:t>
+            </a:r>
+            <a:endParaRPr lang="da-DK" sz="1000" b="1" cap="all" spc="200" dirty="0">
+              <a:solidFill>
+                <a:schemeClr val="accent1">
+                  <a:lumMod val="75000"/>
+                </a:schemeClr>
+              </a:solidFill>
+              <a:latin typeface="Arial"/>
+              <a:cs typeface="Arial"/>
+            </a:endParaRPr>
+          </a:p>
+          <a:p>
+            <a:pPr marL="12700"/>
+            <a:r>
+              <a:rPr lang="en-GB" sz="1000" b="1" cap="all" spc="200" dirty="0" smtClean="0">
+                <a:solidFill>
+                  <a:schemeClr val="accent1">
+                    <a:lumMod val="75000"/>
+                    <a:alpha val="50000"/>
+                  </a:schemeClr>
+                </a:solidFill>
+                <a:latin typeface="Arial"/>
+                <a:cs typeface="Arial"/>
+              </a:rPr>
+              <a:t>Results and findings</a:t>
+            </a:r>
+          </a:p>
+          <a:p>
+            <a:pPr marL="12700"/>
+            <a:r>
+              <a:rPr lang="en-GB" sz="1000" b="1" cap="all" spc="200" dirty="0" smtClean="0">
+                <a:solidFill>
+                  <a:schemeClr val="accent1">
+                    <a:lumMod val="75000"/>
+                    <a:alpha val="50000"/>
+                  </a:schemeClr>
+                </a:solidFill>
+                <a:latin typeface="Arial"/>
+                <a:cs typeface="Arial"/>
+              </a:rPr>
+              <a:t>Demonstration</a:t>
+            </a:r>
+            <a:endParaRPr lang="da-DK" sz="1000" b="1" cap="all" spc="200" dirty="0">
+              <a:solidFill>
+                <a:schemeClr val="accent1">
+                  <a:lumMod val="75000"/>
+                  <a:alpha val="50000"/>
+                </a:schemeClr>
+              </a:solidFill>
+              <a:latin typeface="Arial"/>
+              <a:cs typeface="Arial"/>
+            </a:endParaRPr>
+          </a:p>
+          <a:p>
+            <a:endParaRPr lang="da-DK" sz="1000" dirty="0"/>
+          </a:p>
+        </p:txBody>
+      </p:sp>
+    </p:spTree>
+    <p:extLst>
+      <p:ext uri="{BB962C8B-B14F-4D97-AF65-F5344CB8AC3E}">
+        <p14:creationId xmlns:p14="http://schemas.microsoft.com/office/powerpoint/2010/main" val="3623119075"/>
+      </p:ext>
+    </p:extLst>
+  </p:cSld>
+  <p:clrMapOvr>
+    <a:masterClrMapping/>
+  </p:clrMapOvr>
+  <mc:AlternateContent xmlns:mc="http://schemas.openxmlformats.org/markup-compatibility/2006" xmlns:p14="http://schemas.microsoft.com/office/powerpoint/2010/main">
+    <mc:Choice Requires="p14">
+      <p:transition p14:dur="250">
+        <p:fade/>
+      </p:transition>
+    </mc:Choice>
+    <mc:Fallback xmlns="">
+      <p:transition>
+        <p:fade/>
+      </p:transition>
+    </mc:Fallback>
+  </mc:AlternateContent>
+  <p:timing>
+    <p:tnLst>
+      <p:par>
+        <p:cTn id="1" dur="indefinite" restart="never" nodeType="tmRoot"/>
+      </p:par>
+    </p:tnLst>
+  </p:timing>
+</p:sld>
+</file>
+
+<file path=ppt/slides/slide22.xml><?xml version="1.0" encoding="utf-8"?>
+<p:sld xmlns:a="http://schemas.openxmlformats.org/drawingml/2006/main" xmlns:r="http://schemas.openxmlformats.org/officeDocument/2006/relationships" xmlns:p="http://schemas.openxmlformats.org/presentationml/2006/main">
+  <p:cSld>
+    <p:spTree>
+      <p:nvGrpSpPr>
+        <p:cNvPr id="1" name=""/>
+        <p:cNvGrpSpPr/>
+        <p:nvPr/>
+      </p:nvGrpSpPr>
+      <p:grpSpPr>
+        <a:xfrm>
+          <a:off x="0" y="0"/>
+          <a:ext cx="0" cy="0"/>
+          <a:chOff x="0" y="0"/>
+          <a:chExt cx="0" cy="0"/>
+        </a:xfrm>
+      </p:grpSpPr>
+      <p:sp>
+        <p:nvSpPr>
+          <p:cNvPr id="2" name="object 2"/>
+          <p:cNvSpPr txBox="1">
+            <a:spLocks noGrp="1"/>
+          </p:cNvSpPr>
+          <p:nvPr>
+            <p:ph type="title"/>
+          </p:nvPr>
+        </p:nvSpPr>
+        <p:spPr>
+          <a:xfrm>
+            <a:off x="3351956" y="2420888"/>
+            <a:ext cx="5536756" cy="1023270"/>
+          </a:xfrm>
+          <a:prstGeom prst="rect">
+            <a:avLst/>
+          </a:prstGeom>
+        </p:spPr>
+        <p:txBody>
+          <a:bodyPr vert="horz" wrap="square" lIns="0" tIns="0" rIns="0" bIns="0" rtlCol="0" anchor="ctr">
+            <a:noAutofit/>
+          </a:bodyPr>
+          <a:lstStyle/>
+          <a:p>
+            <a:pPr algn="ctr">
+              <a:lnSpc>
+                <a:spcPts val="3960"/>
+              </a:lnSpc>
+              <a:tabLst>
+                <a:tab pos="1676400" algn="l"/>
+              </a:tabLst>
+            </a:pPr>
+            <a:r>
+              <a:rPr lang="en-GB" sz="3600" b="1" dirty="0" smtClean="0">
+                <a:solidFill>
+                  <a:schemeClr val="tx2">
+                    <a:lumMod val="50000"/>
+                  </a:schemeClr>
+                </a:solidFill>
+                <a:latin typeface="Arial"/>
+                <a:cs typeface="Arial"/>
+              </a:rPr>
+              <a:t>Results and Findings</a:t>
+            </a:r>
+            <a:endParaRPr sz="3600" b="1" dirty="0">
+              <a:solidFill>
+                <a:schemeClr val="tx2">
+                  <a:lumMod val="50000"/>
+                </a:schemeClr>
+              </a:solidFill>
+              <a:latin typeface="Arial"/>
+              <a:cs typeface="Arial"/>
+            </a:endParaRPr>
+          </a:p>
+        </p:txBody>
+      </p:sp>
+      <p:pic>
+        <p:nvPicPr>
+          <p:cNvPr id="10" name="Billede 9"/>
+          <p:cNvPicPr>
+            <a:picLocks noChangeAspect="1"/>
+          </p:cNvPicPr>
+          <p:nvPr/>
+        </p:nvPicPr>
+        <p:blipFill>
+          <a:blip r:embed="rId2" cstate="print">
+            <a:extLst>
+              <a:ext uri="{28A0092B-C50C-407E-A947-70E740481C1C}">
+                <a14:useLocalDpi xmlns:a14="http://schemas.microsoft.com/office/drawing/2010/main" val="0"/>
+              </a:ext>
+            </a:extLst>
+          </a:blip>
+          <a:stretch>
+            <a:fillRect/>
+          </a:stretch>
+        </p:blipFill>
+        <p:spPr>
+          <a:xfrm>
+            <a:off x="5348699" y="5576322"/>
+            <a:ext cx="1543270" cy="1009770"/>
+          </a:xfrm>
+          <a:prstGeom prst="rect">
+            <a:avLst/>
+          </a:prstGeom>
+        </p:spPr>
+      </p:pic>
+      <p:sp>
+        <p:nvSpPr>
+          <p:cNvPr id="4" name="Rektangel 3"/>
+          <p:cNvSpPr/>
+          <p:nvPr/>
+        </p:nvSpPr>
+        <p:spPr>
+          <a:xfrm>
+            <a:off x="3810000" y="3516167"/>
+            <a:ext cx="4572000" cy="276999"/>
+          </a:xfrm>
+          <a:prstGeom prst="rect">
+            <a:avLst/>
+          </a:prstGeom>
+        </p:spPr>
+        <p:txBody>
+          <a:bodyPr>
+            <a:spAutoFit/>
+          </a:bodyPr>
+          <a:lstStyle/>
+          <a:p>
+            <a:pPr marR="28575" algn="ctr"/>
+            <a:r>
+              <a:rPr lang="en-US" sz="1200" kern="0" cap="all" spc="200" dirty="0" smtClean="0">
+                <a:solidFill>
+                  <a:schemeClr val="tx2">
+                    <a:lumMod val="50000"/>
+                  </a:schemeClr>
+                </a:solidFill>
+                <a:latin typeface="Arial"/>
+                <a:cs typeface="Arial"/>
+              </a:rPr>
+              <a:t>Jacob K. Wortmann</a:t>
+            </a:r>
+          </a:p>
+        </p:txBody>
+      </p:sp>
+    </p:spTree>
+    <p:extLst>
+      <p:ext uri="{BB962C8B-B14F-4D97-AF65-F5344CB8AC3E}">
+        <p14:creationId xmlns:p14="http://schemas.microsoft.com/office/powerpoint/2010/main" val="4200997104"/>
+      </p:ext>
+    </p:extLst>
+  </p:cSld>
+  <p:clrMapOvr>
+    <a:masterClrMapping/>
+  </p:clrMapOvr>
+  <mc:AlternateContent xmlns:mc="http://schemas.openxmlformats.org/markup-compatibility/2006" xmlns:p14="http://schemas.microsoft.com/office/powerpoint/2010/main">
+    <mc:Choice Requires="p14">
+      <p:transition p14:dur="250">
+        <p:fade/>
+      </p:transition>
+    </mc:Choice>
+    <mc:Fallback xmlns="">
+      <p:transition>
+        <p:fade/>
+      </p:transition>
+    </mc:Fallback>
+  </mc:AlternateContent>
+  <p:timing>
+    <p:tnLst>
+      <p:par>
+        <p:cTn id="1" dur="indefinite" restart="never" nodeType="tmRoot"/>
+      </p:par>
+    </p:tnLst>
+  </p:timing>
+</p:sld>
+</file>
+
+<file path=ppt/slides/slide23.xml><?xml version="1.0" encoding="utf-8"?>
+<p:sld xmlns:a="http://schemas.openxmlformats.org/drawingml/2006/main" xmlns:r="http://schemas.openxmlformats.org/officeDocument/2006/relationships" xmlns:p="http://schemas.openxmlformats.org/presentationml/2006/main">
+  <p:cSld>
+    <p:spTree>
+      <p:nvGrpSpPr>
+        <p:cNvPr id="1" name=""/>
+        <p:cNvGrpSpPr/>
+        <p:nvPr/>
+      </p:nvGrpSpPr>
+      <p:grpSpPr>
+        <a:xfrm>
+          <a:off x="0" y="0"/>
+          <a:ext cx="0" cy="0"/>
+          <a:chOff x="0" y="0"/>
+          <a:chExt cx="0" cy="0"/>
+        </a:xfrm>
+      </p:grpSpPr>
+      <p:sp>
+        <p:nvSpPr>
+          <p:cNvPr id="2" name="object 2"/>
+          <p:cNvSpPr txBox="1"/>
+          <p:nvPr/>
+        </p:nvSpPr>
+        <p:spPr>
+          <a:xfrm>
+            <a:off x="2150300" y="562801"/>
+            <a:ext cx="6231700" cy="368935"/>
+          </a:xfrm>
+          <a:prstGeom prst="rect">
+            <a:avLst/>
+          </a:prstGeom>
+        </p:spPr>
+        <p:txBody>
+          <a:bodyPr vert="horz" wrap="square" lIns="0" tIns="0" rIns="0" bIns="0" rtlCol="0">
+            <a:noAutofit/>
+          </a:bodyPr>
+          <a:lstStyle/>
+          <a:p>
+            <a:pPr marL="12700">
+              <a:tabLst>
+                <a:tab pos="1641475" algn="l"/>
+                <a:tab pos="2152650" algn="l"/>
+                <a:tab pos="3412490" algn="l"/>
+              </a:tabLst>
+            </a:pPr>
+            <a:r>
+              <a:rPr lang="en-GB" sz="2400" kern="0" cap="all" spc="200" dirty="0" smtClean="0">
+                <a:solidFill>
+                  <a:schemeClr val="tx2">
+                    <a:lumMod val="50000"/>
+                  </a:schemeClr>
+                </a:solidFill>
+                <a:latin typeface="Arial"/>
+                <a:cs typeface="Arial"/>
+              </a:rPr>
+              <a:t>Conclusion</a:t>
+            </a:r>
+            <a:endParaRPr sz="2400" kern="0" cap="all" spc="200" dirty="0">
+              <a:solidFill>
+                <a:schemeClr val="tx2">
+                  <a:lumMod val="50000"/>
+                </a:schemeClr>
+              </a:solidFill>
+              <a:latin typeface="Arial"/>
+              <a:cs typeface="Arial"/>
+            </a:endParaRPr>
+          </a:p>
+        </p:txBody>
+      </p:sp>
+      <p:sp>
+        <p:nvSpPr>
+          <p:cNvPr id="3" name="object 3"/>
+          <p:cNvSpPr txBox="1"/>
+          <p:nvPr/>
+        </p:nvSpPr>
+        <p:spPr>
+          <a:xfrm>
+            <a:off x="2150300" y="1155200"/>
+            <a:ext cx="6231700" cy="4074001"/>
+          </a:xfrm>
+          <a:prstGeom prst="rect">
+            <a:avLst/>
+          </a:prstGeom>
+        </p:spPr>
+        <p:txBody>
+          <a:bodyPr vert="horz" wrap="square" lIns="0" tIns="0" rIns="0" bIns="0" rtlCol="0">
+            <a:noAutofit/>
+          </a:bodyPr>
+          <a:lstStyle/>
+          <a:p>
+            <a:pPr marL="12700"/>
+            <a:r>
+              <a:rPr lang="en-US" sz="1600" cap="all" spc="200" dirty="0" smtClean="0">
+                <a:solidFill>
+                  <a:schemeClr val="accent1">
+                    <a:lumMod val="75000"/>
+                  </a:schemeClr>
+                </a:solidFill>
+                <a:latin typeface="Arial"/>
+                <a:cs typeface="Arial"/>
+              </a:rPr>
+              <a:t>We </a:t>
+            </a:r>
+            <a:r>
+              <a:rPr lang="en-US" sz="1600" cap="all" spc="200" dirty="0">
+                <a:solidFill>
+                  <a:schemeClr val="accent1">
+                    <a:lumMod val="75000"/>
+                  </a:schemeClr>
+                </a:solidFill>
+                <a:latin typeface="Arial"/>
+                <a:cs typeface="Arial"/>
+              </a:rPr>
+              <a:t>implemented a website tool, android </a:t>
+            </a:r>
+            <a:r>
+              <a:rPr lang="en-US" sz="1600" cap="all" spc="200" dirty="0" smtClean="0">
+                <a:solidFill>
+                  <a:schemeClr val="accent1">
+                    <a:lumMod val="75000"/>
+                  </a:schemeClr>
+                </a:solidFill>
+                <a:latin typeface="Arial"/>
+                <a:cs typeface="Arial"/>
+              </a:rPr>
+              <a:t>application, </a:t>
+            </a:r>
+            <a:r>
+              <a:rPr lang="en-US" sz="1600" cap="all" spc="200" dirty="0">
+                <a:solidFill>
+                  <a:schemeClr val="accent1">
+                    <a:lumMod val="75000"/>
+                  </a:schemeClr>
+                </a:solidFill>
+                <a:latin typeface="Arial"/>
+                <a:cs typeface="Arial"/>
+              </a:rPr>
+              <a:t>and a server service</a:t>
+            </a:r>
+          </a:p>
+          <a:p>
+            <a:pPr marL="12700"/>
+            <a:endParaRPr lang="en-US" sz="1600" cap="all" spc="200" dirty="0" smtClean="0">
+              <a:solidFill>
+                <a:schemeClr val="accent1">
+                  <a:lumMod val="75000"/>
+                </a:schemeClr>
+              </a:solidFill>
+              <a:latin typeface="Arial"/>
+              <a:cs typeface="Arial"/>
+            </a:endParaRPr>
+          </a:p>
+          <a:p>
+            <a:pPr marL="12700"/>
+            <a:r>
+              <a:rPr lang="en-US" sz="1600" cap="all" spc="200" dirty="0" smtClean="0">
+                <a:solidFill>
+                  <a:schemeClr val="accent1">
+                    <a:lumMod val="75000"/>
+                  </a:schemeClr>
+                </a:solidFill>
+                <a:latin typeface="Arial"/>
+                <a:cs typeface="Arial"/>
+              </a:rPr>
+              <a:t>All </a:t>
+            </a:r>
+            <a:r>
+              <a:rPr lang="en-US" sz="1600" cap="all" spc="200" dirty="0">
+                <a:solidFill>
+                  <a:schemeClr val="accent1">
+                    <a:lumMod val="75000"/>
+                  </a:schemeClr>
+                </a:solidFill>
+                <a:latin typeface="Arial"/>
+                <a:cs typeface="Arial"/>
+              </a:rPr>
+              <a:t>three </a:t>
+            </a:r>
+            <a:r>
+              <a:rPr lang="en-US" sz="1600" cap="all" spc="200" dirty="0" smtClean="0">
+                <a:solidFill>
+                  <a:schemeClr val="accent1">
+                    <a:lumMod val="75000"/>
+                  </a:schemeClr>
+                </a:solidFill>
+                <a:latin typeface="Arial"/>
+                <a:cs typeface="Arial"/>
+              </a:rPr>
+              <a:t>parts functions and </a:t>
+            </a:r>
+            <a:r>
+              <a:rPr lang="en-US" sz="1600" cap="all" spc="200" dirty="0">
+                <a:solidFill>
+                  <a:schemeClr val="accent1">
+                    <a:lumMod val="75000"/>
+                  </a:schemeClr>
+                </a:solidFill>
+                <a:latin typeface="Arial"/>
+                <a:cs typeface="Arial"/>
+              </a:rPr>
+              <a:t>work well with each </a:t>
+            </a:r>
+            <a:r>
+              <a:rPr lang="en-US" sz="1600" cap="all" spc="200" dirty="0" smtClean="0">
+                <a:solidFill>
+                  <a:schemeClr val="accent1">
+                    <a:lumMod val="75000"/>
+                  </a:schemeClr>
+                </a:solidFill>
+                <a:latin typeface="Arial"/>
+                <a:cs typeface="Arial"/>
+              </a:rPr>
+              <a:t>other</a:t>
+            </a:r>
+          </a:p>
+          <a:p>
+            <a:pPr marL="12700"/>
+            <a:endParaRPr lang="en-US" sz="1600" cap="all" spc="200" dirty="0" smtClean="0">
+              <a:solidFill>
+                <a:schemeClr val="accent1">
+                  <a:lumMod val="75000"/>
+                </a:schemeClr>
+              </a:solidFill>
+              <a:latin typeface="Arial"/>
+              <a:cs typeface="Arial"/>
+            </a:endParaRPr>
+          </a:p>
+          <a:p>
+            <a:pPr marL="12700"/>
+            <a:r>
+              <a:rPr lang="en-US" sz="1600" cap="all" spc="200" dirty="0" err="1" smtClean="0">
+                <a:solidFill>
+                  <a:schemeClr val="accent1">
+                    <a:lumMod val="75000"/>
+                  </a:schemeClr>
+                </a:solidFill>
+                <a:latin typeface="Arial"/>
+                <a:cs typeface="Arial"/>
+              </a:rPr>
+              <a:t>Personalise</a:t>
+            </a:r>
+            <a:r>
+              <a:rPr lang="en-US" sz="1600" cap="all" spc="200" dirty="0" smtClean="0">
+                <a:solidFill>
+                  <a:schemeClr val="accent1">
+                    <a:lumMod val="75000"/>
+                  </a:schemeClr>
+                </a:solidFill>
+                <a:latin typeface="Arial"/>
+                <a:cs typeface="Arial"/>
+              </a:rPr>
+              <a:t> the application with relevant information.</a:t>
+            </a:r>
+            <a:endParaRPr lang="en-US" sz="1600" cap="all" spc="200" dirty="0">
+              <a:solidFill>
+                <a:schemeClr val="accent1">
+                  <a:lumMod val="75000"/>
+                </a:schemeClr>
+              </a:solidFill>
+              <a:latin typeface="Arial"/>
+              <a:cs typeface="Arial"/>
+            </a:endParaRPr>
+          </a:p>
+          <a:p>
+            <a:pPr marL="12700"/>
+            <a:endParaRPr lang="en-US" sz="1600" cap="all" spc="200" dirty="0">
+              <a:solidFill>
+                <a:schemeClr val="accent1">
+                  <a:lumMod val="75000"/>
+                </a:schemeClr>
+              </a:solidFill>
+              <a:latin typeface="Arial"/>
+              <a:cs typeface="Arial"/>
+            </a:endParaRPr>
+          </a:p>
+          <a:p>
+            <a:pPr marL="12700"/>
+            <a:r>
+              <a:rPr lang="en-US" sz="1600" cap="all" spc="200" dirty="0" smtClean="0">
+                <a:solidFill>
+                  <a:schemeClr val="accent1">
+                    <a:lumMod val="75000"/>
+                  </a:schemeClr>
+                </a:solidFill>
+                <a:latin typeface="Arial"/>
+                <a:cs typeface="Arial"/>
+              </a:rPr>
+              <a:t>WE believe that the application will help navigation issues.</a:t>
+            </a:r>
+            <a:endParaRPr lang="en-US" sz="1600" cap="all" spc="200" dirty="0">
+              <a:solidFill>
+                <a:schemeClr val="accent1">
+                  <a:lumMod val="75000"/>
+                </a:schemeClr>
+              </a:solidFill>
+              <a:latin typeface="Arial"/>
+              <a:cs typeface="Arial"/>
+            </a:endParaRPr>
+          </a:p>
+          <a:p>
+            <a:pPr marL="12700"/>
+            <a:endParaRPr lang="en-US" sz="1600" cap="all" spc="200" dirty="0" smtClean="0">
+              <a:solidFill>
+                <a:schemeClr val="accent1">
+                  <a:lumMod val="75000"/>
+                </a:schemeClr>
+              </a:solidFill>
+              <a:latin typeface="Arial"/>
+              <a:cs typeface="Arial"/>
+            </a:endParaRPr>
+          </a:p>
+          <a:p>
+            <a:pPr marL="12700"/>
+            <a:endParaRPr lang="en-US" sz="1600" cap="all" spc="200" dirty="0" smtClean="0">
+              <a:solidFill>
+                <a:schemeClr val="accent1">
+                  <a:lumMod val="75000"/>
+                </a:schemeClr>
+              </a:solidFill>
+              <a:latin typeface="Arial"/>
+              <a:cs typeface="Arial"/>
+            </a:endParaRPr>
+          </a:p>
+          <a:p>
+            <a:pPr marL="12700"/>
+            <a:endParaRPr lang="da-DK" sz="1600" cap="all" spc="200" dirty="0" smtClean="0">
+              <a:solidFill>
+                <a:schemeClr val="accent1">
+                  <a:lumMod val="75000"/>
+                </a:schemeClr>
+              </a:solidFill>
+              <a:latin typeface="Arial"/>
+              <a:cs typeface="Arial"/>
+            </a:endParaRPr>
+          </a:p>
+          <a:p>
+            <a:pPr marL="12700"/>
+            <a:endParaRPr lang="en-GB" sz="1400" cap="all" spc="200" dirty="0">
+              <a:solidFill>
+                <a:schemeClr val="accent1">
+                  <a:lumMod val="75000"/>
+                </a:schemeClr>
+              </a:solidFill>
+              <a:latin typeface="Arial"/>
+              <a:cs typeface="Arial"/>
+            </a:endParaRPr>
+          </a:p>
+        </p:txBody>
+      </p:sp>
+      <p:sp>
+        <p:nvSpPr>
+          <p:cNvPr id="8" name="object 4"/>
+          <p:cNvSpPr txBox="1">
+            <a:spLocks noGrp="1"/>
+          </p:cNvSpPr>
+          <p:nvPr>
+            <p:ph type="ftr" sz="quarter" idx="4294967295"/>
+          </p:nvPr>
+        </p:nvSpPr>
+        <p:spPr>
+          <a:xfrm>
+            <a:off x="4064146" y="5952020"/>
+            <a:ext cx="4343400" cy="143981"/>
+          </a:xfrm>
+          <a:prstGeom prst="rect">
+            <a:avLst/>
+          </a:prstGeom>
+        </p:spPr>
+        <p:txBody>
+          <a:bodyPr vert="horz" wrap="square" lIns="0" tIns="0" rIns="0" bIns="0" rtlCol="0" anchor="ctr">
+            <a:noAutofit/>
+          </a:bodyPr>
+          <a:lstStyle/>
+          <a:p>
+            <a:pPr marL="12700"/>
+            <a:fld id="{9561DEC8-19EE-4A79-9D71-66FF6B3E3434}" type="slidenum">
+              <a:rPr lang="da-DK" sz="850" b="1" kern="0" cap="all" spc="200">
+                <a:solidFill>
+                  <a:schemeClr val="tx1">
+                    <a:lumMod val="50000"/>
+                    <a:lumOff val="50000"/>
+                  </a:schemeClr>
+                </a:solidFill>
+                <a:latin typeface="Arial"/>
+                <a:cs typeface="Arial"/>
+              </a:rPr>
+              <a:pPr marL="12700"/>
+              <a:t>23</a:t>
+            </a:fld>
+            <a:r>
+              <a:rPr lang="da-DK" sz="850" b="1" kern="0" cap="all" spc="200" dirty="0">
+                <a:solidFill>
+                  <a:schemeClr val="tx1">
+                    <a:lumMod val="50000"/>
+                    <a:lumOff val="50000"/>
+                  </a:schemeClr>
+                </a:solidFill>
+                <a:latin typeface="Arial"/>
+                <a:cs typeface="Arial"/>
+              </a:rPr>
+              <a:t> </a:t>
+            </a:r>
+            <a:r>
+              <a:rPr sz="850" b="1" kern="0" cap="all" spc="200" dirty="0">
+                <a:solidFill>
+                  <a:schemeClr val="tx1">
+                    <a:lumMod val="50000"/>
+                    <a:lumOff val="50000"/>
+                  </a:schemeClr>
+                </a:solidFill>
+                <a:latin typeface="Arial"/>
+                <a:cs typeface="Arial"/>
+              </a:rPr>
+              <a:t>OF</a:t>
+            </a:r>
+            <a:r>
+              <a:rPr lang="da-DK" sz="850" b="1" kern="0" cap="all" spc="200" dirty="0">
+                <a:solidFill>
+                  <a:schemeClr val="tx1">
+                    <a:lumMod val="50000"/>
+                    <a:lumOff val="50000"/>
+                  </a:schemeClr>
+                </a:solidFill>
+                <a:latin typeface="Arial"/>
+                <a:cs typeface="Arial"/>
+              </a:rPr>
+              <a:t> </a:t>
+            </a:r>
+            <a:r>
+              <a:rPr lang="da-DK" sz="850" b="1" kern="0" cap="all" spc="200" dirty="0" smtClean="0">
+                <a:solidFill>
+                  <a:schemeClr val="tx1">
+                    <a:lumMod val="50000"/>
+                    <a:lumOff val="50000"/>
+                  </a:schemeClr>
+                </a:solidFill>
+                <a:latin typeface="Arial"/>
+                <a:cs typeface="Arial"/>
+              </a:rPr>
+              <a:t>17  </a:t>
+            </a:r>
+            <a:r>
+              <a:rPr lang="da-DK" sz="850" b="1" kern="0" cap="all" spc="200" dirty="0">
+                <a:solidFill>
+                  <a:schemeClr val="tx1">
+                    <a:lumMod val="50000"/>
+                    <a:lumOff val="50000"/>
+                  </a:schemeClr>
+                </a:solidFill>
+                <a:latin typeface="Arial"/>
+                <a:cs typeface="Arial"/>
+              </a:rPr>
+              <a:t>| </a:t>
+            </a:r>
+            <a:r>
+              <a:rPr lang="da-DK" sz="850" b="1" kern="0" spc="200" dirty="0">
+                <a:solidFill>
+                  <a:schemeClr val="tx1">
+                    <a:lumMod val="50000"/>
+                    <a:lumOff val="50000"/>
+                  </a:schemeClr>
+                </a:solidFill>
+                <a:latin typeface="Arial"/>
+                <a:cs typeface="Arial"/>
+              </a:rPr>
+              <a:t>26.06.2013</a:t>
+            </a:r>
+            <a:endParaRPr sz="850" kern="0" cap="all" spc="200" dirty="0">
+              <a:solidFill>
+                <a:schemeClr val="tx1">
+                  <a:lumMod val="50000"/>
+                  <a:lumOff val="50000"/>
+                </a:schemeClr>
+              </a:solidFill>
+              <a:latin typeface="Arial"/>
+              <a:cs typeface="Arial"/>
+            </a:endParaRPr>
+          </a:p>
+        </p:txBody>
+      </p:sp>
+      <p:sp>
+        <p:nvSpPr>
+          <p:cNvPr id="9" name="object 7"/>
+          <p:cNvSpPr txBox="1"/>
+          <p:nvPr/>
+        </p:nvSpPr>
+        <p:spPr>
+          <a:xfrm>
+            <a:off x="4267200" y="6137889"/>
+            <a:ext cx="3682706" cy="294005"/>
+          </a:xfrm>
+          <a:prstGeom prst="rect">
+            <a:avLst/>
+          </a:prstGeom>
+        </p:spPr>
+        <p:txBody>
+          <a:bodyPr vert="horz" wrap="square" lIns="0" tIns="0" rIns="0" bIns="0" rtlCol="0">
+            <a:noAutofit/>
+          </a:bodyPr>
+          <a:lstStyle/>
+          <a:p>
+            <a:pPr algn="ctr">
+              <a:lnSpc>
+                <a:spcPct val="100000"/>
+              </a:lnSpc>
+            </a:pPr>
+            <a:r>
+              <a:rPr lang="da-DK" sz="850" b="1" kern="0" cap="all" spc="200" dirty="0">
+                <a:solidFill>
+                  <a:schemeClr val="tx1">
+                    <a:lumMod val="50000"/>
+                    <a:lumOff val="50000"/>
+                  </a:schemeClr>
+                </a:solidFill>
+                <a:latin typeface="Arial"/>
+                <a:cs typeface="Arial"/>
+              </a:rPr>
+              <a:t>Department of computer science</a:t>
+            </a:r>
+            <a:endParaRPr sz="850" b="1" kern="0" cap="all" spc="200" dirty="0">
+              <a:solidFill>
+                <a:schemeClr val="tx1">
+                  <a:lumMod val="50000"/>
+                  <a:lumOff val="50000"/>
+                </a:schemeClr>
+              </a:solidFill>
+              <a:latin typeface="Arial"/>
+              <a:cs typeface="Arial"/>
+            </a:endParaRPr>
+          </a:p>
+          <a:p>
+            <a:pPr marR="20320" algn="ctr">
+              <a:spcBef>
+                <a:spcPts val="180"/>
+              </a:spcBef>
+            </a:pPr>
+            <a:r>
+              <a:rPr sz="850" kern="0" cap="all" spc="200" dirty="0">
+                <a:solidFill>
+                  <a:schemeClr val="tx1">
+                    <a:lumMod val="50000"/>
+                    <a:lumOff val="50000"/>
+                  </a:schemeClr>
+                </a:solidFill>
+                <a:latin typeface="Arial"/>
+                <a:cs typeface="Arial"/>
+              </a:rPr>
+              <a:t>AALBORG</a:t>
+            </a:r>
+            <a:r>
+              <a:rPr lang="da-DK" sz="850" kern="0" cap="all" spc="200" dirty="0">
+                <a:solidFill>
+                  <a:schemeClr val="tx1">
+                    <a:lumMod val="50000"/>
+                    <a:lumOff val="50000"/>
+                  </a:schemeClr>
+                </a:solidFill>
+                <a:latin typeface="Arial"/>
+                <a:cs typeface="Arial"/>
+              </a:rPr>
+              <a:t> UNIVERSITy</a:t>
+            </a:r>
+            <a:endParaRPr sz="850" kern="0" cap="all" spc="200" dirty="0">
+              <a:solidFill>
+                <a:schemeClr val="tx1">
+                  <a:lumMod val="50000"/>
+                  <a:lumOff val="50000"/>
+                </a:schemeClr>
+              </a:solidFill>
+              <a:latin typeface="Arial"/>
+              <a:cs typeface="Arial"/>
+            </a:endParaRPr>
+          </a:p>
+        </p:txBody>
+      </p:sp>
+      <p:sp>
+        <p:nvSpPr>
+          <p:cNvPr id="7" name="TextBox 6"/>
+          <p:cNvSpPr txBox="1"/>
+          <p:nvPr/>
+        </p:nvSpPr>
+        <p:spPr>
+          <a:xfrm>
+            <a:off x="7148752" y="181694"/>
+            <a:ext cx="4829888" cy="861774"/>
+          </a:xfrm>
+          <a:prstGeom prst="rect">
+            <a:avLst/>
+          </a:prstGeom>
+          <a:noFill/>
+        </p:spPr>
+        <p:txBody>
+          <a:bodyPr wrap="square" numCol="2" rtlCol="0">
+            <a:spAutoFit/>
+          </a:bodyPr>
+          <a:lstStyle/>
+          <a:p>
+            <a:pPr marL="12700"/>
+            <a:r>
+              <a:rPr lang="en-GB" sz="1000" b="1" cap="all" spc="200" dirty="0">
+                <a:solidFill>
+                  <a:schemeClr val="accent1">
+                    <a:lumMod val="75000"/>
+                    <a:alpha val="50000"/>
+                  </a:schemeClr>
+                </a:solidFill>
+                <a:latin typeface="Arial"/>
+                <a:cs typeface="Arial"/>
+              </a:rPr>
+              <a:t>Motivation</a:t>
+            </a:r>
+            <a:endParaRPr lang="da-DK" sz="1000" b="1" cap="all" spc="200" dirty="0">
+              <a:solidFill>
+                <a:schemeClr val="accent1">
+                  <a:lumMod val="75000"/>
+                  <a:alpha val="50000"/>
+                </a:schemeClr>
+              </a:solidFill>
+              <a:latin typeface="Arial"/>
+              <a:cs typeface="Arial"/>
+            </a:endParaRPr>
+          </a:p>
+          <a:p>
+            <a:pPr marL="12700"/>
+            <a:r>
+              <a:rPr lang="en-GB" sz="1000" b="1" cap="all" spc="200" dirty="0" smtClean="0">
+                <a:solidFill>
+                  <a:schemeClr val="accent1">
+                    <a:lumMod val="75000"/>
+                    <a:alpha val="50000"/>
+                  </a:schemeClr>
+                </a:solidFill>
+                <a:latin typeface="Arial"/>
+                <a:cs typeface="Arial"/>
+              </a:rPr>
+              <a:t>Concept</a:t>
+            </a:r>
+            <a:endParaRPr lang="da-DK" sz="1000" b="1" cap="all" spc="200" dirty="0" smtClean="0">
+              <a:solidFill>
+                <a:schemeClr val="accent1">
+                  <a:lumMod val="75000"/>
+                  <a:alpha val="50000"/>
+                </a:schemeClr>
+              </a:solidFill>
+              <a:latin typeface="Arial"/>
+              <a:cs typeface="Arial"/>
+            </a:endParaRPr>
+          </a:p>
+          <a:p>
+            <a:pPr marL="12700"/>
+            <a:r>
+              <a:rPr lang="en-GB" sz="1000" b="1" cap="all" spc="200" dirty="0" smtClean="0">
+                <a:solidFill>
+                  <a:schemeClr val="accent1">
+                    <a:lumMod val="75000"/>
+                    <a:alpha val="50000"/>
+                  </a:schemeClr>
+                </a:solidFill>
+                <a:latin typeface="Arial"/>
+                <a:cs typeface="Arial"/>
+              </a:rPr>
+              <a:t>App design</a:t>
+            </a:r>
+            <a:endParaRPr lang="en-GB" sz="1000" b="1" cap="all" spc="200" dirty="0">
+              <a:solidFill>
+                <a:schemeClr val="accent1">
+                  <a:lumMod val="75000"/>
+                </a:schemeClr>
+              </a:solidFill>
+              <a:latin typeface="Arial"/>
+              <a:cs typeface="Arial"/>
+            </a:endParaRPr>
+          </a:p>
+          <a:p>
+            <a:pPr marL="12700"/>
+            <a:r>
+              <a:rPr lang="en-GB" sz="1000" b="1" cap="all" spc="200" dirty="0" smtClean="0">
+                <a:solidFill>
+                  <a:schemeClr val="accent1">
+                    <a:lumMod val="75000"/>
+                    <a:alpha val="50000"/>
+                  </a:schemeClr>
+                </a:solidFill>
+                <a:latin typeface="Arial"/>
+                <a:cs typeface="Arial"/>
+              </a:rPr>
+              <a:t>App implementation</a:t>
+            </a:r>
+            <a:r>
+              <a:rPr lang="da-DK" sz="1000" b="1" cap="all" spc="200" dirty="0" smtClean="0">
+                <a:solidFill>
+                  <a:schemeClr val="accent1">
+                    <a:lumMod val="75000"/>
+                    <a:alpha val="50000"/>
+                  </a:schemeClr>
+                </a:solidFill>
+                <a:latin typeface="Arial"/>
+                <a:cs typeface="Arial"/>
+              </a:rPr>
+              <a:t> </a:t>
+            </a:r>
+          </a:p>
+          <a:p>
+            <a:pPr marL="12700"/>
+            <a:endParaRPr lang="da-DK" sz="1000" b="1" cap="all" spc="200" dirty="0">
+              <a:solidFill>
+                <a:schemeClr val="accent1">
+                  <a:lumMod val="75000"/>
+                  <a:alpha val="50000"/>
+                </a:schemeClr>
+              </a:solidFill>
+              <a:latin typeface="Arial"/>
+              <a:cs typeface="Arial"/>
+            </a:endParaRPr>
+          </a:p>
+          <a:p>
+            <a:pPr marL="12700"/>
+            <a:r>
+              <a:rPr lang="en-GB" sz="1000" b="1" cap="all" spc="200" dirty="0" smtClean="0">
+                <a:solidFill>
+                  <a:schemeClr val="accent1">
+                    <a:lumMod val="75000"/>
+                    <a:alpha val="50000"/>
+                  </a:schemeClr>
+                </a:solidFill>
+                <a:latin typeface="Arial"/>
+                <a:cs typeface="Arial"/>
+              </a:rPr>
+              <a:t>Website</a:t>
+            </a:r>
+            <a:endParaRPr lang="da-DK" sz="1000" b="1" cap="all" spc="200" dirty="0">
+              <a:solidFill>
+                <a:schemeClr val="accent1">
+                  <a:lumMod val="75000"/>
+                  <a:alpha val="50000"/>
+                </a:schemeClr>
+              </a:solidFill>
+              <a:latin typeface="Arial"/>
+              <a:cs typeface="Arial"/>
+            </a:endParaRPr>
+          </a:p>
+          <a:p>
+            <a:pPr marL="12700"/>
+            <a:r>
+              <a:rPr lang="da-DK" sz="1000" b="1" cap="all" spc="200" dirty="0" smtClean="0">
+                <a:solidFill>
+                  <a:schemeClr val="accent1">
+                    <a:lumMod val="75000"/>
+                    <a:alpha val="50000"/>
+                  </a:schemeClr>
+                </a:solidFill>
+                <a:latin typeface="Arial"/>
+                <a:cs typeface="Arial"/>
+              </a:rPr>
+              <a:t>Server </a:t>
+            </a:r>
+            <a:r>
+              <a:rPr lang="da-DK" sz="1000" b="1" cap="all" spc="200" dirty="0" err="1" smtClean="0">
+                <a:solidFill>
+                  <a:schemeClr val="accent1">
+                    <a:lumMod val="75000"/>
+                    <a:alpha val="50000"/>
+                  </a:schemeClr>
+                </a:solidFill>
+                <a:latin typeface="Arial"/>
+                <a:cs typeface="Arial"/>
+              </a:rPr>
+              <a:t>Communication</a:t>
+            </a:r>
+            <a:endParaRPr lang="da-DK" sz="1000" b="1" cap="all" spc="200" dirty="0" smtClean="0">
+              <a:solidFill>
+                <a:schemeClr val="accent1">
+                  <a:lumMod val="75000"/>
+                  <a:alpha val="50000"/>
+                </a:schemeClr>
+              </a:solidFill>
+              <a:latin typeface="Arial"/>
+              <a:cs typeface="Arial"/>
+            </a:endParaRPr>
+          </a:p>
+          <a:p>
+            <a:pPr marL="12700"/>
+            <a:r>
+              <a:rPr lang="en-GB" sz="1000" b="1" cap="all" spc="200" dirty="0">
+                <a:solidFill>
+                  <a:schemeClr val="accent1">
+                    <a:lumMod val="75000"/>
+                  </a:schemeClr>
+                </a:solidFill>
+                <a:latin typeface="Arial"/>
+                <a:cs typeface="Arial"/>
+              </a:rPr>
+              <a:t>Results and findings</a:t>
+            </a:r>
+          </a:p>
+          <a:p>
+            <a:pPr marL="12700"/>
+            <a:r>
+              <a:rPr lang="en-GB" sz="1000" b="1" cap="all" spc="200" dirty="0" smtClean="0">
+                <a:solidFill>
+                  <a:schemeClr val="accent1">
+                    <a:lumMod val="75000"/>
+                    <a:alpha val="50000"/>
+                  </a:schemeClr>
+                </a:solidFill>
+                <a:latin typeface="Arial"/>
+                <a:cs typeface="Arial"/>
+              </a:rPr>
+              <a:t>Demonstration</a:t>
+            </a:r>
+            <a:endParaRPr lang="da-DK" sz="1000" b="1" cap="all" spc="200" dirty="0">
+              <a:solidFill>
+                <a:schemeClr val="accent1">
+                  <a:lumMod val="75000"/>
+                  <a:alpha val="50000"/>
+                </a:schemeClr>
+              </a:solidFill>
+              <a:latin typeface="Arial"/>
+              <a:cs typeface="Arial"/>
+            </a:endParaRPr>
+          </a:p>
+          <a:p>
+            <a:endParaRPr lang="da-DK" sz="1000" dirty="0"/>
+          </a:p>
+        </p:txBody>
+      </p:sp>
+    </p:spTree>
+    <p:extLst>
+      <p:ext uri="{BB962C8B-B14F-4D97-AF65-F5344CB8AC3E}">
+        <p14:creationId xmlns:p14="http://schemas.microsoft.com/office/powerpoint/2010/main" val="1887267618"/>
+      </p:ext>
+    </p:extLst>
+  </p:cSld>
+  <p:clrMapOvr>
+    <a:masterClrMapping/>
+  </p:clrMapOvr>
+  <mc:AlternateContent xmlns:mc="http://schemas.openxmlformats.org/markup-compatibility/2006" xmlns:p14="http://schemas.microsoft.com/office/powerpoint/2010/main">
+    <mc:Choice Requires="p14">
+      <p:transition p14:dur="250">
+        <p:fade/>
+      </p:transition>
+    </mc:Choice>
+    <mc:Fallback xmlns="">
+      <p:transition>
+        <p:fade/>
+      </p:transition>
+    </mc:Fallback>
+  </mc:AlternateContent>
+  <p:timing>
+    <p:tnLst>
+      <p:par>
+        <p:cTn id="1" dur="indefinite" restart="never" nodeType="tmRoot"/>
+      </p:par>
+    </p:tnLst>
+  </p:timing>
+</p:sld>
+</file>
+
+<file path=ppt/slides/slide24.xml><?xml version="1.0" encoding="utf-8"?>
+<p:sld xmlns:a="http://schemas.openxmlformats.org/drawingml/2006/main" xmlns:r="http://schemas.openxmlformats.org/officeDocument/2006/relationships" xmlns:p="http://schemas.openxmlformats.org/presentationml/2006/main">
+  <p:cSld>
+    <p:spTree>
+      <p:nvGrpSpPr>
+        <p:cNvPr id="1" name=""/>
+        <p:cNvGrpSpPr/>
+        <p:nvPr/>
+      </p:nvGrpSpPr>
+      <p:grpSpPr>
+        <a:xfrm>
+          <a:off x="0" y="0"/>
+          <a:ext cx="0" cy="0"/>
+          <a:chOff x="0" y="0"/>
+          <a:chExt cx="0" cy="0"/>
+        </a:xfrm>
+      </p:grpSpPr>
+      <p:sp>
+        <p:nvSpPr>
+          <p:cNvPr id="2" name="object 2"/>
+          <p:cNvSpPr txBox="1">
+            <a:spLocks noGrp="1"/>
+          </p:cNvSpPr>
+          <p:nvPr>
+            <p:ph type="title"/>
+          </p:nvPr>
+        </p:nvSpPr>
+        <p:spPr>
+          <a:xfrm>
+            <a:off x="3351956" y="2420888"/>
+            <a:ext cx="5536756" cy="1023270"/>
+          </a:xfrm>
+          <a:prstGeom prst="rect">
+            <a:avLst/>
+          </a:prstGeom>
+        </p:spPr>
+        <p:txBody>
+          <a:bodyPr vert="horz" wrap="square" lIns="0" tIns="0" rIns="0" bIns="0" rtlCol="0" anchor="ctr">
+            <a:noAutofit/>
+          </a:bodyPr>
+          <a:lstStyle/>
+          <a:p>
+            <a:pPr algn="ctr">
+              <a:lnSpc>
+                <a:spcPts val="3960"/>
+              </a:lnSpc>
+              <a:tabLst>
+                <a:tab pos="1676400" algn="l"/>
+              </a:tabLst>
+            </a:pPr>
+            <a:r>
+              <a:rPr lang="en-GB" sz="3600" b="1" dirty="0" smtClean="0">
+                <a:solidFill>
+                  <a:schemeClr val="tx2">
+                    <a:lumMod val="50000"/>
+                  </a:schemeClr>
+                </a:solidFill>
+                <a:latin typeface="Arial"/>
+                <a:cs typeface="Arial"/>
+              </a:rPr>
+              <a:t>Live Demo</a:t>
+            </a:r>
+            <a:endParaRPr sz="3600" b="1" dirty="0">
+              <a:solidFill>
+                <a:schemeClr val="tx2">
+                  <a:lumMod val="50000"/>
+                </a:schemeClr>
+              </a:solidFill>
+              <a:latin typeface="Arial"/>
+              <a:cs typeface="Arial"/>
+            </a:endParaRPr>
+          </a:p>
+        </p:txBody>
+      </p:sp>
+      <p:pic>
+        <p:nvPicPr>
+          <p:cNvPr id="10" name="Billede 9"/>
+          <p:cNvPicPr>
+            <a:picLocks noChangeAspect="1"/>
+          </p:cNvPicPr>
+          <p:nvPr/>
+        </p:nvPicPr>
+        <p:blipFill>
+          <a:blip r:embed="rId2" cstate="print">
+            <a:extLst>
+              <a:ext uri="{28A0092B-C50C-407E-A947-70E740481C1C}">
+                <a14:useLocalDpi xmlns:a14="http://schemas.microsoft.com/office/drawing/2010/main" val="0"/>
+              </a:ext>
+            </a:extLst>
+          </a:blip>
+          <a:stretch>
+            <a:fillRect/>
+          </a:stretch>
+        </p:blipFill>
+        <p:spPr>
+          <a:xfrm>
+            <a:off x="5348699" y="5576322"/>
+            <a:ext cx="1543270" cy="1009770"/>
+          </a:xfrm>
+          <a:prstGeom prst="rect">
+            <a:avLst/>
+          </a:prstGeom>
+        </p:spPr>
+      </p:pic>
+      <p:sp>
+        <p:nvSpPr>
+          <p:cNvPr id="4" name="Rektangel 3"/>
+          <p:cNvSpPr/>
+          <p:nvPr/>
+        </p:nvSpPr>
+        <p:spPr>
+          <a:xfrm>
+            <a:off x="3810000" y="3516167"/>
+            <a:ext cx="4572000" cy="276999"/>
+          </a:xfrm>
+          <a:prstGeom prst="rect">
+            <a:avLst/>
+          </a:prstGeom>
+        </p:spPr>
+        <p:txBody>
+          <a:bodyPr>
+            <a:spAutoFit/>
+          </a:bodyPr>
+          <a:lstStyle/>
+          <a:p>
+            <a:pPr marR="28575" algn="ctr"/>
+            <a:r>
+              <a:rPr lang="en-US" sz="1200" kern="0" cap="all" spc="200" dirty="0" err="1" smtClean="0">
+                <a:solidFill>
+                  <a:schemeClr val="tx2">
+                    <a:lumMod val="50000"/>
+                  </a:schemeClr>
+                </a:solidFill>
+                <a:latin typeface="Arial"/>
+                <a:cs typeface="Arial"/>
+              </a:rPr>
+              <a:t>Nicklas</a:t>
+            </a:r>
+            <a:r>
+              <a:rPr lang="en-US" sz="1200" kern="0" cap="all" spc="200" dirty="0" smtClean="0">
+                <a:solidFill>
+                  <a:schemeClr val="tx2">
+                    <a:lumMod val="50000"/>
+                  </a:schemeClr>
+                </a:solidFill>
+                <a:latin typeface="Arial"/>
+                <a:cs typeface="Arial"/>
+              </a:rPr>
+              <a:t> and </a:t>
+            </a:r>
+            <a:r>
+              <a:rPr lang="en-US" sz="1200" kern="0" cap="all" spc="200" dirty="0" err="1" smtClean="0">
+                <a:solidFill>
+                  <a:schemeClr val="tx2">
+                    <a:lumMod val="50000"/>
+                  </a:schemeClr>
+                </a:solidFill>
+                <a:latin typeface="Arial"/>
+                <a:cs typeface="Arial"/>
+              </a:rPr>
+              <a:t>Jesper</a:t>
+            </a:r>
+            <a:endParaRPr lang="en-US" sz="1200" kern="0" cap="all" spc="200" dirty="0" smtClean="0">
+              <a:solidFill>
+                <a:schemeClr val="tx2">
+                  <a:lumMod val="50000"/>
+                </a:schemeClr>
+              </a:solidFill>
+              <a:latin typeface="Arial"/>
+              <a:cs typeface="Arial"/>
+            </a:endParaRPr>
+          </a:p>
+        </p:txBody>
+      </p:sp>
+    </p:spTree>
+    <p:extLst>
+      <p:ext uri="{BB962C8B-B14F-4D97-AF65-F5344CB8AC3E}">
+        <p14:creationId xmlns:p14="http://schemas.microsoft.com/office/powerpoint/2010/main" val="2595525755"/>
+      </p:ext>
+    </p:extLst>
+  </p:cSld>
+  <p:clrMapOvr>
+    <a:masterClrMapping/>
+  </p:clrMapOvr>
+  <mc:AlternateContent xmlns:mc="http://schemas.openxmlformats.org/markup-compatibility/2006" xmlns:p14="http://schemas.microsoft.com/office/powerpoint/2010/main">
+    <mc:Choice Requires="p14">
+      <p:transition p14:dur="250">
+        <p:fade/>
+      </p:transition>
+    </mc:Choice>
+    <mc:Fallback xmlns="">
       <p:transition>
         <p:fade/>
       </p:transition>
@@ -8139,13 +12822,13 @@
   <p:clrMapOvr>
     <a:masterClrMapping/>
   </p:clrMapOvr>
-  <mc:AlternateContent xmlns:mc="http://schemas.openxmlformats.org/markup-compatibility/2006">
-    <mc:Choice xmlns:p14="http://schemas.microsoft.com/office/powerpoint/2010/main" Requires="p14">
+  <mc:AlternateContent xmlns:mc="http://schemas.openxmlformats.org/markup-compatibility/2006" xmlns:p14="http://schemas.microsoft.com/office/powerpoint/2010/main">
+    <mc:Choice Requires="p14">
       <p:transition p14:dur="250">
         <p:fade/>
       </p:transition>
     </mc:Choice>
-    <mc:Fallback>
+    <mc:Fallback xmlns="">
       <p:transition>
         <p:fade/>
       </p:transition>
@@ -8216,8 +12899,17 @@
                 <a:latin typeface="Arial"/>
                 <a:cs typeface="Arial"/>
               </a:rPr>
-              <a:t>Motivation</a:t>
-            </a:r>
+              <a:t>System Motivation</a:t>
+            </a:r>
+            <a:endParaRPr lang="en-GB" sz="2400" kern="0" cap="all" spc="200" dirty="0" smtClean="0">
+              <a:solidFill>
+                <a:schemeClr val="tx2">
+                  <a:lumMod val="50000"/>
+                </a:schemeClr>
+              </a:solidFill>
+              <a:latin typeface="Arial"/>
+              <a:cs typeface="Arial"/>
+            </a:endParaRPr>
           </a:p>
         </p:txBody>
       </p:sp>
@@ -8940,13 +13632,13 @@
   <p:clrMapOvr>
     <a:masterClrMapping/>
   </p:clrMapOvr>
-  <mc:AlternateContent xmlns:mc="http://schemas.openxmlformats.org/markup-compatibility/2006">
-    <mc:Choice xmlns:p14="http://schemas.microsoft.com/office/powerpoint/2010/main" Requires="p14">
+  <mc:AlternateContent xmlns:mc="http://schemas.openxmlformats.org/markup-compatibility/2006" xmlns:p14="http://schemas.microsoft.com/office/powerpoint/2010/main">
+    <mc:Choice Requires="p14">
       <p:transition p14:dur="250">
         <p:fade/>
       </p:transition>
     </mc:Choice>
-    <mc:Fallback>
+    <mc:Fallback xmlns="">
       <p:transition>
         <p:fade/>
       </p:transition>
@@ -9122,13 +13814,13 @@
   <p:clrMapOvr>
     <a:masterClrMapping/>
   </p:clrMapOvr>
-  <mc:AlternateContent xmlns:mc="http://schemas.openxmlformats.org/markup-compatibility/2006">
-    <mc:Choice xmlns:p14="http://schemas.microsoft.com/office/powerpoint/2010/main" Requires="p14">
+  <mc:AlternateContent xmlns:mc="http://schemas.openxmlformats.org/markup-compatibility/2006" xmlns:p14="http://schemas.microsoft.com/office/powerpoint/2010/main">
+    <mc:Choice Requires="p14">
       <p:transition p14:dur="250">
         <p:fade/>
       </p:transition>
     </mc:Choice>
-    <mc:Fallback>
+    <mc:Fallback xmlns="">
       <p:transition>
         <p:fade/>
       </p:transition>
@@ -10010,13 +14702,13 @@
   <p:clrMapOvr>
     <a:masterClrMapping/>
   </p:clrMapOvr>
-  <mc:AlternateContent xmlns:mc="http://schemas.openxmlformats.org/markup-compatibility/2006">
-    <mc:Choice xmlns:p14="http://schemas.microsoft.com/office/powerpoint/2010/main" Requires="p14">
+  <mc:AlternateContent xmlns:mc="http://schemas.openxmlformats.org/markup-compatibility/2006" xmlns:p14="http://schemas.microsoft.com/office/powerpoint/2010/main">
+    <mc:Choice Requires="p14">
       <p:transition p14:dur="250">
         <p:fade/>
       </p:transition>
     </mc:Choice>
-    <mc:Fallback>
+    <mc:Fallback xmlns="">
       <p:transition>
         <p:fade/>
       </p:transition>
@@ -10204,13 +14896,13 @@
   <p:clrMapOvr>
     <a:masterClrMapping/>
   </p:clrMapOvr>
-  <mc:AlternateContent xmlns:mc="http://schemas.openxmlformats.org/markup-compatibility/2006">
-    <mc:Choice xmlns:p14="http://schemas.microsoft.com/office/powerpoint/2010/main" Requires="p14">
+  <mc:AlternateContent xmlns:mc="http://schemas.openxmlformats.org/markup-compatibility/2006" xmlns:p14="http://schemas.microsoft.com/office/powerpoint/2010/main">
+    <mc:Choice Requires="p14">
       <p:transition p14:dur="250">
         <p:fade/>
       </p:transition>
     </mc:Choice>
-    <mc:Fallback>
+    <mc:Fallback xmlns="">
       <p:transition>
         <p:fade/>
       </p:transition>
@@ -10317,33 +15009,18 @@
           <a:lstStyle/>
           <a:p>
             <a:pPr marL="12700"/>
-            <a:r>
-              <a:rPr lang="en-GB" b="1" cap="all" spc="200" dirty="0" smtClean="0">
-                <a:solidFill>
-                  <a:schemeClr val="accent1">
-                    <a:lumMod val="75000"/>
-                  </a:schemeClr>
-                </a:solidFill>
-                <a:latin typeface="Arial"/>
-                <a:cs typeface="Arial"/>
-              </a:rPr>
-              <a:t>TEST</a:t>
-            </a:r>
-          </a:p>
-          <a:p>
-            <a:pPr marL="12700"/>
-            <a:r>
-              <a:rPr lang="en-GB" sz="1600" cap="all" spc="200" dirty="0" err="1" smtClean="0">
-                <a:solidFill>
-                  <a:schemeClr val="accent1">
-                    <a:lumMod val="75000"/>
-                  </a:schemeClr>
-                </a:solidFill>
-                <a:latin typeface="Arial"/>
-                <a:cs typeface="Arial"/>
-              </a:rPr>
-              <a:t>TeST</a:t>
-            </a:r>
+            <a:endParaRPr lang="en-GB" b="1" cap="all" spc="200" dirty="0" smtClean="0">
+              <a:solidFill>
+                <a:schemeClr val="accent1">
+                  <a:lumMod val="75000"/>
+                </a:schemeClr>
+              </a:solidFill>
+              <a:latin typeface="Arial"/>
+              <a:cs typeface="Arial"/>
+            </a:endParaRPr>
+          </a:p>
+          <a:p>
+            <a:pPr marL="12700"/>
             <a:endParaRPr lang="en-GB" sz="1600" cap="all" spc="200" dirty="0">
               <a:solidFill>
                 <a:schemeClr val="accent1">
@@ -10531,27 +15208,27 @@
                 <a:solidFill>
                   <a:schemeClr val="accent1">
                     <a:lumMod val="75000"/>
+                  </a:schemeClr>
+                </a:solidFill>
+                <a:latin typeface="Arial"/>
+                <a:cs typeface="Arial"/>
+              </a:rPr>
+              <a:t>App design</a:t>
+            </a:r>
+          </a:p>
+          <a:p>
+            <a:pPr marL="12700"/>
+            <a:r>
+              <a:rPr lang="en-GB" sz="1000" b="1" cap="all" spc="200" dirty="0">
+                <a:solidFill>
+                  <a:schemeClr val="accent1">
+                    <a:lumMod val="75000"/>
                     <a:alpha val="50000"/>
                   </a:schemeClr>
                 </a:solidFill>
                 <a:latin typeface="Arial"/>
                 <a:cs typeface="Arial"/>
               </a:rPr>
-              <a:t>App design</a:t>
-            </a:r>
-          </a:p>
-          <a:p>
-            <a:pPr marL="12700"/>
-            <a:r>
-              <a:rPr lang="en-GB" sz="1000" b="1" cap="all" spc="200" dirty="0">
-                <a:solidFill>
-                  <a:schemeClr val="accent1">
-                    <a:lumMod val="75000"/>
-                  </a:schemeClr>
-                </a:solidFill>
-                <a:latin typeface="Arial"/>
-                <a:cs typeface="Arial"/>
-              </a:rPr>
               <a:t>App implementation</a:t>
             </a:r>
             <a:r>
@@ -10559,6 +15236,7 @@
                 <a:solidFill>
                   <a:schemeClr val="accent1">
                     <a:lumMod val="75000"/>
+                    <a:alpha val="50000"/>
                   </a:schemeClr>
                 </a:solidFill>
                 <a:latin typeface="Arial"/>
@@ -10851,6 +15529,106 @@
           </a:p>
         </p:txBody>
       </p:sp>
+      <p:pic>
+        <p:nvPicPr>
+          <p:cNvPr id="4" name="Picture 3"/>
+          <p:cNvPicPr>
+            <a:picLocks noChangeAspect="1"/>
+          </p:cNvPicPr>
+          <p:nvPr/>
+        </p:nvPicPr>
+        <p:blipFill>
+          <a:blip r:embed="rId2">
+            <a:extLst>
+              <a:ext uri="{28A0092B-C50C-407E-A947-70E740481C1C}">
+                <a14:useLocalDpi xmlns:a14="http://schemas.microsoft.com/office/drawing/2010/main" val="0"/>
+              </a:ext>
+            </a:extLst>
+          </a:blip>
+          <a:stretch>
+            <a:fillRect/>
+          </a:stretch>
+        </p:blipFill>
+        <p:spPr>
+          <a:xfrm>
+            <a:off x="2150300" y="1337637"/>
+            <a:ext cx="2740920" cy="4278024"/>
+          </a:xfrm>
+          <a:prstGeom prst="rect">
+            <a:avLst/>
+          </a:prstGeom>
+        </p:spPr>
+      </p:pic>
+      <p:sp>
+        <p:nvSpPr>
+          <p:cNvPr id="8" name="Right Arrow 7"/>
+          <p:cNvSpPr/>
+          <p:nvPr/>
+        </p:nvSpPr>
+        <p:spPr>
+          <a:xfrm>
+            <a:off x="5336558" y="2744861"/>
+            <a:ext cx="1366855" cy="675702"/>
+          </a:xfrm>
+          <a:prstGeom prst="rightArrow">
+            <a:avLst/>
+          </a:prstGeom>
+        </p:spPr>
+        <p:style>
+          <a:lnRef idx="2">
+            <a:schemeClr val="accent1">
+              <a:shade val="50000"/>
+            </a:schemeClr>
+          </a:lnRef>
+          <a:fillRef idx="1">
+            <a:schemeClr val="accent1"/>
+          </a:fillRef>
+          <a:effectRef idx="0">
+            <a:schemeClr val="accent1"/>
+          </a:effectRef>
+          <a:fontRef idx="minor">
+            <a:schemeClr val="lt1"/>
+          </a:fontRef>
+        </p:style>
+        <p:txBody>
+          <a:bodyPr rtlCol="0" anchor="ctr"/>
+          <a:lstStyle/>
+          <a:p>
+            <a:pPr algn="ctr"/>
+            <a:endParaRPr lang="da-DK"/>
+          </a:p>
+        </p:txBody>
+      </p:sp>
+      <p:pic>
+        <p:nvPicPr>
+          <p:cNvPr id="5" name="Picture 4"/>
+          <p:cNvPicPr>
+            <a:picLocks noChangeAspect="1"/>
+          </p:cNvPicPr>
+          <p:nvPr/>
+        </p:nvPicPr>
+        <p:blipFill>
+          <a:blip r:embed="rId3" cstate="print">
+            <a:extLst>
+              <a:ext uri="{28A0092B-C50C-407E-A947-70E740481C1C}">
+                <a14:useLocalDpi xmlns:a14="http://schemas.microsoft.com/office/drawing/2010/main" val="0"/>
+              </a:ext>
+            </a:extLst>
+          </a:blip>
+          <a:stretch>
+            <a:fillRect/>
+          </a:stretch>
+        </p:blipFill>
+        <p:spPr>
+          <a:xfrm>
+            <a:off x="7148752" y="1133931"/>
+            <a:ext cx="2520973" cy="4481730"/>
+          </a:xfrm>
+          <a:prstGeom prst="rect">
+            <a:avLst/>
+          </a:prstGeom>
+        </p:spPr>
+      </p:pic>
     </p:spTree>
     <p:extLst>
       <p:ext uri="{BB962C8B-B14F-4D97-AF65-F5344CB8AC3E}">
@@ -10861,13 +15639,13 @@
   <p:clrMapOvr>
     <a:masterClrMapping/>
   </p:clrMapOvr>
-  <mc:AlternateContent xmlns:mc="http://schemas.openxmlformats.org/markup-compatibility/2006">
-    <mc:Choice xmlns:p14="http://schemas.microsoft.com/office/powerpoint/2010/main" Requires="p14">
+  <mc:AlternateContent xmlns:mc="http://schemas.openxmlformats.org/markup-compatibility/2006" xmlns:p14="http://schemas.microsoft.com/office/powerpoint/2010/main">
+    <mc:Choice Requires="p14">
       <p:transition p14:dur="250">
         <p:fade/>
       </p:transition>
     </mc:Choice>
-    <mc:Fallback>
+    <mc:Fallback xmlns="">
       <p:transition>
         <p:fade/>
       </p:transition>
@@ -10903,64 +15681,335 @@
       <p:sp>
         <p:nvSpPr>
           <p:cNvPr id="2" name="object 2"/>
-          <p:cNvSpPr txBox="1">
-            <a:spLocks noGrp="1"/>
-          </p:cNvSpPr>
-          <p:nvPr>
-            <p:ph type="title"/>
-          </p:nvPr>
+          <p:cNvSpPr txBox="1"/>
+          <p:nvPr/>
         </p:nvSpPr>
         <p:spPr>
           <a:xfrm>
-            <a:off x="3351956" y="2420888"/>
-            <a:ext cx="5536756" cy="1023270"/>
+            <a:off x="2150300" y="562801"/>
+            <a:ext cx="6231700" cy="368935"/>
           </a:xfrm>
           <a:prstGeom prst="rect">
             <a:avLst/>
           </a:prstGeom>
         </p:spPr>
         <p:txBody>
+          <a:bodyPr vert="horz" wrap="square" lIns="0" tIns="0" rIns="0" bIns="0" rtlCol="0">
+            <a:noAutofit/>
+          </a:bodyPr>
+          <a:lstStyle/>
+          <a:p>
+            <a:pPr marL="12700">
+              <a:tabLst>
+                <a:tab pos="1641475" algn="l"/>
+                <a:tab pos="2152650" algn="l"/>
+                <a:tab pos="3412490" algn="l"/>
+              </a:tabLst>
+            </a:pPr>
+            <a:r>
+              <a:rPr lang="en-GB" sz="2400" kern="0" cap="all" spc="200" dirty="0" err="1" smtClean="0">
+                <a:solidFill>
+                  <a:schemeClr val="tx2">
+                    <a:lumMod val="50000"/>
+                  </a:schemeClr>
+                </a:solidFill>
+                <a:latin typeface="Arial"/>
+                <a:cs typeface="Arial"/>
+              </a:rPr>
+              <a:t>TeST</a:t>
+            </a:r>
+            <a:endParaRPr sz="2400" kern="0" cap="all" spc="200" dirty="0">
+              <a:solidFill>
+                <a:schemeClr val="tx2">
+                  <a:lumMod val="50000"/>
+                </a:schemeClr>
+              </a:solidFill>
+              <a:latin typeface="Arial"/>
+              <a:cs typeface="Arial"/>
+            </a:endParaRPr>
+          </a:p>
+        </p:txBody>
+      </p:sp>
+      <p:sp>
+        <p:nvSpPr>
+          <p:cNvPr id="3" name="object 3"/>
+          <p:cNvSpPr txBox="1"/>
+          <p:nvPr/>
+        </p:nvSpPr>
+        <p:spPr>
+          <a:xfrm>
+            <a:off x="2150300" y="1155200"/>
+            <a:ext cx="6231700" cy="4074001"/>
+          </a:xfrm>
+          <a:prstGeom prst="rect">
+            <a:avLst/>
+          </a:prstGeom>
+        </p:spPr>
+        <p:txBody>
+          <a:bodyPr vert="horz" wrap="square" lIns="0" tIns="0" rIns="0" bIns="0" rtlCol="0">
+            <a:noAutofit/>
+          </a:bodyPr>
+          <a:lstStyle/>
+          <a:p>
+            <a:pPr marL="12700"/>
+            <a:endParaRPr lang="en-GB" sz="1600" cap="all" spc="200" dirty="0">
+              <a:solidFill>
+                <a:schemeClr val="accent1">
+                  <a:lumMod val="75000"/>
+                </a:schemeClr>
+              </a:solidFill>
+              <a:latin typeface="Arial"/>
+              <a:cs typeface="Arial"/>
+            </a:endParaRPr>
+          </a:p>
+        </p:txBody>
+      </p:sp>
+      <p:sp>
+        <p:nvSpPr>
+          <p:cNvPr id="9" name="object 7"/>
+          <p:cNvSpPr txBox="1"/>
+          <p:nvPr/>
+        </p:nvSpPr>
+        <p:spPr>
+          <a:xfrm>
+            <a:off x="4267200" y="6137889"/>
+            <a:ext cx="3682706" cy="294005"/>
+          </a:xfrm>
+          <a:prstGeom prst="rect">
+            <a:avLst/>
+          </a:prstGeom>
+        </p:spPr>
+        <p:txBody>
+          <a:bodyPr vert="horz" wrap="square" lIns="0" tIns="0" rIns="0" bIns="0" rtlCol="0">
+            <a:noAutofit/>
+          </a:bodyPr>
+          <a:lstStyle/>
+          <a:p>
+            <a:pPr algn="ctr">
+              <a:lnSpc>
+                <a:spcPct val="100000"/>
+              </a:lnSpc>
+            </a:pPr>
+            <a:r>
+              <a:rPr lang="da-DK" sz="850" b="1" kern="0" cap="all" spc="200" dirty="0">
+                <a:solidFill>
+                  <a:schemeClr val="tx1">
+                    <a:lumMod val="50000"/>
+                    <a:lumOff val="50000"/>
+                  </a:schemeClr>
+                </a:solidFill>
+                <a:latin typeface="Arial"/>
+                <a:cs typeface="Arial"/>
+              </a:rPr>
+              <a:t>Department of computer science</a:t>
+            </a:r>
+            <a:endParaRPr sz="850" b="1" kern="0" cap="all" spc="200" dirty="0">
+              <a:solidFill>
+                <a:schemeClr val="tx1">
+                  <a:lumMod val="50000"/>
+                  <a:lumOff val="50000"/>
+                </a:schemeClr>
+              </a:solidFill>
+              <a:latin typeface="Arial"/>
+              <a:cs typeface="Arial"/>
+            </a:endParaRPr>
+          </a:p>
+          <a:p>
+            <a:pPr marR="20320" algn="ctr">
+              <a:spcBef>
+                <a:spcPts val="180"/>
+              </a:spcBef>
+            </a:pPr>
+            <a:r>
+              <a:rPr sz="850" kern="0" cap="all" spc="200" dirty="0">
+                <a:solidFill>
+                  <a:schemeClr val="tx1">
+                    <a:lumMod val="50000"/>
+                    <a:lumOff val="50000"/>
+                  </a:schemeClr>
+                </a:solidFill>
+                <a:latin typeface="Arial"/>
+                <a:cs typeface="Arial"/>
+              </a:rPr>
+              <a:t>AALBORG</a:t>
+            </a:r>
+            <a:r>
+              <a:rPr lang="da-DK" sz="850" kern="0" cap="all" spc="200" dirty="0">
+                <a:solidFill>
+                  <a:schemeClr val="tx1">
+                    <a:lumMod val="50000"/>
+                    <a:lumOff val="50000"/>
+                  </a:schemeClr>
+                </a:solidFill>
+                <a:latin typeface="Arial"/>
+                <a:cs typeface="Arial"/>
+              </a:rPr>
+              <a:t> UNIVERSITy</a:t>
+            </a:r>
+            <a:endParaRPr sz="850" kern="0" cap="all" spc="200" dirty="0">
+              <a:solidFill>
+                <a:schemeClr val="tx1">
+                  <a:lumMod val="50000"/>
+                  <a:lumOff val="50000"/>
+                </a:schemeClr>
+              </a:solidFill>
+              <a:latin typeface="Arial"/>
+              <a:cs typeface="Arial"/>
+            </a:endParaRPr>
+          </a:p>
+        </p:txBody>
+      </p:sp>
+      <p:sp>
+        <p:nvSpPr>
+          <p:cNvPr id="10" name="object 4"/>
+          <p:cNvSpPr txBox="1">
+            <a:spLocks/>
+          </p:cNvSpPr>
+          <p:nvPr/>
+        </p:nvSpPr>
+        <p:spPr>
+          <a:xfrm>
+            <a:off x="4064146" y="5952020"/>
+            <a:ext cx="4343400" cy="143981"/>
+          </a:xfrm>
+          <a:prstGeom prst="rect">
+            <a:avLst/>
+          </a:prstGeom>
+        </p:spPr>
+        <p:txBody>
           <a:bodyPr vert="horz" wrap="square" lIns="0" tIns="0" rIns="0" bIns="0" rtlCol="0" anchor="ctr">
             <a:noAutofit/>
           </a:bodyPr>
-          <a:lstStyle/>
-          <a:p>
-            <a:pPr algn="ctr">
-              <a:lnSpc>
-                <a:spcPts val="3960"/>
-              </a:lnSpc>
-              <a:tabLst>
-                <a:tab pos="1676400" algn="l"/>
-              </a:tabLst>
-            </a:pPr>
-            <a:r>
-              <a:rPr lang="en-GB" sz="3600" b="1" dirty="0" smtClean="0">
-                <a:solidFill>
-                  <a:schemeClr val="tx2">
+          <a:lstStyle>
+            <a:defPPr>
+              <a:defRPr lang="da-DK"/>
+            </a:defPPr>
+            <a:lvl1pPr marL="0" algn="ctr" defTabSz="914400" rtl="0" eaLnBrk="1" latinLnBrk="0" hangingPunct="1">
+              <a:defRPr sz="1200" kern="1200">
+                <a:solidFill>
+                  <a:schemeClr val="tx1">
+                    <a:tint val="75000"/>
+                  </a:schemeClr>
+                </a:solidFill>
+                <a:latin typeface="+mn-lt"/>
+                <a:ea typeface="+mn-ea"/>
+                <a:cs typeface="+mn-cs"/>
+              </a:defRPr>
+            </a:lvl1pPr>
+            <a:lvl2pPr marL="457200" algn="l" defTabSz="914400" rtl="0" eaLnBrk="1" latinLnBrk="0" hangingPunct="1">
+              <a:defRPr sz="1800" kern="1200">
+                <a:solidFill>
+                  <a:schemeClr val="tx1"/>
+                </a:solidFill>
+                <a:latin typeface="+mn-lt"/>
+                <a:ea typeface="+mn-ea"/>
+                <a:cs typeface="+mn-cs"/>
+              </a:defRPr>
+            </a:lvl2pPr>
+            <a:lvl3pPr marL="914400" algn="l" defTabSz="914400" rtl="0" eaLnBrk="1" latinLnBrk="0" hangingPunct="1">
+              <a:defRPr sz="1800" kern="1200">
+                <a:solidFill>
+                  <a:schemeClr val="tx1"/>
+                </a:solidFill>
+                <a:latin typeface="+mn-lt"/>
+                <a:ea typeface="+mn-ea"/>
+                <a:cs typeface="+mn-cs"/>
+              </a:defRPr>
+            </a:lvl3pPr>
+            <a:lvl4pPr marL="1371600" algn="l" defTabSz="914400" rtl="0" eaLnBrk="1" latinLnBrk="0" hangingPunct="1">
+              <a:defRPr sz="1800" kern="1200">
+                <a:solidFill>
+                  <a:schemeClr val="tx1"/>
+                </a:solidFill>
+                <a:latin typeface="+mn-lt"/>
+                <a:ea typeface="+mn-ea"/>
+                <a:cs typeface="+mn-cs"/>
+              </a:defRPr>
+            </a:lvl4pPr>
+            <a:lvl5pPr marL="1828800" algn="l" defTabSz="914400" rtl="0" eaLnBrk="1" latinLnBrk="0" hangingPunct="1">
+              <a:defRPr sz="1800" kern="1200">
+                <a:solidFill>
+                  <a:schemeClr val="tx1"/>
+                </a:solidFill>
+                <a:latin typeface="+mn-lt"/>
+                <a:ea typeface="+mn-ea"/>
+                <a:cs typeface="+mn-cs"/>
+              </a:defRPr>
+            </a:lvl5pPr>
+            <a:lvl6pPr marL="2286000" algn="l" defTabSz="914400" rtl="0" eaLnBrk="1" latinLnBrk="0" hangingPunct="1">
+              <a:defRPr sz="1800" kern="1200">
+                <a:solidFill>
+                  <a:schemeClr val="tx1"/>
+                </a:solidFill>
+                <a:latin typeface="+mn-lt"/>
+                <a:ea typeface="+mn-ea"/>
+                <a:cs typeface="+mn-cs"/>
+              </a:defRPr>
+            </a:lvl6pPr>
+            <a:lvl7pPr marL="2743200" algn="l" defTabSz="914400" rtl="0" eaLnBrk="1" latinLnBrk="0" hangingPunct="1">
+              <a:defRPr sz="1800" kern="1200">
+                <a:solidFill>
+                  <a:schemeClr val="tx1"/>
+                </a:solidFill>
+                <a:latin typeface="+mn-lt"/>
+                <a:ea typeface="+mn-ea"/>
+                <a:cs typeface="+mn-cs"/>
+              </a:defRPr>
+            </a:lvl7pPr>
+            <a:lvl8pPr marL="3200400" algn="l" defTabSz="914400" rtl="0" eaLnBrk="1" latinLnBrk="0" hangingPunct="1">
+              <a:defRPr sz="1800" kern="1200">
+                <a:solidFill>
+                  <a:schemeClr val="tx1"/>
+                </a:solidFill>
+                <a:latin typeface="+mn-lt"/>
+                <a:ea typeface="+mn-ea"/>
+                <a:cs typeface="+mn-cs"/>
+              </a:defRPr>
+            </a:lvl8pPr>
+            <a:lvl9pPr marL="3657600" algn="l" defTabSz="914400" rtl="0" eaLnBrk="1" latinLnBrk="0" hangingPunct="1">
+              <a:defRPr sz="1800" kern="1200">
+                <a:solidFill>
+                  <a:schemeClr val="tx1"/>
+                </a:solidFill>
+                <a:latin typeface="+mn-lt"/>
+                <a:ea typeface="+mn-ea"/>
+                <a:cs typeface="+mn-cs"/>
+              </a:defRPr>
+            </a:lvl9pPr>
+          </a:lstStyle>
+          <a:p>
+            <a:pPr marL="12700"/>
+            <a:r>
+              <a:rPr lang="da-DK" sz="850" b="1" kern="0" cap="all" spc="200" dirty="0" smtClean="0">
+                <a:solidFill>
+                  <a:schemeClr val="tx1">
                     <a:lumMod val="50000"/>
-                  </a:schemeClr>
-                </a:solidFill>
-                <a:latin typeface="Arial"/>
-                <a:cs typeface="Arial"/>
-              </a:rPr>
-              <a:t>Application </a:t>
-            </a:r>
-            <a:r>
-              <a:rPr lang="en-GB" sz="3600" b="1" dirty="0" err="1" smtClean="0">
-                <a:solidFill>
-                  <a:schemeClr val="tx2">
+                    <a:lumOff val="50000"/>
+                  </a:schemeClr>
+                </a:solidFill>
+                <a:latin typeface="Arial"/>
+                <a:cs typeface="Arial"/>
+              </a:rPr>
+              <a:t>8 OF 17  | </a:t>
+            </a:r>
+            <a:r>
+              <a:rPr lang="da-DK" sz="850" b="1" kern="0" spc="200" dirty="0" smtClean="0">
+                <a:solidFill>
+                  <a:schemeClr val="tx1">
                     <a:lumMod val="50000"/>
-                  </a:schemeClr>
-                </a:solidFill>
-                <a:latin typeface="Arial"/>
-                <a:cs typeface="Arial"/>
-              </a:rPr>
-              <a:t>Implementaion</a:t>
-            </a:r>
-            <a:endParaRPr sz="3600" b="1" dirty="0">
-              <a:solidFill>
-                <a:schemeClr val="tx2">
+                    <a:lumOff val="50000"/>
+                  </a:schemeClr>
+                </a:solidFill>
+                <a:latin typeface="Arial"/>
+                <a:cs typeface="Arial"/>
+              </a:rPr>
+              <a:t>15.02.2014</a:t>
+            </a:r>
+            <a:endParaRPr lang="da-DK" sz="850" kern="0" cap="all" spc="200" dirty="0">
+              <a:solidFill>
+                <a:schemeClr val="tx1">
                   <a:lumMod val="50000"/>
+                  <a:lumOff val="50000"/>
                 </a:schemeClr>
               </a:solidFill>
               <a:latin typeface="Arial"/>
@@ -10971,14 +16020,14 @@
       </p:sp>
       <p:pic>
         <p:nvPicPr>
-          <p:cNvPr id="10" name="Billede 9"/>
+          <p:cNvPr id="4" name="Picture 3"/>
           <p:cNvPicPr>
             <a:picLocks noChangeAspect="1"/>
           </p:cNvPicPr>
           <p:nvPr/>
         </p:nvPicPr>
         <p:blipFill>
-          <a:blip r:embed="rId2" cstate="print">
+          <a:blip r:embed="rId2">
             <a:extLst>
               <a:ext uri="{28A0092B-C50C-407E-A947-70E740481C1C}">
                 <a14:useLocalDpi xmlns:a14="http://schemas.microsoft.com/office/drawing/2010/main" val="0"/>
@@ -10991,80 +16040,343 @@
         </p:blipFill>
         <p:spPr>
           <a:xfrm>
-            <a:off x="5348699" y="5576322"/>
-            <a:ext cx="1543270" cy="1009770"/>
+            <a:off x="2150300" y="1228313"/>
+            <a:ext cx="2741582" cy="4362297"/>
           </a:xfrm>
           <a:prstGeom prst="rect">
             <a:avLst/>
           </a:prstGeom>
         </p:spPr>
       </p:pic>
-      <p:sp>
-        <p:nvSpPr>
-          <p:cNvPr id="4" name="Rektangel 3"/>
-          <p:cNvSpPr/>
+      <p:pic>
+        <p:nvPicPr>
+          <p:cNvPr id="5" name="Picture 4"/>
+          <p:cNvPicPr>
+            <a:picLocks noChangeAspect="1"/>
+          </p:cNvPicPr>
           <p:nvPr/>
-        </p:nvSpPr>
+        </p:nvPicPr>
+        <p:blipFill>
+          <a:blip r:embed="rId3" cstate="print">
+            <a:extLst>
+              <a:ext uri="{28A0092B-C50C-407E-A947-70E740481C1C}">
+                <a14:useLocalDpi xmlns:a14="http://schemas.microsoft.com/office/drawing/2010/main" val="0"/>
+              </a:ext>
+            </a:extLst>
+          </a:blip>
+          <a:stretch>
+            <a:fillRect/>
+          </a:stretch>
+        </p:blipFill>
         <p:spPr>
           <a:xfrm>
-            <a:off x="3810000" y="3516167"/>
-            <a:ext cx="4572000" cy="276999"/>
+            <a:off x="7148752" y="1081274"/>
+            <a:ext cx="2571750" cy="4572000"/>
           </a:xfrm>
           <a:prstGeom prst="rect">
             <a:avLst/>
           </a:prstGeom>
         </p:spPr>
-        <p:txBody>
-          <a:bodyPr>
+      </p:pic>
+      <p:sp>
+        <p:nvSpPr>
+          <p:cNvPr id="11" name="Right Arrow 10"/>
+          <p:cNvSpPr/>
+          <p:nvPr/>
+        </p:nvSpPr>
+        <p:spPr>
+          <a:xfrm>
+            <a:off x="5336558" y="2744861"/>
+            <a:ext cx="1366855" cy="675702"/>
+          </a:xfrm>
+          <a:prstGeom prst="rightArrow">
+            <a:avLst/>
+          </a:prstGeom>
+        </p:spPr>
+        <p:style>
+          <a:lnRef idx="2">
+            <a:schemeClr val="accent1">
+              <a:shade val="50000"/>
+            </a:schemeClr>
+          </a:lnRef>
+          <a:fillRef idx="1">
+            <a:schemeClr val="accent1"/>
+          </a:fillRef>
+          <a:effectRef idx="0">
+            <a:schemeClr val="accent1"/>
+          </a:effectRef>
+          <a:fontRef idx="minor">
+            <a:schemeClr val="lt1"/>
+          </a:fontRef>
+        </p:style>
+        <p:txBody>
+          <a:bodyPr rtlCol="0" anchor="ctr"/>
+          <a:lstStyle/>
+          <a:p>
+            <a:pPr algn="ctr"/>
+            <a:endParaRPr lang="da-DK"/>
+          </a:p>
+        </p:txBody>
+      </p:sp>
+      <p:sp>
+        <p:nvSpPr>
+          <p:cNvPr id="12" name="TextBox 11"/>
+          <p:cNvSpPr txBox="1"/>
+          <p:nvPr/>
+        </p:nvSpPr>
+        <p:spPr>
+          <a:xfrm>
+            <a:off x="7148752" y="181694"/>
+            <a:ext cx="4829888" cy="861774"/>
+          </a:xfrm>
+          <a:prstGeom prst="rect">
+            <a:avLst/>
+          </a:prstGeom>
+          <a:noFill/>
+        </p:spPr>
+        <p:txBody>
+          <a:bodyPr wrap="square" numCol="2" rtlCol="0">
             <a:spAutoFit/>
           </a:bodyPr>
           <a:lstStyle/>
           <a:p>
-            <a:pPr marR="28575" algn="ctr"/>
-            <a:r>
-              <a:rPr lang="en-US" sz="1200" kern="0" cap="all" spc="200" dirty="0" err="1" smtClean="0">
-                <a:solidFill>
-                  <a:schemeClr val="tx2">
-                    <a:lumMod val="50000"/>
-                  </a:schemeClr>
-                </a:solidFill>
-                <a:latin typeface="Arial"/>
-                <a:cs typeface="Arial"/>
-              </a:rPr>
-              <a:t>Jesper</a:t>
-            </a:r>
-            <a:r>
-              <a:rPr lang="en-US" sz="1200" kern="0" cap="all" spc="200" dirty="0" smtClean="0">
-                <a:solidFill>
-                  <a:schemeClr val="tx2">
-                    <a:lumMod val="50000"/>
-                  </a:schemeClr>
-                </a:solidFill>
-                <a:latin typeface="Arial"/>
-                <a:cs typeface="Arial"/>
-              </a:rPr>
-              <a:t> R. Andersen</a:t>
-            </a:r>
+            <a:pPr marL="12700"/>
+            <a:r>
+              <a:rPr lang="en-GB" sz="1000" b="1" cap="all" spc="200" dirty="0">
+                <a:solidFill>
+                  <a:schemeClr val="accent1">
+                    <a:lumMod val="75000"/>
+                    <a:alpha val="50000"/>
+                  </a:schemeClr>
+                </a:solidFill>
+                <a:latin typeface="Arial"/>
+                <a:cs typeface="Arial"/>
+              </a:rPr>
+              <a:t>Motivation</a:t>
+            </a:r>
+            <a:endParaRPr lang="da-DK" sz="1000" b="1" cap="all" spc="200" dirty="0">
+              <a:solidFill>
+                <a:schemeClr val="accent1">
+                  <a:lumMod val="75000"/>
+                  <a:alpha val="50000"/>
+                </a:schemeClr>
+              </a:solidFill>
+              <a:latin typeface="Arial"/>
+              <a:cs typeface="Arial"/>
+            </a:endParaRPr>
+          </a:p>
+          <a:p>
+            <a:pPr marL="12700"/>
+            <a:r>
+              <a:rPr lang="en-GB" sz="1000" b="1" cap="all" spc="200" dirty="0">
+                <a:solidFill>
+                  <a:schemeClr val="accent1">
+                    <a:lumMod val="75000"/>
+                    <a:alpha val="50000"/>
+                  </a:schemeClr>
+                </a:solidFill>
+                <a:latin typeface="Arial"/>
+                <a:cs typeface="Arial"/>
+              </a:rPr>
+              <a:t>Concept</a:t>
+            </a:r>
+            <a:endParaRPr lang="da-DK" sz="1000" b="1" cap="all" spc="200" dirty="0">
+              <a:solidFill>
+                <a:schemeClr val="accent1">
+                  <a:lumMod val="75000"/>
+                  <a:alpha val="50000"/>
+                </a:schemeClr>
+              </a:solidFill>
+              <a:latin typeface="Arial"/>
+              <a:cs typeface="Arial"/>
+            </a:endParaRPr>
+          </a:p>
+          <a:p>
+            <a:pPr marL="12700"/>
+            <a:r>
+              <a:rPr lang="en-GB" sz="1000" b="1" cap="all" spc="200" dirty="0">
+                <a:solidFill>
+                  <a:schemeClr val="accent1">
+                    <a:lumMod val="75000"/>
+                  </a:schemeClr>
+                </a:solidFill>
+                <a:latin typeface="Arial"/>
+                <a:cs typeface="Arial"/>
+              </a:rPr>
+              <a:t>App design</a:t>
+            </a:r>
+          </a:p>
+          <a:p>
+            <a:pPr marL="12700"/>
+            <a:r>
+              <a:rPr lang="en-GB" sz="1000" b="1" cap="all" spc="200" dirty="0">
+                <a:solidFill>
+                  <a:schemeClr val="accent1">
+                    <a:lumMod val="75000"/>
+                    <a:alpha val="50000"/>
+                  </a:schemeClr>
+                </a:solidFill>
+                <a:latin typeface="Arial"/>
+                <a:cs typeface="Arial"/>
+              </a:rPr>
+              <a:t>App implementation</a:t>
+            </a:r>
+            <a:r>
+              <a:rPr lang="da-DK" sz="1000" b="1" cap="all" spc="200" dirty="0">
+                <a:solidFill>
+                  <a:schemeClr val="accent1">
+                    <a:lumMod val="75000"/>
+                    <a:alpha val="50000"/>
+                  </a:schemeClr>
+                </a:solidFill>
+                <a:latin typeface="Arial"/>
+                <a:cs typeface="Arial"/>
+              </a:rPr>
+              <a:t> </a:t>
+            </a:r>
+          </a:p>
+          <a:p>
+            <a:pPr marL="12700"/>
+            <a:endParaRPr lang="da-DK" sz="1000" b="1" cap="all" spc="200" dirty="0">
+              <a:solidFill>
+                <a:schemeClr val="accent1">
+                  <a:lumMod val="75000"/>
+                  <a:alpha val="50000"/>
+                </a:schemeClr>
+              </a:solidFill>
+              <a:latin typeface="Arial"/>
+              <a:cs typeface="Arial"/>
+            </a:endParaRPr>
+          </a:p>
+          <a:p>
+            <a:pPr marL="12700"/>
+            <a:r>
+              <a:rPr lang="en-GB" sz="1000" b="1" cap="all" spc="200" dirty="0" smtClean="0">
+                <a:solidFill>
+                  <a:schemeClr val="accent1">
+                    <a:lumMod val="75000"/>
+                    <a:alpha val="50000"/>
+                  </a:schemeClr>
+                </a:solidFill>
+                <a:latin typeface="Arial"/>
+                <a:cs typeface="Arial"/>
+              </a:rPr>
+              <a:t>Website</a:t>
+            </a:r>
+            <a:endParaRPr lang="da-DK" sz="1000" b="1" cap="all" spc="200" dirty="0">
+              <a:solidFill>
+                <a:schemeClr val="accent1">
+                  <a:lumMod val="75000"/>
+                  <a:alpha val="50000"/>
+                </a:schemeClr>
+              </a:solidFill>
+              <a:latin typeface="Arial"/>
+              <a:cs typeface="Arial"/>
+            </a:endParaRPr>
+          </a:p>
+          <a:p>
+            <a:pPr marL="12700"/>
+            <a:r>
+              <a:rPr lang="da-DK" sz="1000" b="1" cap="all" spc="200" dirty="0" smtClean="0">
+                <a:solidFill>
+                  <a:schemeClr val="accent1">
+                    <a:lumMod val="75000"/>
+                    <a:alpha val="50000"/>
+                  </a:schemeClr>
+                </a:solidFill>
+                <a:latin typeface="Arial"/>
+                <a:cs typeface="Arial"/>
+              </a:rPr>
+              <a:t>Server </a:t>
+            </a:r>
+            <a:r>
+              <a:rPr lang="da-DK" sz="1000" b="1" cap="all" spc="200" dirty="0" err="1" smtClean="0">
+                <a:solidFill>
+                  <a:schemeClr val="accent1">
+                    <a:lumMod val="75000"/>
+                    <a:alpha val="50000"/>
+                  </a:schemeClr>
+                </a:solidFill>
+                <a:latin typeface="Arial"/>
+                <a:cs typeface="Arial"/>
+              </a:rPr>
+              <a:t>Communication</a:t>
+            </a:r>
+            <a:endParaRPr lang="da-DK" sz="1000" b="1" cap="all" spc="200" dirty="0" smtClean="0">
+              <a:solidFill>
+                <a:schemeClr val="accent1">
+                  <a:lumMod val="75000"/>
+                  <a:alpha val="50000"/>
+                </a:schemeClr>
+              </a:solidFill>
+              <a:latin typeface="Arial"/>
+              <a:cs typeface="Arial"/>
+            </a:endParaRPr>
+          </a:p>
+          <a:p>
+            <a:pPr marL="12700"/>
+            <a:r>
+              <a:rPr lang="en-GB" sz="1000" b="1" cap="all" spc="200" dirty="0" smtClean="0">
+                <a:solidFill>
+                  <a:schemeClr val="accent1">
+                    <a:lumMod val="75000"/>
+                    <a:alpha val="50000"/>
+                  </a:schemeClr>
+                </a:solidFill>
+                <a:latin typeface="Arial"/>
+                <a:cs typeface="Arial"/>
+              </a:rPr>
+              <a:t>Results and findings</a:t>
+            </a:r>
+          </a:p>
+          <a:p>
+            <a:pPr marL="12700"/>
+            <a:r>
+              <a:rPr lang="en-GB" sz="1000" b="1" cap="all" spc="200" dirty="0" smtClean="0">
+                <a:solidFill>
+                  <a:schemeClr val="accent1">
+                    <a:lumMod val="75000"/>
+                    <a:alpha val="50000"/>
+                  </a:schemeClr>
+                </a:solidFill>
+                <a:latin typeface="Arial"/>
+                <a:cs typeface="Arial"/>
+              </a:rPr>
+              <a:t>Demonstration</a:t>
+            </a:r>
+            <a:endParaRPr lang="da-DK" sz="1000" b="1" cap="all" spc="200" dirty="0">
+              <a:solidFill>
+                <a:schemeClr val="accent1">
+                  <a:lumMod val="75000"/>
+                  <a:alpha val="50000"/>
+                </a:schemeClr>
+              </a:solidFill>
+              <a:latin typeface="Arial"/>
+              <a:cs typeface="Arial"/>
+            </a:endParaRPr>
+          </a:p>
+          <a:p>
+            <a:endParaRPr lang="da-DK" sz="1000" dirty="0"/>
           </a:p>
         </p:txBody>
       </p:sp>
     </p:spTree>
     <p:extLst>
       <p:ext uri="{BB962C8B-B14F-4D97-AF65-F5344CB8AC3E}">
-        <p14:creationId xmlns:p14="http://schemas.microsoft.com/office/powerpoint/2010/main" val="2990410965"/>
+        <p14:creationId xmlns:p14="http://schemas.microsoft.com/office/powerpoint/2010/main" val="3457286385"/>
       </p:ext>
     </p:extLst>
   </p:cSld>
   <p:clrMapOvr>
     <a:masterClrMapping/>
   </p:clrMapOvr>
-  <mc:AlternateContent xmlns:mc="http://schemas.openxmlformats.org/markup-compatibility/2006">
-    <mc:Choice xmlns:p14="http://schemas.microsoft.com/office/powerpoint/2010/main" Requires="p14">
+  <mc:AlternateContent xmlns:mc="http://schemas.openxmlformats.org/markup-compatibility/2006" xmlns:p14="http://schemas.microsoft.com/office/powerpoint/2010/main">
+    <mc:Choice Requires="p14">
       <p:transition p14:dur="250">
         <p:fade/>
       </p:transition>
     </mc:Choice>
-    <mc:Fallback>
+    <mc:Fallback xmlns="">
       <p:transition>
         <p:fade/>
       </p:transition>
